--- a/04_Working-with-iRODS.pptx
+++ b/04_Working-with-iRODS.pptx
@@ -6,20 +6,19 @@
     <p:sldMasterId id="2147483694" r:id="rId2"/>
   </p:sldMasterIdLst>
   <p:notesMasterIdLst>
-    <p:notesMasterId r:id="rId11"/>
+    <p:notesMasterId r:id="rId10"/>
   </p:notesMasterIdLst>
   <p:handoutMasterIdLst>
-    <p:handoutMasterId r:id="rId12"/>
+    <p:handoutMasterId r:id="rId11"/>
   </p:handoutMasterIdLst>
   <p:sldIdLst>
     <p:sldId id="261" r:id="rId3"/>
     <p:sldId id="530" r:id="rId4"/>
-    <p:sldId id="564" r:id="rId5"/>
+    <p:sldId id="531" r:id="rId5"/>
     <p:sldId id="570" r:id="rId6"/>
     <p:sldId id="571" r:id="rId7"/>
     <p:sldId id="565" r:id="rId8"/>
     <p:sldId id="566" r:id="rId9"/>
-    <p:sldId id="568" r:id="rId10"/>
   </p:sldIdLst>
   <p:sldSz cx="12192000" cy="6858000"/>
   <p:notesSz cx="6858000" cy="9144000"/>
@@ -129,2522 +128,6 @@
 </p:presentation>
 </file>
 
-<file path=ppt/diagrams/colors1.xml><?xml version="1.0" encoding="utf-8"?>
-<dgm:colorsDef xmlns:dgm="http://schemas.openxmlformats.org/drawingml/2006/diagram" xmlns:a="http://schemas.openxmlformats.org/drawingml/2006/main" uniqueId="urn:microsoft.com/office/officeart/2005/8/colors/accent1_2">
-  <dgm:title val=""/>
-  <dgm:desc val=""/>
-  <dgm:catLst>
-    <dgm:cat type="accent1" pri="11200"/>
-  </dgm:catLst>
-  <dgm:styleLbl name="node0">
-    <dgm:fillClrLst meth="repeat">
-      <a:schemeClr val="accent1"/>
-    </dgm:fillClrLst>
-    <dgm:linClrLst meth="repeat">
-      <a:schemeClr val="lt1"/>
-    </dgm:linClrLst>
-    <dgm:effectClrLst/>
-    <dgm:txLinClrLst/>
-    <dgm:txFillClrLst/>
-    <dgm:txEffectClrLst/>
-  </dgm:styleLbl>
-  <dgm:styleLbl name="alignNode1">
-    <dgm:fillClrLst meth="repeat">
-      <a:schemeClr val="accent1"/>
-    </dgm:fillClrLst>
-    <dgm:linClrLst meth="repeat">
-      <a:schemeClr val="accent1"/>
-    </dgm:linClrLst>
-    <dgm:effectClrLst/>
-    <dgm:txLinClrLst/>
-    <dgm:txFillClrLst/>
-    <dgm:txEffectClrLst/>
-  </dgm:styleLbl>
-  <dgm:styleLbl name="node1">
-    <dgm:fillClrLst meth="repeat">
-      <a:schemeClr val="accent1"/>
-    </dgm:fillClrLst>
-    <dgm:linClrLst meth="repeat">
-      <a:schemeClr val="lt1"/>
-    </dgm:linClrLst>
-    <dgm:effectClrLst/>
-    <dgm:txLinClrLst/>
-    <dgm:txFillClrLst/>
-    <dgm:txEffectClrLst/>
-  </dgm:styleLbl>
-  <dgm:styleLbl name="lnNode1">
-    <dgm:fillClrLst meth="repeat">
-      <a:schemeClr val="accent1"/>
-    </dgm:fillClrLst>
-    <dgm:linClrLst meth="repeat">
-      <a:schemeClr val="lt1"/>
-    </dgm:linClrLst>
-    <dgm:effectClrLst/>
-    <dgm:txLinClrLst/>
-    <dgm:txFillClrLst/>
-    <dgm:txEffectClrLst/>
-  </dgm:styleLbl>
-  <dgm:styleLbl name="vennNode1">
-    <dgm:fillClrLst meth="repeat">
-      <a:schemeClr val="accent1">
-        <a:alpha val="50000"/>
-      </a:schemeClr>
-    </dgm:fillClrLst>
-    <dgm:linClrLst meth="repeat">
-      <a:schemeClr val="lt1"/>
-    </dgm:linClrLst>
-    <dgm:effectClrLst/>
-    <dgm:txLinClrLst/>
-    <dgm:txFillClrLst/>
-    <dgm:txEffectClrLst/>
-  </dgm:styleLbl>
-  <dgm:styleLbl name="node2">
-    <dgm:fillClrLst meth="repeat">
-      <a:schemeClr val="accent1"/>
-    </dgm:fillClrLst>
-    <dgm:linClrLst meth="repeat">
-      <a:schemeClr val="lt1"/>
-    </dgm:linClrLst>
-    <dgm:effectClrLst/>
-    <dgm:txLinClrLst/>
-    <dgm:txFillClrLst/>
-    <dgm:txEffectClrLst/>
-  </dgm:styleLbl>
-  <dgm:styleLbl name="node3">
-    <dgm:fillClrLst meth="repeat">
-      <a:schemeClr val="accent1"/>
-    </dgm:fillClrLst>
-    <dgm:linClrLst meth="repeat">
-      <a:schemeClr val="lt1"/>
-    </dgm:linClrLst>
-    <dgm:effectClrLst/>
-    <dgm:txLinClrLst/>
-    <dgm:txFillClrLst/>
-    <dgm:txEffectClrLst/>
-  </dgm:styleLbl>
-  <dgm:styleLbl name="node4">
-    <dgm:fillClrLst meth="repeat">
-      <a:schemeClr val="accent1"/>
-    </dgm:fillClrLst>
-    <dgm:linClrLst meth="repeat">
-      <a:schemeClr val="lt1"/>
-    </dgm:linClrLst>
-    <dgm:effectClrLst/>
-    <dgm:txLinClrLst/>
-    <dgm:txFillClrLst/>
-    <dgm:txEffectClrLst/>
-  </dgm:styleLbl>
-  <dgm:styleLbl name="fgImgPlace1">
-    <dgm:fillClrLst meth="repeat">
-      <a:schemeClr val="accent1">
-        <a:tint val="50000"/>
-      </a:schemeClr>
-    </dgm:fillClrLst>
-    <dgm:linClrLst meth="repeat">
-      <a:schemeClr val="lt1"/>
-    </dgm:linClrLst>
-    <dgm:effectClrLst/>
-    <dgm:txLinClrLst/>
-    <dgm:txFillClrLst meth="repeat">
-      <a:schemeClr val="lt1"/>
-    </dgm:txFillClrLst>
-    <dgm:txEffectClrLst/>
-  </dgm:styleLbl>
-  <dgm:styleLbl name="alignImgPlace1">
-    <dgm:fillClrLst meth="repeat">
-      <a:schemeClr val="accent1">
-        <a:tint val="50000"/>
-      </a:schemeClr>
-    </dgm:fillClrLst>
-    <dgm:linClrLst meth="repeat">
-      <a:schemeClr val="lt1"/>
-    </dgm:linClrLst>
-    <dgm:effectClrLst/>
-    <dgm:txLinClrLst/>
-    <dgm:txFillClrLst meth="repeat">
-      <a:schemeClr val="lt1"/>
-    </dgm:txFillClrLst>
-    <dgm:txEffectClrLst/>
-  </dgm:styleLbl>
-  <dgm:styleLbl name="bgImgPlace1">
-    <dgm:fillClrLst meth="repeat">
-      <a:schemeClr val="accent1">
-        <a:tint val="50000"/>
-      </a:schemeClr>
-    </dgm:fillClrLst>
-    <dgm:linClrLst meth="repeat">
-      <a:schemeClr val="lt1"/>
-    </dgm:linClrLst>
-    <dgm:effectClrLst/>
-    <dgm:txLinClrLst/>
-    <dgm:txFillClrLst meth="repeat">
-      <a:schemeClr val="lt1"/>
-    </dgm:txFillClrLst>
-    <dgm:txEffectClrLst/>
-  </dgm:styleLbl>
-  <dgm:styleLbl name="sibTrans2D1">
-    <dgm:fillClrLst meth="repeat">
-      <a:schemeClr val="accent1">
-        <a:tint val="60000"/>
-      </a:schemeClr>
-    </dgm:fillClrLst>
-    <dgm:linClrLst meth="repeat">
-      <a:schemeClr val="accent1">
-        <a:tint val="60000"/>
-      </a:schemeClr>
-    </dgm:linClrLst>
-    <dgm:effectClrLst/>
-    <dgm:txLinClrLst/>
-    <dgm:txFillClrLst/>
-    <dgm:txEffectClrLst/>
-  </dgm:styleLbl>
-  <dgm:styleLbl name="fgSibTrans2D1">
-    <dgm:fillClrLst meth="repeat">
-      <a:schemeClr val="accent1">
-        <a:tint val="60000"/>
-      </a:schemeClr>
-    </dgm:fillClrLst>
-    <dgm:linClrLst meth="repeat">
-      <a:schemeClr val="accent1">
-        <a:tint val="60000"/>
-      </a:schemeClr>
-    </dgm:linClrLst>
-    <dgm:effectClrLst/>
-    <dgm:txLinClrLst/>
-    <dgm:txFillClrLst/>
-    <dgm:txEffectClrLst/>
-  </dgm:styleLbl>
-  <dgm:styleLbl name="bgSibTrans2D1">
-    <dgm:fillClrLst meth="repeat">
-      <a:schemeClr val="accent1">
-        <a:tint val="60000"/>
-      </a:schemeClr>
-    </dgm:fillClrLst>
-    <dgm:linClrLst meth="repeat">
-      <a:schemeClr val="accent1">
-        <a:tint val="60000"/>
-      </a:schemeClr>
-    </dgm:linClrLst>
-    <dgm:effectClrLst/>
-    <dgm:txLinClrLst/>
-    <dgm:txFillClrLst/>
-    <dgm:txEffectClrLst/>
-  </dgm:styleLbl>
-  <dgm:styleLbl name="sibTrans1D1">
-    <dgm:fillClrLst meth="repeat">
-      <a:schemeClr val="accent1"/>
-    </dgm:fillClrLst>
-    <dgm:linClrLst meth="repeat">
-      <a:schemeClr val="accent1"/>
-    </dgm:linClrLst>
-    <dgm:effectClrLst/>
-    <dgm:txLinClrLst/>
-    <dgm:txFillClrLst meth="repeat">
-      <a:schemeClr val="tx1"/>
-    </dgm:txFillClrLst>
-    <dgm:txEffectClrLst/>
-  </dgm:styleLbl>
-  <dgm:styleLbl name="callout">
-    <dgm:fillClrLst meth="repeat">
-      <a:schemeClr val="accent1"/>
-    </dgm:fillClrLst>
-    <dgm:linClrLst meth="repeat">
-      <a:schemeClr val="accent1">
-        <a:tint val="50000"/>
-      </a:schemeClr>
-    </dgm:linClrLst>
-    <dgm:effectClrLst/>
-    <dgm:txLinClrLst/>
-    <dgm:txFillClrLst meth="repeat">
-      <a:schemeClr val="tx1"/>
-    </dgm:txFillClrLst>
-    <dgm:txEffectClrLst/>
-  </dgm:styleLbl>
-  <dgm:styleLbl name="asst0">
-    <dgm:fillClrLst meth="repeat">
-      <a:schemeClr val="accent1"/>
-    </dgm:fillClrLst>
-    <dgm:linClrLst meth="repeat">
-      <a:schemeClr val="lt1"/>
-    </dgm:linClrLst>
-    <dgm:effectClrLst/>
-    <dgm:txLinClrLst/>
-    <dgm:txFillClrLst/>
-    <dgm:txEffectClrLst/>
-  </dgm:styleLbl>
-  <dgm:styleLbl name="asst1">
-    <dgm:fillClrLst meth="repeat">
-      <a:schemeClr val="accent1"/>
-    </dgm:fillClrLst>
-    <dgm:linClrLst meth="repeat">
-      <a:schemeClr val="lt1"/>
-    </dgm:linClrLst>
-    <dgm:effectClrLst/>
-    <dgm:txLinClrLst/>
-    <dgm:txFillClrLst/>
-    <dgm:txEffectClrLst/>
-  </dgm:styleLbl>
-  <dgm:styleLbl name="asst2">
-    <dgm:fillClrLst meth="repeat">
-      <a:schemeClr val="accent1"/>
-    </dgm:fillClrLst>
-    <dgm:linClrLst meth="repeat">
-      <a:schemeClr val="lt1"/>
-    </dgm:linClrLst>
-    <dgm:effectClrLst/>
-    <dgm:txLinClrLst/>
-    <dgm:txFillClrLst/>
-    <dgm:txEffectClrLst/>
-  </dgm:styleLbl>
-  <dgm:styleLbl name="asst3">
-    <dgm:fillClrLst meth="repeat">
-      <a:schemeClr val="accent1"/>
-    </dgm:fillClrLst>
-    <dgm:linClrLst meth="repeat">
-      <a:schemeClr val="lt1"/>
-    </dgm:linClrLst>
-    <dgm:effectClrLst/>
-    <dgm:txLinClrLst/>
-    <dgm:txFillClrLst/>
-    <dgm:txEffectClrLst/>
-  </dgm:styleLbl>
-  <dgm:styleLbl name="asst4">
-    <dgm:fillClrLst meth="repeat">
-      <a:schemeClr val="accent1"/>
-    </dgm:fillClrLst>
-    <dgm:linClrLst meth="repeat">
-      <a:schemeClr val="lt1"/>
-    </dgm:linClrLst>
-    <dgm:effectClrLst/>
-    <dgm:txLinClrLst/>
-    <dgm:txFillClrLst/>
-    <dgm:txEffectClrLst/>
-  </dgm:styleLbl>
-  <dgm:styleLbl name="parChTrans2D1">
-    <dgm:fillClrLst meth="repeat">
-      <a:schemeClr val="accent1">
-        <a:tint val="60000"/>
-      </a:schemeClr>
-    </dgm:fillClrLst>
-    <dgm:linClrLst meth="repeat">
-      <a:schemeClr val="accent1">
-        <a:tint val="60000"/>
-      </a:schemeClr>
-    </dgm:linClrLst>
-    <dgm:effectClrLst/>
-    <dgm:txLinClrLst/>
-    <dgm:txFillClrLst meth="repeat">
-      <a:schemeClr val="lt1"/>
-    </dgm:txFillClrLst>
-    <dgm:txEffectClrLst/>
-  </dgm:styleLbl>
-  <dgm:styleLbl name="parChTrans2D2">
-    <dgm:fillClrLst meth="repeat">
-      <a:schemeClr val="accent1"/>
-    </dgm:fillClrLst>
-    <dgm:linClrLst meth="repeat">
-      <a:schemeClr val="accent1"/>
-    </dgm:linClrLst>
-    <dgm:effectClrLst/>
-    <dgm:txLinClrLst/>
-    <dgm:txFillClrLst meth="repeat">
-      <a:schemeClr val="lt1"/>
-    </dgm:txFillClrLst>
-    <dgm:txEffectClrLst/>
-  </dgm:styleLbl>
-  <dgm:styleLbl name="parChTrans2D3">
-    <dgm:fillClrLst meth="repeat">
-      <a:schemeClr val="accent1"/>
-    </dgm:fillClrLst>
-    <dgm:linClrLst meth="repeat">
-      <a:schemeClr val="accent1"/>
-    </dgm:linClrLst>
-    <dgm:effectClrLst/>
-    <dgm:txLinClrLst/>
-    <dgm:txFillClrLst meth="repeat">
-      <a:schemeClr val="lt1"/>
-    </dgm:txFillClrLst>
-    <dgm:txEffectClrLst/>
-  </dgm:styleLbl>
-  <dgm:styleLbl name="parChTrans2D4">
-    <dgm:fillClrLst meth="repeat">
-      <a:schemeClr val="accent1"/>
-    </dgm:fillClrLst>
-    <dgm:linClrLst meth="repeat">
-      <a:schemeClr val="accent1"/>
-    </dgm:linClrLst>
-    <dgm:effectClrLst/>
-    <dgm:txLinClrLst/>
-    <dgm:txFillClrLst meth="repeat">
-      <a:schemeClr val="lt1"/>
-    </dgm:txFillClrLst>
-    <dgm:txEffectClrLst/>
-  </dgm:styleLbl>
-  <dgm:styleLbl name="parChTrans1D1">
-    <dgm:fillClrLst meth="repeat">
-      <a:schemeClr val="accent1"/>
-    </dgm:fillClrLst>
-    <dgm:linClrLst meth="repeat">
-      <a:schemeClr val="accent1">
-        <a:shade val="60000"/>
-      </a:schemeClr>
-    </dgm:linClrLst>
-    <dgm:effectClrLst/>
-    <dgm:txLinClrLst/>
-    <dgm:txFillClrLst meth="repeat">
-      <a:schemeClr val="tx1"/>
-    </dgm:txFillClrLst>
-    <dgm:txEffectClrLst/>
-  </dgm:styleLbl>
-  <dgm:styleLbl name="parChTrans1D2">
-    <dgm:fillClrLst meth="repeat">
-      <a:schemeClr val="accent1"/>
-    </dgm:fillClrLst>
-    <dgm:linClrLst meth="repeat">
-      <a:schemeClr val="accent1">
-        <a:shade val="60000"/>
-      </a:schemeClr>
-    </dgm:linClrLst>
-    <dgm:effectClrLst/>
-    <dgm:txLinClrLst/>
-    <dgm:txFillClrLst meth="repeat">
-      <a:schemeClr val="tx1"/>
-    </dgm:txFillClrLst>
-    <dgm:txEffectClrLst/>
-  </dgm:styleLbl>
-  <dgm:styleLbl name="parChTrans1D3">
-    <dgm:fillClrLst meth="repeat">
-      <a:schemeClr val="accent1"/>
-    </dgm:fillClrLst>
-    <dgm:linClrLst meth="repeat">
-      <a:schemeClr val="accent1">
-        <a:shade val="80000"/>
-      </a:schemeClr>
-    </dgm:linClrLst>
-    <dgm:effectClrLst/>
-    <dgm:txLinClrLst/>
-    <dgm:txFillClrLst meth="repeat">
-      <a:schemeClr val="tx1"/>
-    </dgm:txFillClrLst>
-    <dgm:txEffectClrLst/>
-  </dgm:styleLbl>
-  <dgm:styleLbl name="parChTrans1D4">
-    <dgm:fillClrLst meth="repeat">
-      <a:schemeClr val="accent1"/>
-    </dgm:fillClrLst>
-    <dgm:linClrLst meth="repeat">
-      <a:schemeClr val="accent1">
-        <a:shade val="80000"/>
-      </a:schemeClr>
-    </dgm:linClrLst>
-    <dgm:effectClrLst/>
-    <dgm:txLinClrLst/>
-    <dgm:txFillClrLst meth="repeat">
-      <a:schemeClr val="tx1"/>
-    </dgm:txFillClrLst>
-    <dgm:txEffectClrLst/>
-  </dgm:styleLbl>
-  <dgm:styleLbl name="fgAcc1">
-    <dgm:fillClrLst meth="repeat">
-      <a:schemeClr val="lt1">
-        <a:alpha val="90000"/>
-      </a:schemeClr>
-    </dgm:fillClrLst>
-    <dgm:linClrLst meth="repeat">
-      <a:schemeClr val="accent1"/>
-    </dgm:linClrLst>
-    <dgm:effectClrLst/>
-    <dgm:txLinClrLst/>
-    <dgm:txFillClrLst meth="repeat">
-      <a:schemeClr val="dk1"/>
-    </dgm:txFillClrLst>
-    <dgm:txEffectClrLst/>
-  </dgm:styleLbl>
-  <dgm:styleLbl name="conFgAcc1">
-    <dgm:fillClrLst meth="repeat">
-      <a:schemeClr val="lt1">
-        <a:alpha val="90000"/>
-      </a:schemeClr>
-    </dgm:fillClrLst>
-    <dgm:linClrLst meth="repeat">
-      <a:schemeClr val="accent1"/>
-    </dgm:linClrLst>
-    <dgm:effectClrLst/>
-    <dgm:txLinClrLst/>
-    <dgm:txFillClrLst meth="repeat">
-      <a:schemeClr val="dk1"/>
-    </dgm:txFillClrLst>
-    <dgm:txEffectClrLst/>
-  </dgm:styleLbl>
-  <dgm:styleLbl name="alignAcc1">
-    <dgm:fillClrLst meth="repeat">
-      <a:schemeClr val="lt1">
-        <a:alpha val="90000"/>
-      </a:schemeClr>
-    </dgm:fillClrLst>
-    <dgm:linClrLst meth="repeat">
-      <a:schemeClr val="accent1"/>
-    </dgm:linClrLst>
-    <dgm:effectClrLst/>
-    <dgm:txLinClrLst/>
-    <dgm:txFillClrLst meth="repeat">
-      <a:schemeClr val="dk1"/>
-    </dgm:txFillClrLst>
-    <dgm:txEffectClrLst/>
-  </dgm:styleLbl>
-  <dgm:styleLbl name="trAlignAcc1">
-    <dgm:fillClrLst meth="repeat">
-      <a:schemeClr val="lt1">
-        <a:alpha val="40000"/>
-      </a:schemeClr>
-    </dgm:fillClrLst>
-    <dgm:linClrLst meth="repeat">
-      <a:schemeClr val="accent1"/>
-    </dgm:linClrLst>
-    <dgm:effectClrLst/>
-    <dgm:txLinClrLst/>
-    <dgm:txFillClrLst meth="repeat">
-      <a:schemeClr val="dk1"/>
-    </dgm:txFillClrLst>
-    <dgm:txEffectClrLst/>
-  </dgm:styleLbl>
-  <dgm:styleLbl name="bgAcc1">
-    <dgm:fillClrLst meth="repeat">
-      <a:schemeClr val="lt1">
-        <a:alpha val="90000"/>
-      </a:schemeClr>
-    </dgm:fillClrLst>
-    <dgm:linClrLst meth="repeat">
-      <a:schemeClr val="accent1"/>
-    </dgm:linClrLst>
-    <dgm:effectClrLst/>
-    <dgm:txLinClrLst/>
-    <dgm:txFillClrLst meth="repeat">
-      <a:schemeClr val="dk1"/>
-    </dgm:txFillClrLst>
-    <dgm:txEffectClrLst/>
-  </dgm:styleLbl>
-  <dgm:styleLbl name="solidFgAcc1">
-    <dgm:fillClrLst meth="repeat">
-      <a:schemeClr val="lt1"/>
-    </dgm:fillClrLst>
-    <dgm:linClrLst meth="repeat">
-      <a:schemeClr val="accent1"/>
-    </dgm:linClrLst>
-    <dgm:effectClrLst/>
-    <dgm:txLinClrLst/>
-    <dgm:txFillClrLst meth="repeat">
-      <a:schemeClr val="dk1"/>
-    </dgm:txFillClrLst>
-    <dgm:txEffectClrLst/>
-  </dgm:styleLbl>
-  <dgm:styleLbl name="solidAlignAcc1">
-    <dgm:fillClrLst meth="repeat">
-      <a:schemeClr val="lt1"/>
-    </dgm:fillClrLst>
-    <dgm:linClrLst meth="repeat">
-      <a:schemeClr val="accent1"/>
-    </dgm:linClrLst>
-    <dgm:effectClrLst/>
-    <dgm:txLinClrLst/>
-    <dgm:txFillClrLst meth="repeat">
-      <a:schemeClr val="dk1"/>
-    </dgm:txFillClrLst>
-    <dgm:txEffectClrLst/>
-  </dgm:styleLbl>
-  <dgm:styleLbl name="solidBgAcc1">
-    <dgm:fillClrLst meth="repeat">
-      <a:schemeClr val="lt1"/>
-    </dgm:fillClrLst>
-    <dgm:linClrLst meth="repeat">
-      <a:schemeClr val="accent1"/>
-    </dgm:linClrLst>
-    <dgm:effectClrLst/>
-    <dgm:txLinClrLst/>
-    <dgm:txFillClrLst meth="repeat">
-      <a:schemeClr val="dk1"/>
-    </dgm:txFillClrLst>
-    <dgm:txEffectClrLst/>
-  </dgm:styleLbl>
-  <dgm:styleLbl name="fgAccFollowNode1">
-    <dgm:fillClrLst meth="repeat">
-      <a:schemeClr val="accent1">
-        <a:alpha val="90000"/>
-        <a:tint val="40000"/>
-      </a:schemeClr>
-    </dgm:fillClrLst>
-    <dgm:linClrLst meth="repeat">
-      <a:schemeClr val="accent1">
-        <a:alpha val="90000"/>
-        <a:tint val="40000"/>
-      </a:schemeClr>
-    </dgm:linClrLst>
-    <dgm:effectClrLst/>
-    <dgm:txLinClrLst/>
-    <dgm:txFillClrLst meth="repeat">
-      <a:schemeClr val="dk1"/>
-    </dgm:txFillClrLst>
-    <dgm:txEffectClrLst/>
-  </dgm:styleLbl>
-  <dgm:styleLbl name="alignAccFollowNode1">
-    <dgm:fillClrLst meth="repeat">
-      <a:schemeClr val="accent1">
-        <a:alpha val="90000"/>
-        <a:tint val="40000"/>
-      </a:schemeClr>
-    </dgm:fillClrLst>
-    <dgm:linClrLst meth="repeat">
-      <a:schemeClr val="accent1">
-        <a:alpha val="90000"/>
-        <a:tint val="40000"/>
-      </a:schemeClr>
-    </dgm:linClrLst>
-    <dgm:effectClrLst/>
-    <dgm:txLinClrLst/>
-    <dgm:txFillClrLst meth="repeat">
-      <a:schemeClr val="dk1"/>
-    </dgm:txFillClrLst>
-    <dgm:txEffectClrLst/>
-  </dgm:styleLbl>
-  <dgm:styleLbl name="bgAccFollowNode1">
-    <dgm:fillClrLst meth="repeat">
-      <a:schemeClr val="accent1">
-        <a:alpha val="90000"/>
-        <a:tint val="40000"/>
-      </a:schemeClr>
-    </dgm:fillClrLst>
-    <dgm:linClrLst meth="repeat">
-      <a:schemeClr val="accent1">
-        <a:alpha val="90000"/>
-        <a:tint val="40000"/>
-      </a:schemeClr>
-    </dgm:linClrLst>
-    <dgm:effectClrLst/>
-    <dgm:txLinClrLst/>
-    <dgm:txFillClrLst meth="repeat">
-      <a:schemeClr val="dk1"/>
-    </dgm:txFillClrLst>
-    <dgm:txEffectClrLst/>
-  </dgm:styleLbl>
-  <dgm:styleLbl name="fgAcc0">
-    <dgm:fillClrLst meth="repeat">
-      <a:schemeClr val="lt1">
-        <a:alpha val="90000"/>
-      </a:schemeClr>
-    </dgm:fillClrLst>
-    <dgm:linClrLst meth="repeat">
-      <a:schemeClr val="accent1"/>
-    </dgm:linClrLst>
-    <dgm:effectClrLst/>
-    <dgm:txLinClrLst/>
-    <dgm:txFillClrLst meth="repeat">
-      <a:schemeClr val="dk1"/>
-    </dgm:txFillClrLst>
-    <dgm:txEffectClrLst/>
-  </dgm:styleLbl>
-  <dgm:styleLbl name="fgAcc2">
-    <dgm:fillClrLst meth="repeat">
-      <a:schemeClr val="lt1">
-        <a:alpha val="90000"/>
-      </a:schemeClr>
-    </dgm:fillClrLst>
-    <dgm:linClrLst meth="repeat">
-      <a:schemeClr val="accent1"/>
-    </dgm:linClrLst>
-    <dgm:effectClrLst/>
-    <dgm:txLinClrLst/>
-    <dgm:txFillClrLst meth="repeat">
-      <a:schemeClr val="dk1"/>
-    </dgm:txFillClrLst>
-    <dgm:txEffectClrLst/>
-  </dgm:styleLbl>
-  <dgm:styleLbl name="fgAcc3">
-    <dgm:fillClrLst meth="repeat">
-      <a:schemeClr val="lt1">
-        <a:alpha val="90000"/>
-      </a:schemeClr>
-    </dgm:fillClrLst>
-    <dgm:linClrLst meth="repeat">
-      <a:schemeClr val="accent1"/>
-    </dgm:linClrLst>
-    <dgm:effectClrLst/>
-    <dgm:txLinClrLst/>
-    <dgm:txFillClrLst meth="repeat">
-      <a:schemeClr val="dk1"/>
-    </dgm:txFillClrLst>
-    <dgm:txEffectClrLst/>
-  </dgm:styleLbl>
-  <dgm:styleLbl name="fgAcc4">
-    <dgm:fillClrLst meth="repeat">
-      <a:schemeClr val="lt1">
-        <a:alpha val="90000"/>
-      </a:schemeClr>
-    </dgm:fillClrLst>
-    <dgm:linClrLst meth="repeat">
-      <a:schemeClr val="accent1"/>
-    </dgm:linClrLst>
-    <dgm:effectClrLst/>
-    <dgm:txLinClrLst/>
-    <dgm:txFillClrLst meth="repeat">
-      <a:schemeClr val="dk1"/>
-    </dgm:txFillClrLst>
-    <dgm:txEffectClrLst/>
-  </dgm:styleLbl>
-  <dgm:styleLbl name="bgShp">
-    <dgm:fillClrLst meth="repeat">
-      <a:schemeClr val="accent1">
-        <a:tint val="40000"/>
-      </a:schemeClr>
-    </dgm:fillClrLst>
-    <dgm:linClrLst meth="repeat">
-      <a:schemeClr val="accent1"/>
-    </dgm:linClrLst>
-    <dgm:effectClrLst/>
-    <dgm:txLinClrLst/>
-    <dgm:txFillClrLst meth="repeat">
-      <a:schemeClr val="dk1"/>
-    </dgm:txFillClrLst>
-    <dgm:txEffectClrLst/>
-  </dgm:styleLbl>
-  <dgm:styleLbl name="dkBgShp">
-    <dgm:fillClrLst meth="repeat">
-      <a:schemeClr val="accent1">
-        <a:shade val="80000"/>
-      </a:schemeClr>
-    </dgm:fillClrLst>
-    <dgm:linClrLst meth="repeat">
-      <a:schemeClr val="accent1"/>
-    </dgm:linClrLst>
-    <dgm:effectClrLst/>
-    <dgm:txLinClrLst/>
-    <dgm:txFillClrLst meth="repeat">
-      <a:schemeClr val="lt1"/>
-    </dgm:txFillClrLst>
-    <dgm:txEffectClrLst/>
-  </dgm:styleLbl>
-  <dgm:styleLbl name="trBgShp">
-    <dgm:fillClrLst meth="repeat">
-      <a:schemeClr val="accent1">
-        <a:tint val="50000"/>
-        <a:alpha val="40000"/>
-      </a:schemeClr>
-    </dgm:fillClrLst>
-    <dgm:linClrLst meth="repeat">
-      <a:schemeClr val="accent1"/>
-    </dgm:linClrLst>
-    <dgm:effectClrLst/>
-    <dgm:txLinClrLst/>
-    <dgm:txFillClrLst meth="repeat">
-      <a:schemeClr val="lt1"/>
-    </dgm:txFillClrLst>
-    <dgm:txEffectClrLst/>
-  </dgm:styleLbl>
-  <dgm:styleLbl name="fgShp">
-    <dgm:fillClrLst meth="repeat">
-      <a:schemeClr val="accent1">
-        <a:tint val="60000"/>
-      </a:schemeClr>
-    </dgm:fillClrLst>
-    <dgm:linClrLst meth="repeat">
-      <a:schemeClr val="lt1"/>
-    </dgm:linClrLst>
-    <dgm:effectClrLst/>
-    <dgm:txLinClrLst/>
-    <dgm:txFillClrLst meth="repeat">
-      <a:schemeClr val="dk1"/>
-    </dgm:txFillClrLst>
-    <dgm:txEffectClrLst/>
-  </dgm:styleLbl>
-  <dgm:styleLbl name="revTx">
-    <dgm:fillClrLst meth="repeat">
-      <a:schemeClr val="lt1">
-        <a:alpha val="0"/>
-      </a:schemeClr>
-    </dgm:fillClrLst>
-    <dgm:linClrLst meth="repeat">
-      <a:schemeClr val="dk1">
-        <a:alpha val="0"/>
-      </a:schemeClr>
-    </dgm:linClrLst>
-    <dgm:effectClrLst/>
-    <dgm:txLinClrLst/>
-    <dgm:txFillClrLst meth="repeat">
-      <a:schemeClr val="tx1"/>
-    </dgm:txFillClrLst>
-    <dgm:txEffectClrLst/>
-  </dgm:styleLbl>
-</dgm:colorsDef>
-</file>
-
-<file path=ppt/diagrams/data1.xml><?xml version="1.0" encoding="utf-8"?>
-<dgm:dataModel xmlns:dgm="http://schemas.openxmlformats.org/drawingml/2006/diagram" xmlns:a="http://schemas.openxmlformats.org/drawingml/2006/main">
-  <dgm:ptLst>
-    <dgm:pt modelId="{0AAA337C-8D9C-4F05-9BBE-8122D9EF528F}" type="doc">
-      <dgm:prSet loTypeId="urn:microsoft.com/office/officeart/2005/8/layout/gear1" loCatId="cycle" qsTypeId="urn:microsoft.com/office/officeart/2005/8/quickstyle/simple1" qsCatId="simple" csTypeId="urn:microsoft.com/office/officeart/2005/8/colors/accent1_2" csCatId="accent1" phldr="1"/>
-      <dgm:spPr/>
-    </dgm:pt>
-    <dgm:pt modelId="{01187F7A-3F40-4C25-B08E-9DA20E13C73B}">
-      <dgm:prSet phldrT="[Text]"/>
-      <dgm:spPr>
-        <a:solidFill>
-          <a:schemeClr val="bg2">
-            <a:lumMod val="50000"/>
-          </a:schemeClr>
-        </a:solidFill>
-      </dgm:spPr>
-      <dgm:t>
-        <a:bodyPr/>
-        <a:lstStyle/>
-        <a:p>
-          <a:r>
-            <a:rPr lang="en-US" dirty="0"/>
-            <a:t>System</a:t>
-          </a:r>
-        </a:p>
-        <a:p>
-          <a:r>
-            <a:rPr lang="en-US" dirty="0"/>
-            <a:t>PEP</a:t>
-          </a:r>
-        </a:p>
-      </dgm:t>
-    </dgm:pt>
-    <dgm:pt modelId="{5544013E-CFE4-41B4-9157-1A0325D68C4F}" type="parTrans" cxnId="{D83CFA32-655C-46E0-9864-0A48CC97650C}">
-      <dgm:prSet/>
-      <dgm:spPr/>
-      <dgm:t>
-        <a:bodyPr/>
-        <a:lstStyle/>
-        <a:p>
-          <a:endParaRPr lang="en-US"/>
-        </a:p>
-      </dgm:t>
-    </dgm:pt>
-    <dgm:pt modelId="{61C60217-623A-4C18-B262-0EAFB729867D}" type="sibTrans" cxnId="{D83CFA32-655C-46E0-9864-0A48CC97650C}">
-      <dgm:prSet/>
-      <dgm:spPr/>
-      <dgm:t>
-        <a:bodyPr/>
-        <a:lstStyle/>
-        <a:p>
-          <a:endParaRPr lang="en-US"/>
-        </a:p>
-      </dgm:t>
-    </dgm:pt>
-    <dgm:pt modelId="{944921FD-DE1A-45C8-ACA3-61662F9832C2}" type="pres">
-      <dgm:prSet presAssocID="{0AAA337C-8D9C-4F05-9BBE-8122D9EF528F}" presName="composite" presStyleCnt="0">
-        <dgm:presLayoutVars>
-          <dgm:chMax val="3"/>
-          <dgm:animLvl val="lvl"/>
-          <dgm:resizeHandles val="exact"/>
-        </dgm:presLayoutVars>
-      </dgm:prSet>
-      <dgm:spPr/>
-    </dgm:pt>
-    <dgm:pt modelId="{3DDEC74C-899C-49EB-9DF4-F5F328392AD6}" type="pres">
-      <dgm:prSet presAssocID="{01187F7A-3F40-4C25-B08E-9DA20E13C73B}" presName="gear1" presStyleLbl="node1" presStyleIdx="0" presStyleCnt="1" custScaleX="204098" custScaleY="160314" custLinFactNeighborX="1302" custLinFactNeighborY="-10752">
-        <dgm:presLayoutVars>
-          <dgm:chMax val="1"/>
-          <dgm:bulletEnabled val="1"/>
-        </dgm:presLayoutVars>
-      </dgm:prSet>
-      <dgm:spPr/>
-    </dgm:pt>
-    <dgm:pt modelId="{D53F180B-9CF3-4E48-8B11-40A98D1F6236}" type="pres">
-      <dgm:prSet presAssocID="{01187F7A-3F40-4C25-B08E-9DA20E13C73B}" presName="gear1srcNode" presStyleLbl="node1" presStyleIdx="0" presStyleCnt="1"/>
-      <dgm:spPr/>
-    </dgm:pt>
-    <dgm:pt modelId="{A0E7415A-4B68-4DEE-B8ED-916383D73148}" type="pres">
-      <dgm:prSet presAssocID="{01187F7A-3F40-4C25-B08E-9DA20E13C73B}" presName="gear1dstNode" presStyleLbl="node1" presStyleIdx="0" presStyleCnt="1"/>
-      <dgm:spPr/>
-    </dgm:pt>
-    <dgm:pt modelId="{2B0276CD-5811-4853-B28F-3685BEC50DCF}" type="pres">
-      <dgm:prSet presAssocID="{61C60217-623A-4C18-B262-0EAFB729867D}" presName="connector1" presStyleLbl="sibTrans2D1" presStyleIdx="0" presStyleCnt="1"/>
-      <dgm:spPr/>
-    </dgm:pt>
-  </dgm:ptLst>
-  <dgm:cxnLst>
-    <dgm:cxn modelId="{795A2E06-6673-42DF-A6DD-57B145BE8DAE}" type="presOf" srcId="{0AAA337C-8D9C-4F05-9BBE-8122D9EF528F}" destId="{944921FD-DE1A-45C8-ACA3-61662F9832C2}" srcOrd="0" destOrd="0" presId="urn:microsoft.com/office/officeart/2005/8/layout/gear1"/>
-    <dgm:cxn modelId="{73160624-C4B6-413A-92F8-2A331A59D9A0}" type="presOf" srcId="{01187F7A-3F40-4C25-B08E-9DA20E13C73B}" destId="{D53F180B-9CF3-4E48-8B11-40A98D1F6236}" srcOrd="1" destOrd="0" presId="urn:microsoft.com/office/officeart/2005/8/layout/gear1"/>
-    <dgm:cxn modelId="{D83CFA32-655C-46E0-9864-0A48CC97650C}" srcId="{0AAA337C-8D9C-4F05-9BBE-8122D9EF528F}" destId="{01187F7A-3F40-4C25-B08E-9DA20E13C73B}" srcOrd="0" destOrd="0" parTransId="{5544013E-CFE4-41B4-9157-1A0325D68C4F}" sibTransId="{61C60217-623A-4C18-B262-0EAFB729867D}"/>
-    <dgm:cxn modelId="{8C492F87-9E33-474D-897A-92C1537C3122}" type="presOf" srcId="{01187F7A-3F40-4C25-B08E-9DA20E13C73B}" destId="{A0E7415A-4B68-4DEE-B8ED-916383D73148}" srcOrd="2" destOrd="0" presId="urn:microsoft.com/office/officeart/2005/8/layout/gear1"/>
-    <dgm:cxn modelId="{203342B0-5B67-46A8-A835-5009E01EC266}" type="presOf" srcId="{01187F7A-3F40-4C25-B08E-9DA20E13C73B}" destId="{3DDEC74C-899C-49EB-9DF4-F5F328392AD6}" srcOrd="0" destOrd="0" presId="urn:microsoft.com/office/officeart/2005/8/layout/gear1"/>
-    <dgm:cxn modelId="{482032F3-DD30-48D0-926A-BA19DF53EC2F}" type="presOf" srcId="{61C60217-623A-4C18-B262-0EAFB729867D}" destId="{2B0276CD-5811-4853-B28F-3685BEC50DCF}" srcOrd="0" destOrd="0" presId="urn:microsoft.com/office/officeart/2005/8/layout/gear1"/>
-    <dgm:cxn modelId="{25B880C0-47E2-4647-8E9C-0454E2AF329D}" type="presParOf" srcId="{944921FD-DE1A-45C8-ACA3-61662F9832C2}" destId="{3DDEC74C-899C-49EB-9DF4-F5F328392AD6}" srcOrd="0" destOrd="0" presId="urn:microsoft.com/office/officeart/2005/8/layout/gear1"/>
-    <dgm:cxn modelId="{3AB2F631-185C-4A0C-A6D7-DEB53625C5B8}" type="presParOf" srcId="{944921FD-DE1A-45C8-ACA3-61662F9832C2}" destId="{D53F180B-9CF3-4E48-8B11-40A98D1F6236}" srcOrd="1" destOrd="0" presId="urn:microsoft.com/office/officeart/2005/8/layout/gear1"/>
-    <dgm:cxn modelId="{5C965E29-A75C-47D5-91D7-3C91149B6DE0}" type="presParOf" srcId="{944921FD-DE1A-45C8-ACA3-61662F9832C2}" destId="{A0E7415A-4B68-4DEE-B8ED-916383D73148}" srcOrd="2" destOrd="0" presId="urn:microsoft.com/office/officeart/2005/8/layout/gear1"/>
-    <dgm:cxn modelId="{59217673-ED0E-49EB-AB5A-A2A2EC9AAD93}" type="presParOf" srcId="{944921FD-DE1A-45C8-ACA3-61662F9832C2}" destId="{2B0276CD-5811-4853-B28F-3685BEC50DCF}" srcOrd="3" destOrd="0" presId="urn:microsoft.com/office/officeart/2005/8/layout/gear1"/>
-  </dgm:cxnLst>
-  <dgm:bg/>
-  <dgm:whole/>
-  <dgm:extLst>
-    <a:ext uri="http://schemas.microsoft.com/office/drawing/2008/diagram">
-      <dsp:dataModelExt xmlns:dsp="http://schemas.microsoft.com/office/drawing/2008/diagram" relId="rId6" minVer="http://schemas.openxmlformats.org/drawingml/2006/diagram"/>
-    </a:ext>
-  </dgm:extLst>
-</dgm:dataModel>
-</file>
-
-<file path=ppt/diagrams/drawing1.xml><?xml version="1.0" encoding="utf-8"?>
-<dsp:drawing xmlns:dgm="http://schemas.openxmlformats.org/drawingml/2006/diagram" xmlns:dsp="http://schemas.microsoft.com/office/drawing/2008/diagram" xmlns:a="http://schemas.openxmlformats.org/drawingml/2006/main">
-  <dsp:spTree>
-    <dsp:nvGrpSpPr>
-      <dsp:cNvPr id="0" name=""/>
-      <dsp:cNvGrpSpPr/>
-    </dsp:nvGrpSpPr>
-    <dsp:grpSpPr/>
-    <dsp:sp modelId="{3DDEC74C-899C-49EB-9DF4-F5F328392AD6}">
-      <dsp:nvSpPr>
-        <dsp:cNvPr id="0" name=""/>
-        <dsp:cNvSpPr/>
-      </dsp:nvSpPr>
-      <dsp:spPr>
-        <a:xfrm>
-          <a:off x="-14285" y="0"/>
-          <a:ext cx="1610799" cy="1265243"/>
-        </a:xfrm>
-        <a:prstGeom prst="gear9">
-          <a:avLst/>
-        </a:prstGeom>
-        <a:solidFill>
-          <a:schemeClr val="bg2">
-            <a:lumMod val="50000"/>
-          </a:schemeClr>
-        </a:solidFill>
-        <a:ln w="12700" cap="flat" cmpd="sng" algn="ctr">
-          <a:solidFill>
-            <a:schemeClr val="lt1">
-              <a:hueOff val="0"/>
-              <a:satOff val="0"/>
-              <a:lumOff val="0"/>
-              <a:alphaOff val="0"/>
-            </a:schemeClr>
-          </a:solidFill>
-          <a:prstDash val="solid"/>
-          <a:miter lim="800000"/>
-        </a:ln>
-        <a:effectLst/>
-      </dsp:spPr>
-      <dsp:style>
-        <a:lnRef idx="2">
-          <a:scrgbClr r="0" g="0" b="0"/>
-        </a:lnRef>
-        <a:fillRef idx="1">
-          <a:scrgbClr r="0" g="0" b="0"/>
-        </a:fillRef>
-        <a:effectRef idx="0">
-          <a:scrgbClr r="0" g="0" b="0"/>
-        </a:effectRef>
-        <a:fontRef idx="minor">
-          <a:schemeClr val="lt1"/>
-        </a:fontRef>
-      </dsp:style>
-      <dsp:txBody>
-        <a:bodyPr spcFirstLastPara="0" vert="horz" wrap="square" lIns="24130" tIns="24130" rIns="24130" bIns="24130" numCol="1" spcCol="1270" anchor="ctr" anchorCtr="0">
-          <a:noAutofit/>
-        </a:bodyPr>
-        <a:lstStyle/>
-        <a:p>
-          <a:pPr marL="0" lvl="0" indent="0" algn="ctr" defTabSz="844550">
-            <a:lnSpc>
-              <a:spcPct val="90000"/>
-            </a:lnSpc>
-            <a:spcBef>
-              <a:spcPct val="0"/>
-            </a:spcBef>
-            <a:spcAft>
-              <a:spcPct val="35000"/>
-            </a:spcAft>
-            <a:buNone/>
-          </a:pPr>
-          <a:r>
-            <a:rPr lang="en-US" sz="1900" kern="1200" dirty="0"/>
-            <a:t>System</a:t>
-          </a:r>
-        </a:p>
-        <a:p>
-          <a:pPr marL="0" lvl="0" indent="0" algn="ctr" defTabSz="844550">
-            <a:lnSpc>
-              <a:spcPct val="90000"/>
-            </a:lnSpc>
-            <a:spcBef>
-              <a:spcPct val="0"/>
-            </a:spcBef>
-            <a:spcAft>
-              <a:spcPct val="35000"/>
-            </a:spcAft>
-            <a:buNone/>
-          </a:pPr>
-          <a:r>
-            <a:rPr lang="en-US" sz="1900" kern="1200" dirty="0"/>
-            <a:t>PEP</a:t>
-          </a:r>
-        </a:p>
-      </dsp:txBody>
-      <dsp:txXfrm>
-        <a:off x="283731" y="296377"/>
-        <a:ext cx="1014767" cy="650361"/>
-      </dsp:txXfrm>
-    </dsp:sp>
-    <dsp:sp modelId="{2B0276CD-5811-4853-B28F-3685BEC50DCF}">
-      <dsp:nvSpPr>
-        <dsp:cNvPr id="0" name=""/>
-        <dsp:cNvSpPr/>
-      </dsp:nvSpPr>
-      <dsp:spPr>
-        <a:xfrm>
-          <a:off x="383731" y="215024"/>
-          <a:ext cx="970751" cy="970751"/>
-        </a:xfrm>
-        <a:prstGeom prst="circularArrow">
-          <a:avLst>
-            <a:gd name="adj1" fmla="val 4878"/>
-            <a:gd name="adj2" fmla="val 312630"/>
-            <a:gd name="adj3" fmla="val 2780364"/>
-            <a:gd name="adj4" fmla="val 15809772"/>
-            <a:gd name="adj5" fmla="val 5691"/>
-          </a:avLst>
-        </a:prstGeom>
-        <a:solidFill>
-          <a:schemeClr val="accent1">
-            <a:tint val="60000"/>
-            <a:hueOff val="0"/>
-            <a:satOff val="0"/>
-            <a:lumOff val="0"/>
-            <a:alphaOff val="0"/>
-          </a:schemeClr>
-        </a:solidFill>
-        <a:ln>
-          <a:noFill/>
-        </a:ln>
-        <a:effectLst/>
-      </dsp:spPr>
-      <dsp:style>
-        <a:lnRef idx="0">
-          <a:scrgbClr r="0" g="0" b="0"/>
-        </a:lnRef>
-        <a:fillRef idx="1">
-          <a:scrgbClr r="0" g="0" b="0"/>
-        </a:fillRef>
-        <a:effectRef idx="0">
-          <a:scrgbClr r="0" g="0" b="0"/>
-        </a:effectRef>
-        <a:fontRef idx="minor">
-          <a:schemeClr val="lt1"/>
-        </a:fontRef>
-      </dsp:style>
-    </dsp:sp>
-  </dsp:spTree>
-</dsp:drawing>
-</file>
-
-<file path=ppt/diagrams/layout1.xml><?xml version="1.0" encoding="utf-8"?>
-<dgm:layoutDef xmlns:dgm="http://schemas.openxmlformats.org/drawingml/2006/diagram" xmlns:a="http://schemas.openxmlformats.org/drawingml/2006/main" uniqueId="urn:microsoft.com/office/officeart/2005/8/layout/gear1">
-  <dgm:title val=""/>
-  <dgm:desc val=""/>
-  <dgm:catLst>
-    <dgm:cat type="relationship" pri="3000"/>
-    <dgm:cat type="process" pri="28000"/>
-    <dgm:cat type="cycle" pri="14000"/>
-  </dgm:catLst>
-  <dgm:sampData useDef="1">
-    <dgm:dataModel>
-      <dgm:ptLst/>
-      <dgm:bg/>
-      <dgm:whole/>
-    </dgm:dataModel>
-  </dgm:sampData>
-  <dgm:styleData>
-    <dgm:dataModel>
-      <dgm:ptLst>
-        <dgm:pt modelId="0" type="doc"/>
-        <dgm:pt modelId="1"/>
-        <dgm:pt modelId="2"/>
-      </dgm:ptLst>
-      <dgm:cxnLst>
-        <dgm:cxn modelId="3" srcId="0" destId="1" srcOrd="0" destOrd="0"/>
-        <dgm:cxn modelId="4" srcId="0" destId="2" srcOrd="1" destOrd="0"/>
-      </dgm:cxnLst>
-      <dgm:bg/>
-      <dgm:whole/>
-    </dgm:dataModel>
-  </dgm:styleData>
-  <dgm:clrData useDef="1">
-    <dgm:dataModel>
-      <dgm:ptLst/>
-      <dgm:bg/>
-      <dgm:whole/>
-    </dgm:dataModel>
-  </dgm:clrData>
-  <dgm:layoutNode name="composite">
-    <dgm:varLst>
-      <dgm:chMax val="3"/>
-      <dgm:animLvl val="lvl"/>
-      <dgm:resizeHandles val="exact"/>
-    </dgm:varLst>
-    <dgm:alg type="composite">
-      <dgm:param type="ar" val="1"/>
-    </dgm:alg>
-    <dgm:shape xmlns:r="http://schemas.openxmlformats.org/officeDocument/2006/relationships" r:blip="">
-      <dgm:adjLst/>
-    </dgm:shape>
-    <dgm:presOf/>
-    <dgm:choose name="Name0">
-      <dgm:if name="Name1" axis="ch" ptType="node" func="cnt" op="lte" val="1">
-        <dgm:constrLst>
-          <dgm:constr type="primFontSz" for="ch" ptType="node" op="equ" val="65"/>
-          <dgm:constr type="w" for="ch" forName="gear1" refType="w" fact="0.55"/>
-          <dgm:constr type="h" for="ch" forName="gear1" refType="w" fact="0.55"/>
-          <dgm:constr type="l" for="ch" forName="gear1" refType="w" fact="0.05"/>
-          <dgm:constr type="t" for="ch" forName="gear1" refType="w" fact="0.05"/>
-          <dgm:constr type="w" for="ch" forName="gear1srcNode" val="1"/>
-          <dgm:constr type="h" for="ch" forName="gear1srcNode" val="1"/>
-          <dgm:constr type="l" for="ch" forName="gear1srcNode" refType="w" fact="0.32"/>
-          <dgm:constr type="t" for="ch" forName="gear1srcNode"/>
-          <dgm:constr type="w" for="ch" forName="gear1dstNode" val="1"/>
-          <dgm:constr type="h" for="ch" forName="gear1dstNode" val="1"/>
-          <dgm:constr type="r" for="ch" forName="gear1dstNode" refType="w" fact="0.58"/>
-          <dgm:constr type="t" for="ch" forName="gear1dstNode" refType="h" fact="0.55"/>
-          <dgm:constr type="diam" for="des" forName="connector1" refType="w" refFor="ch" refForName="gear1" op="equ" fact="1.1"/>
-          <dgm:constr type="h" for="des" forName="connector1" refType="w" refFor="ch" refForName="gear1" op="equ" fact="0.1"/>
-          <dgm:constr type="w" for="ch" forName="gear1ch" refType="w" fact="0.35"/>
-          <dgm:constr type="h" for="ch" forName="gear1ch" refType="w" refFor="ch" refForName="gear1ch" fact="0.6"/>
-          <dgm:constr type="l" for="ch" forName="gear1ch"/>
-          <dgm:constr type="b" for="ch" forName="gear1ch" refType="h" fact="0.6"/>
-        </dgm:constrLst>
-      </dgm:if>
-      <dgm:if name="Name2" axis="ch" ptType="node" func="cnt" op="equ" val="2">
-        <dgm:constrLst>
-          <dgm:constr type="primFontSz" for="ch" ptType="node" op="equ" val="65"/>
-          <dgm:constr type="w" for="ch" forName="gear1" refType="w" fact="0.55"/>
-          <dgm:constr type="h" for="ch" forName="gear1" refType="w" fact="0.55"/>
-          <dgm:constr type="l" for="ch" forName="gear1" refType="w" fact="0.45"/>
-          <dgm:constr type="t" for="ch" forName="gear1" refType="w" fact="0.25"/>
-          <dgm:constr type="w" for="ch" forName="gear1srcNode" val="1"/>
-          <dgm:constr type="h" for="ch" forName="gear1srcNode" val="1"/>
-          <dgm:constr type="l" for="ch" forName="gear1srcNode" refType="w" fact="0.72"/>
-          <dgm:constr type="t" for="ch" forName="gear1srcNode" refType="w" fact="0.2"/>
-          <dgm:constr type="w" for="ch" forName="gear1dstNode" val="1"/>
-          <dgm:constr type="h" for="ch" forName="gear1dstNode" val="1"/>
-          <dgm:constr type="r" for="ch" forName="gear1dstNode" refType="w" fact="0.98"/>
-          <dgm:constr type="t" for="ch" forName="gear1dstNode" refType="h" fact="0.75"/>
-          <dgm:constr type="diam" for="des" forName="connector1" refType="w" refFor="ch" refForName="gear1" op="equ" fact="1.1"/>
-          <dgm:constr type="h" for="des" forName="connector1" refType="w" refFor="ch" refForName="gear1" op="equ" fact="0.1"/>
-          <dgm:constr type="w" for="ch" forName="gear1ch" refType="w" fact="0.35"/>
-          <dgm:constr type="h" for="ch" forName="gear1ch" refType="w" refFor="ch" refForName="gear1ch" fact="0.6"/>
-          <dgm:constr type="l" for="ch" forName="gear1ch" refType="w" fact="0.38"/>
-          <dgm:constr type="b" for="ch" forName="gear1ch" refType="w" fact="0.8"/>
-          <dgm:constr type="w" for="ch" forName="gear2" refType="w" fact="0.4"/>
-          <dgm:constr type="h" for="ch" forName="gear2" refType="w" fact="0.4"/>
-          <dgm:constr type="l" for="ch" forName="gear2" refType="w" fact="0.13"/>
-          <dgm:constr type="t" for="ch" forName="gear2" refType="w" fact="0.12"/>
-          <dgm:constr type="w" for="ch" forName="gear2srcNode" val="1"/>
-          <dgm:constr type="h" for="ch" forName="gear2srcNode" val="1"/>
-          <dgm:constr type="l" for="ch" forName="gear2srcNode" refType="w" fact="0.23"/>
-          <dgm:constr type="t" for="ch" forName="gear2srcNode" refType="w" fact="0.08"/>
-          <dgm:constr type="w" for="ch" forName="gear2dstNode" val="1"/>
-          <dgm:constr type="h" for="ch" forName="gear2dstNode" val="1"/>
-          <dgm:constr type="l" for="ch" forName="gear2dstNode" refType="w" fact="0.1"/>
-          <dgm:constr type="t" for="ch" forName="gear2dstNode" refType="h" fact="0.33"/>
-          <dgm:constr type="diam" for="des" forName="connector2" refType="w" refFor="ch" refForName="gear2" op="equ" fact="-1.1"/>
-          <dgm:constr type="h" for="des" forName="connector2" refType="w" refFor="ch" refForName="gear1" op="equ" fact="0.1"/>
-          <dgm:constr type="w" for="ch" forName="gear2ch" refType="w" fact="0.35"/>
-          <dgm:constr type="h" for="ch" forName="gear2ch" refType="w" refFor="ch" refForName="gear2ch" fact="0.6"/>
-          <dgm:constr type="l" for="ch" forName="gear2ch" refType="w" fact="0.34"/>
-          <dgm:constr type="t" for="ch" forName="gear2ch" refType="w" fact="0.04"/>
-        </dgm:constrLst>
-      </dgm:if>
-      <dgm:else name="Name3">
-        <dgm:constrLst>
-          <dgm:constr type="primFontSz" for="ch" ptType="node" op="equ" val="65"/>
-          <dgm:constr type="w" for="ch" forName="gear1" refType="w" fact="0.55"/>
-          <dgm:constr type="h" for="ch" forName="gear1" refType="w" fact="0.55"/>
-          <dgm:constr type="l" for="ch" forName="gear1" refType="w" fact="0.45"/>
-          <dgm:constr type="t" for="ch" forName="gear1" refType="w" fact="0.45"/>
-          <dgm:constr type="w" for="ch" forName="gear1srcNode" val="1"/>
-          <dgm:constr type="h" for="ch" forName="gear1srcNode" val="1"/>
-          <dgm:constr type="l" for="ch" forName="gear1srcNode" refType="w" fact="0.72"/>
-          <dgm:constr type="t" for="ch" forName="gear1srcNode" refType="w" fact="0.4"/>
-          <dgm:constr type="w" for="ch" forName="gear1dstNode" val="1"/>
-          <dgm:constr type="h" for="ch" forName="gear1dstNode" val="1"/>
-          <dgm:constr type="r" for="ch" forName="gear1dstNode" refType="w" fact="0.98"/>
-          <dgm:constr type="t" for="ch" forName="gear1dstNode" refType="h" fact="0.95"/>
-          <dgm:constr type="diam" for="des" forName="connector1" refType="w" refFor="ch" refForName="gear1" op="equ" fact="1.15"/>
-          <dgm:constr type="h" for="des" forName="connector1" refType="w" refFor="ch" refForName="gear1" op="equ" fact="0.1"/>
-          <dgm:constr type="w" for="ch" forName="gear1ch" refType="w" fact="0.35"/>
-          <dgm:constr type="h" for="ch" forName="gear1ch" refType="w" refFor="ch" refForName="gear1ch" fact="0.6"/>
-          <dgm:constr type="l" for="ch" forName="gear1ch" refType="w" fact="0.38"/>
-          <dgm:constr type="b" for="ch" forName="gear1ch" refType="h"/>
-          <dgm:constr type="w" for="ch" forName="gear2" refType="w" fact="0.4"/>
-          <dgm:constr type="h" for="ch" forName="gear2" refType="w" fact="0.4"/>
-          <dgm:constr type="l" for="ch" forName="gear2" refType="w" fact="0.13"/>
-          <dgm:constr type="t" for="ch" forName="gear2" refType="w" fact="0.32"/>
-          <dgm:constr type="w" for="ch" forName="gear2srcNode" val="1"/>
-          <dgm:constr type="h" for="ch" forName="gear2srcNode" val="1"/>
-          <dgm:constr type="l" for="ch" forName="gear2srcNode" refType="w" fact="0.23"/>
-          <dgm:constr type="t" for="ch" forName="gear2srcNode" refType="w" fact="0.28"/>
-          <dgm:constr type="w" for="ch" forName="gear2dstNode" val="1"/>
-          <dgm:constr type="h" for="ch" forName="gear2dstNode" val="1"/>
-          <dgm:constr type="l" for="ch" forName="gear2dstNode" refType="w" fact="0.1"/>
-          <dgm:constr type="t" for="ch" forName="gear2dstNode" refType="h" fact="0.53"/>
-          <dgm:constr type="diam" for="des" forName="connector2" refType="w" refFor="ch" refForName="gear2" op="equ" fact="-1.1"/>
-          <dgm:constr type="h" for="des" forName="connector2" refType="w" refFor="ch" refForName="gear1" op="equ" fact="0.1"/>
-          <dgm:constr type="w" for="ch" forName="gear2ch" refType="w" fact="0.35"/>
-          <dgm:constr type="h" for="ch" forName="gear2ch" refType="w" refFor="ch" refForName="gear2ch" fact="0.6"/>
-          <dgm:constr type="l" for="ch" forName="gear2ch"/>
-          <dgm:constr type="t" for="ch" forName="gear2ch" refType="w" fact="0.58"/>
-          <dgm:constr type="w" for="ch" forName="gear3" refType="w" fact="0.48"/>
-          <dgm:constr type="h" for="ch" forName="gear3" refType="w" fact="0.48"/>
-          <dgm:constr type="l" for="ch" forName="gear3" refType="w" fact="0.31"/>
-          <dgm:constr type="t" for="ch" forName="gear3"/>
-          <dgm:constr type="w" for="ch" forName="gear3tx" refType="w" fact="0.22"/>
-          <dgm:constr type="h" for="ch" forName="gear3tx" refType="w" fact="0.22"/>
-          <dgm:constr type="ctrX" for="ch" forName="gear3tx" refType="ctrX" refFor="ch" refForName="gear3"/>
-          <dgm:constr type="ctrY" for="ch" forName="gear3tx" refType="ctrY" refFor="ch" refForName="gear3"/>
-          <dgm:constr type="w" for="ch" forName="gear3srcNode" val="1"/>
-          <dgm:constr type="h" for="ch" forName="gear3srcNode" val="1"/>
-          <dgm:constr type="l" for="ch" forName="gear3srcNode" refType="w" fact="0.3"/>
-          <dgm:constr type="t" for="ch" forName="gear3srcNode" refType="w" fact="0.25"/>
-          <dgm:constr type="w" for="ch" forName="gear3dstNode" val="1"/>
-          <dgm:constr type="h" for="ch" forName="gear3dstNode" val="1"/>
-          <dgm:constr type="l" for="ch" forName="gear3dstNode" refType="w" fact="0.38"/>
-          <dgm:constr type="t" for="ch" forName="gear3dstNode" refType="h" fact="0.05"/>
-          <dgm:constr type="diam" for="des" forName="connector3" refType="w" refFor="ch" refForName="gear3" op="equ"/>
-          <dgm:constr type="h" for="des" forName="connector3" refType="w" refFor="ch" refForName="gear1" op="equ" fact="0.1"/>
-          <dgm:constr type="w" for="ch" forName="gear3ch" refType="w" fact="0.35"/>
-          <dgm:constr type="h" for="ch" forName="gear3ch" refType="w" refFor="ch" refForName="gear3ch" fact="0.6"/>
-          <dgm:constr type="l" for="ch" forName="gear3ch" refType="w" fact="0.65"/>
-          <dgm:constr type="t" for="ch" forName="gear3ch" refType="h" fact="0.13"/>
-        </dgm:constrLst>
-      </dgm:else>
-    </dgm:choose>
-    <dgm:ruleLst/>
-    <dgm:forEach name="Name4" axis="ch" ptType="node" cnt="1">
-      <dgm:layoutNode name="gear1" styleLbl="node1">
-        <dgm:varLst>
-          <dgm:chMax val="1"/>
-          <dgm:bulletEnabled val="1"/>
-        </dgm:varLst>
-        <dgm:alg type="tx">
-          <dgm:param type="txAnchorVertCh" val="mid"/>
-        </dgm:alg>
-        <dgm:shape xmlns:r="http://schemas.openxmlformats.org/officeDocument/2006/relationships" type="gear9" r:blip="">
-          <dgm:adjLst/>
-        </dgm:shape>
-        <dgm:presOf axis="self"/>
-        <dgm:constrLst>
-          <dgm:constr type="tMarg" refType="primFontSz" fact="0.1"/>
-          <dgm:constr type="bMarg" refType="primFontSz" fact="0.1"/>
-          <dgm:constr type="lMarg" refType="primFontSz" fact="0.1"/>
-          <dgm:constr type="rMarg" refType="primFontSz" fact="0.1"/>
-        </dgm:constrLst>
-        <dgm:ruleLst>
-          <dgm:rule type="primFontSz" val="5" fact="NaN" max="NaN"/>
-        </dgm:ruleLst>
-      </dgm:layoutNode>
-      <dgm:layoutNode name="gear1srcNode">
-        <dgm:alg type="sp"/>
-        <dgm:shape xmlns:r="http://schemas.openxmlformats.org/officeDocument/2006/relationships" type="rect" r:blip="" hideGeom="1">
-          <dgm:adjLst/>
-        </dgm:shape>
-        <dgm:presOf axis="self"/>
-        <dgm:constrLst/>
-        <dgm:ruleLst/>
-      </dgm:layoutNode>
-      <dgm:layoutNode name="gear1dstNode">
-        <dgm:alg type="sp"/>
-        <dgm:shape xmlns:r="http://schemas.openxmlformats.org/officeDocument/2006/relationships" type="rect" r:blip="" hideGeom="1">
-          <dgm:adjLst/>
-        </dgm:shape>
-        <dgm:presOf axis="self"/>
-        <dgm:constrLst/>
-        <dgm:ruleLst/>
-      </dgm:layoutNode>
-      <dgm:choose name="Name5">
-        <dgm:if name="Name6" axis="ch" ptType="node" func="cnt" op="gte" val="1">
-          <dgm:layoutNode name="gear1ch" styleLbl="fgAcc1">
-            <dgm:varLst>
-              <dgm:chMax val="0"/>
-              <dgm:bulletEnabled val="1"/>
-            </dgm:varLst>
-            <dgm:alg type="tx">
-              <dgm:param type="stBulletLvl" val="1"/>
-            </dgm:alg>
-            <dgm:shape xmlns:r="http://schemas.openxmlformats.org/officeDocument/2006/relationships" type="roundRect" r:blip="">
-              <dgm:adjLst>
-                <dgm:adj idx="1" val="0.1"/>
-              </dgm:adjLst>
-            </dgm:shape>
-            <dgm:presOf axis="des" ptType="node"/>
-            <dgm:constrLst>
-              <dgm:constr type="tMarg" refType="primFontSz" fact="0.3"/>
-              <dgm:constr type="bMarg" refType="primFontSz" fact="0.3"/>
-              <dgm:constr type="lMarg" refType="primFontSz" fact="0.3"/>
-              <dgm:constr type="rMarg" refType="primFontSz" fact="0.3"/>
-            </dgm:constrLst>
-            <dgm:ruleLst>
-              <dgm:rule type="primFontSz" val="5" fact="NaN" max="NaN"/>
-            </dgm:ruleLst>
-          </dgm:layoutNode>
-        </dgm:if>
-        <dgm:else name="Name7"/>
-      </dgm:choose>
-    </dgm:forEach>
-    <dgm:forEach name="Name8" axis="ch" ptType="node" st="2" cnt="1">
-      <dgm:layoutNode name="gear2" styleLbl="node1">
-        <dgm:varLst>
-          <dgm:chMax val="1"/>
-          <dgm:bulletEnabled val="1"/>
-        </dgm:varLst>
-        <dgm:alg type="tx">
-          <dgm:param type="txAnchorVertCh" val="mid"/>
-        </dgm:alg>
-        <dgm:shape xmlns:r="http://schemas.openxmlformats.org/officeDocument/2006/relationships" type="gear6" r:blip="">
-          <dgm:adjLst/>
-        </dgm:shape>
-        <dgm:presOf axis="self"/>
-        <dgm:constrLst>
-          <dgm:constr type="tMarg" refType="primFontSz" fact="0.1"/>
-          <dgm:constr type="bMarg" refType="primFontSz" fact="0.1"/>
-          <dgm:constr type="lMarg" refType="primFontSz" fact="0.1"/>
-          <dgm:constr type="rMarg" refType="primFontSz" fact="0.1"/>
-        </dgm:constrLst>
-        <dgm:ruleLst>
-          <dgm:rule type="primFontSz" val="5" fact="NaN" max="NaN"/>
-        </dgm:ruleLst>
-      </dgm:layoutNode>
-      <dgm:layoutNode name="gear2srcNode">
-        <dgm:alg type="sp"/>
-        <dgm:shape xmlns:r="http://schemas.openxmlformats.org/officeDocument/2006/relationships" type="rect" r:blip="" hideGeom="1">
-          <dgm:adjLst/>
-        </dgm:shape>
-        <dgm:presOf axis="self"/>
-        <dgm:constrLst/>
-        <dgm:ruleLst/>
-      </dgm:layoutNode>
-      <dgm:layoutNode name="gear2dstNode">
-        <dgm:alg type="sp"/>
-        <dgm:shape xmlns:r="http://schemas.openxmlformats.org/officeDocument/2006/relationships" type="rect" r:blip="" hideGeom="1">
-          <dgm:adjLst/>
-        </dgm:shape>
-        <dgm:presOf axis="self"/>
-        <dgm:constrLst/>
-        <dgm:ruleLst/>
-      </dgm:layoutNode>
-      <dgm:choose name="Name9">
-        <dgm:if name="Name10" axis="ch" ptType="node" func="cnt" op="gte" val="1">
-          <dgm:layoutNode name="gear2ch" styleLbl="fgAcc1">
-            <dgm:varLst>
-              <dgm:chMax val="0"/>
-              <dgm:bulletEnabled val="1"/>
-            </dgm:varLst>
-            <dgm:alg type="tx">
-              <dgm:param type="stBulletLvl" val="1"/>
-            </dgm:alg>
-            <dgm:shape xmlns:r="http://schemas.openxmlformats.org/officeDocument/2006/relationships" type="roundRect" r:blip="">
-              <dgm:adjLst>
-                <dgm:adj idx="1" val="0.1"/>
-              </dgm:adjLst>
-            </dgm:shape>
-            <dgm:presOf axis="des" ptType="node"/>
-            <dgm:constrLst>
-              <dgm:constr type="tMarg" refType="primFontSz" fact="0.3"/>
-              <dgm:constr type="bMarg" refType="primFontSz" fact="0.3"/>
-              <dgm:constr type="lMarg" refType="primFontSz" fact="0.3"/>
-              <dgm:constr type="rMarg" refType="primFontSz" fact="0.3"/>
-            </dgm:constrLst>
-            <dgm:ruleLst>
-              <dgm:rule type="primFontSz" val="5" fact="NaN" max="NaN"/>
-            </dgm:ruleLst>
-          </dgm:layoutNode>
-        </dgm:if>
-        <dgm:else name="Name11"/>
-      </dgm:choose>
-    </dgm:forEach>
-    <dgm:forEach name="Name12" axis="ch" ptType="node" st="3" cnt="1">
-      <dgm:layoutNode name="gear3" styleLbl="node1">
-        <dgm:alg type="sp"/>
-        <dgm:shape xmlns:r="http://schemas.openxmlformats.org/officeDocument/2006/relationships" rot="-15" type="gear6" r:blip="">
-          <dgm:adjLst/>
-        </dgm:shape>
-        <dgm:presOf axis="self"/>
-        <dgm:constrLst/>
-        <dgm:ruleLst/>
-      </dgm:layoutNode>
-      <dgm:layoutNode name="gear3tx" styleLbl="node1">
-        <dgm:varLst>
-          <dgm:chMax val="1"/>
-          <dgm:bulletEnabled val="1"/>
-        </dgm:varLst>
-        <dgm:alg type="tx">
-          <dgm:param type="txAnchorVertCh" val="mid"/>
-        </dgm:alg>
-        <dgm:shape xmlns:r="http://schemas.openxmlformats.org/officeDocument/2006/relationships" type="rect" r:blip="" hideGeom="1">
-          <dgm:adjLst/>
-        </dgm:shape>
-        <dgm:presOf axis="self"/>
-        <dgm:constrLst>
-          <dgm:constr type="tMarg" refType="primFontSz" fact="0.1"/>
-          <dgm:constr type="bMarg" refType="primFontSz" fact="0.1"/>
-          <dgm:constr type="lMarg" refType="primFontSz" fact="0.1"/>
-          <dgm:constr type="rMarg" refType="primFontSz" fact="0.1"/>
-        </dgm:constrLst>
-        <dgm:ruleLst>
-          <dgm:rule type="primFontSz" val="5" fact="NaN" max="NaN"/>
-        </dgm:ruleLst>
-      </dgm:layoutNode>
-      <dgm:layoutNode name="gear3srcNode">
-        <dgm:alg type="sp"/>
-        <dgm:shape xmlns:r="http://schemas.openxmlformats.org/officeDocument/2006/relationships" type="rect" r:blip="" hideGeom="1">
-          <dgm:adjLst/>
-        </dgm:shape>
-        <dgm:presOf axis="self"/>
-        <dgm:constrLst/>
-        <dgm:ruleLst/>
-      </dgm:layoutNode>
-      <dgm:layoutNode name="gear3dstNode">
-        <dgm:alg type="sp"/>
-        <dgm:shape xmlns:r="http://schemas.openxmlformats.org/officeDocument/2006/relationships" type="rect" r:blip="" hideGeom="1">
-          <dgm:adjLst/>
-        </dgm:shape>
-        <dgm:presOf axis="self"/>
-        <dgm:constrLst/>
-        <dgm:ruleLst/>
-      </dgm:layoutNode>
-      <dgm:choose name="Name13">
-        <dgm:if name="Name14" axis="ch" ptType="node" func="cnt" op="gte" val="1">
-          <dgm:layoutNode name="gear3ch" styleLbl="fgAcc1">
-            <dgm:varLst>
-              <dgm:chMax val="0"/>
-              <dgm:bulletEnabled val="1"/>
-            </dgm:varLst>
-            <dgm:alg type="tx">
-              <dgm:param type="stBulletLvl" val="1"/>
-            </dgm:alg>
-            <dgm:shape xmlns:r="http://schemas.openxmlformats.org/officeDocument/2006/relationships" type="roundRect" r:blip="">
-              <dgm:adjLst>
-                <dgm:adj idx="1" val="0.1"/>
-              </dgm:adjLst>
-            </dgm:shape>
-            <dgm:presOf axis="des" ptType="node"/>
-            <dgm:constrLst>
-              <dgm:constr type="tMarg" refType="primFontSz" fact="0.3"/>
-              <dgm:constr type="bMarg" refType="primFontSz" fact="0.3"/>
-              <dgm:constr type="lMarg" refType="primFontSz" fact="0.3"/>
-              <dgm:constr type="rMarg" refType="primFontSz" fact="0.3"/>
-            </dgm:constrLst>
-            <dgm:ruleLst>
-              <dgm:rule type="primFontSz" val="5" fact="NaN" max="NaN"/>
-            </dgm:ruleLst>
-          </dgm:layoutNode>
-        </dgm:if>
-        <dgm:else name="Name15"/>
-      </dgm:choose>
-    </dgm:forEach>
-    <dgm:forEach name="Name16" axis="ch" ptType="sibTrans" hideLastTrans="0" cnt="1">
-      <dgm:layoutNode name="connector1" styleLbl="sibTrans2D1">
-        <dgm:alg type="conn">
-          <dgm:param type="connRout" val="curve"/>
-          <dgm:param type="srcNode" val="gear1srcNode"/>
-          <dgm:param type="dstNode" val="gear1dstNode"/>
-          <dgm:param type="begPts" val="midR"/>
-          <dgm:param type="endPts" val="tCtr"/>
-        </dgm:alg>
-        <dgm:shape xmlns:r="http://schemas.openxmlformats.org/officeDocument/2006/relationships" type="conn" r:blip="">
-          <dgm:adjLst/>
-        </dgm:shape>
-        <dgm:presOf axis="self"/>
-        <dgm:constrLst>
-          <dgm:constr type="w" val="10"/>
-          <dgm:constr type="h" val="10"/>
-          <dgm:constr type="begPad"/>
-          <dgm:constr type="endPad"/>
-        </dgm:constrLst>
-        <dgm:ruleLst/>
-      </dgm:layoutNode>
-    </dgm:forEach>
-    <dgm:forEach name="Name17" axis="ch" ptType="sibTrans" hideLastTrans="0" st="2" cnt="1">
-      <dgm:layoutNode name="connector2" styleLbl="sibTrans2D1">
-        <dgm:alg type="conn">
-          <dgm:param type="connRout" val="curve"/>
-          <dgm:param type="srcNode" val="gear2srcNode"/>
-          <dgm:param type="dstNode" val="gear2dstNode"/>
-          <dgm:param type="begPts" val="midL"/>
-          <dgm:param type="endPts" val="midL"/>
-        </dgm:alg>
-        <dgm:shape xmlns:r="http://schemas.openxmlformats.org/officeDocument/2006/relationships" type="conn" r:blip="">
-          <dgm:adjLst/>
-        </dgm:shape>
-        <dgm:presOf axis="self"/>
-        <dgm:constrLst>
-          <dgm:constr type="w" val="10"/>
-          <dgm:constr type="h" val="10"/>
-          <dgm:constr type="begPad"/>
-          <dgm:constr type="endPad"/>
-        </dgm:constrLst>
-        <dgm:ruleLst/>
-      </dgm:layoutNode>
-    </dgm:forEach>
-    <dgm:forEach name="Name18" axis="ch" ptType="sibTrans" hideLastTrans="0" st="3" cnt="1">
-      <dgm:layoutNode name="connector3" styleLbl="sibTrans2D1">
-        <dgm:alg type="conn">
-          <dgm:param type="connRout" val="curve"/>
-          <dgm:param type="srcNode" val="gear3srcNode"/>
-          <dgm:param type="dstNode" val="gear3dstNode"/>
-          <dgm:param type="begPts" val="midL"/>
-          <dgm:param type="endPts" val="midL"/>
-        </dgm:alg>
-        <dgm:shape xmlns:r="http://schemas.openxmlformats.org/officeDocument/2006/relationships" type="conn" r:blip="">
-          <dgm:adjLst/>
-        </dgm:shape>
-        <dgm:presOf axis="self"/>
-        <dgm:constrLst>
-          <dgm:constr type="w" val="10"/>
-          <dgm:constr type="h" val="10"/>
-          <dgm:constr type="begPad"/>
-          <dgm:constr type="endPad"/>
-        </dgm:constrLst>
-        <dgm:ruleLst/>
-      </dgm:layoutNode>
-    </dgm:forEach>
-  </dgm:layoutNode>
-</dgm:layoutDef>
-</file>
-
-<file path=ppt/diagrams/quickStyle1.xml><?xml version="1.0" encoding="utf-8"?>
-<dgm:styleDef xmlns:dgm="http://schemas.openxmlformats.org/drawingml/2006/diagram" xmlns:a="http://schemas.openxmlformats.org/drawingml/2006/main" uniqueId="urn:microsoft.com/office/officeart/2005/8/quickstyle/simple1">
-  <dgm:title val=""/>
-  <dgm:desc val=""/>
-  <dgm:catLst>
-    <dgm:cat type="simple" pri="10100"/>
-  </dgm:catLst>
-  <dgm:scene3d>
-    <a:camera prst="orthographicFront"/>
-    <a:lightRig rig="threePt" dir="t"/>
-  </dgm:scene3d>
-  <dgm:styleLbl name="node0">
-    <dgm:scene3d>
-      <a:camera prst="orthographicFront"/>
-      <a:lightRig rig="threePt" dir="t"/>
-    </dgm:scene3d>
-    <dgm:sp3d/>
-    <dgm:txPr/>
-    <dgm:style>
-      <a:lnRef idx="2">
-        <a:scrgbClr r="0" g="0" b="0"/>
-      </a:lnRef>
-      <a:fillRef idx="1">
-        <a:scrgbClr r="0" g="0" b="0"/>
-      </a:fillRef>
-      <a:effectRef idx="0">
-        <a:scrgbClr r="0" g="0" b="0"/>
-      </a:effectRef>
-      <a:fontRef idx="minor">
-        <a:schemeClr val="lt1"/>
-      </a:fontRef>
-    </dgm:style>
-  </dgm:styleLbl>
-  <dgm:styleLbl name="lnNode1">
-    <dgm:scene3d>
-      <a:camera prst="orthographicFront"/>
-      <a:lightRig rig="threePt" dir="t"/>
-    </dgm:scene3d>
-    <dgm:sp3d/>
-    <dgm:txPr/>
-    <dgm:style>
-      <a:lnRef idx="2">
-        <a:scrgbClr r="0" g="0" b="0"/>
-      </a:lnRef>
-      <a:fillRef idx="1">
-        <a:scrgbClr r="0" g="0" b="0"/>
-      </a:fillRef>
-      <a:effectRef idx="0">
-        <a:scrgbClr r="0" g="0" b="0"/>
-      </a:effectRef>
-      <a:fontRef idx="minor">
-        <a:schemeClr val="lt1"/>
-      </a:fontRef>
-    </dgm:style>
-  </dgm:styleLbl>
-  <dgm:styleLbl name="vennNode1">
-    <dgm:scene3d>
-      <a:camera prst="orthographicFront"/>
-      <a:lightRig rig="threePt" dir="t"/>
-    </dgm:scene3d>
-    <dgm:sp3d/>
-    <dgm:txPr/>
-    <dgm:style>
-      <a:lnRef idx="2">
-        <a:scrgbClr r="0" g="0" b="0"/>
-      </a:lnRef>
-      <a:fillRef idx="1">
-        <a:scrgbClr r="0" g="0" b="0"/>
-      </a:fillRef>
-      <a:effectRef idx="0">
-        <a:scrgbClr r="0" g="0" b="0"/>
-      </a:effectRef>
-      <a:fontRef idx="minor">
-        <a:schemeClr val="tx1"/>
-      </a:fontRef>
-    </dgm:style>
-  </dgm:styleLbl>
-  <dgm:styleLbl name="alignNode1">
-    <dgm:scene3d>
-      <a:camera prst="orthographicFront"/>
-      <a:lightRig rig="threePt" dir="t"/>
-    </dgm:scene3d>
-    <dgm:sp3d/>
-    <dgm:txPr/>
-    <dgm:style>
-      <a:lnRef idx="2">
-        <a:scrgbClr r="0" g="0" b="0"/>
-      </a:lnRef>
-      <a:fillRef idx="1">
-        <a:scrgbClr r="0" g="0" b="0"/>
-      </a:fillRef>
-      <a:effectRef idx="0">
-        <a:scrgbClr r="0" g="0" b="0"/>
-      </a:effectRef>
-      <a:fontRef idx="minor">
-        <a:schemeClr val="lt1"/>
-      </a:fontRef>
-    </dgm:style>
-  </dgm:styleLbl>
-  <dgm:styleLbl name="node1">
-    <dgm:scene3d>
-      <a:camera prst="orthographicFront"/>
-      <a:lightRig rig="threePt" dir="t"/>
-    </dgm:scene3d>
-    <dgm:sp3d/>
-    <dgm:txPr/>
-    <dgm:style>
-      <a:lnRef idx="2">
-        <a:scrgbClr r="0" g="0" b="0"/>
-      </a:lnRef>
-      <a:fillRef idx="1">
-        <a:scrgbClr r="0" g="0" b="0"/>
-      </a:fillRef>
-      <a:effectRef idx="0">
-        <a:scrgbClr r="0" g="0" b="0"/>
-      </a:effectRef>
-      <a:fontRef idx="minor">
-        <a:schemeClr val="lt1"/>
-      </a:fontRef>
-    </dgm:style>
-  </dgm:styleLbl>
-  <dgm:styleLbl name="node2">
-    <dgm:scene3d>
-      <a:camera prst="orthographicFront"/>
-      <a:lightRig rig="threePt" dir="t"/>
-    </dgm:scene3d>
-    <dgm:sp3d/>
-    <dgm:txPr/>
-    <dgm:style>
-      <a:lnRef idx="2">
-        <a:scrgbClr r="0" g="0" b="0"/>
-      </a:lnRef>
-      <a:fillRef idx="1">
-        <a:scrgbClr r="0" g="0" b="0"/>
-      </a:fillRef>
-      <a:effectRef idx="0">
-        <a:scrgbClr r="0" g="0" b="0"/>
-      </a:effectRef>
-      <a:fontRef idx="minor">
-        <a:schemeClr val="lt1"/>
-      </a:fontRef>
-    </dgm:style>
-  </dgm:styleLbl>
-  <dgm:styleLbl name="node3">
-    <dgm:scene3d>
-      <a:camera prst="orthographicFront"/>
-      <a:lightRig rig="threePt" dir="t"/>
-    </dgm:scene3d>
-    <dgm:sp3d/>
-    <dgm:txPr/>
-    <dgm:style>
-      <a:lnRef idx="2">
-        <a:scrgbClr r="0" g="0" b="0"/>
-      </a:lnRef>
-      <a:fillRef idx="1">
-        <a:scrgbClr r="0" g="0" b="0"/>
-      </a:fillRef>
-      <a:effectRef idx="0">
-        <a:scrgbClr r="0" g="0" b="0"/>
-      </a:effectRef>
-      <a:fontRef idx="minor">
-        <a:schemeClr val="lt1"/>
-      </a:fontRef>
-    </dgm:style>
-  </dgm:styleLbl>
-  <dgm:styleLbl name="node4">
-    <dgm:scene3d>
-      <a:camera prst="orthographicFront"/>
-      <a:lightRig rig="threePt" dir="t"/>
-    </dgm:scene3d>
-    <dgm:sp3d/>
-    <dgm:txPr/>
-    <dgm:style>
-      <a:lnRef idx="2">
-        <a:scrgbClr r="0" g="0" b="0"/>
-      </a:lnRef>
-      <a:fillRef idx="1">
-        <a:scrgbClr r="0" g="0" b="0"/>
-      </a:fillRef>
-      <a:effectRef idx="0">
-        <a:scrgbClr r="0" g="0" b="0"/>
-      </a:effectRef>
-      <a:fontRef idx="minor">
-        <a:schemeClr val="lt1"/>
-      </a:fontRef>
-    </dgm:style>
-  </dgm:styleLbl>
-  <dgm:styleLbl name="fgImgPlace1">
-    <dgm:scene3d>
-      <a:camera prst="orthographicFront"/>
-      <a:lightRig rig="threePt" dir="t"/>
-    </dgm:scene3d>
-    <dgm:sp3d/>
-    <dgm:txPr/>
-    <dgm:style>
-      <a:lnRef idx="2">
-        <a:scrgbClr r="0" g="0" b="0"/>
-      </a:lnRef>
-      <a:fillRef idx="1">
-        <a:scrgbClr r="0" g="0" b="0"/>
-      </a:fillRef>
-      <a:effectRef idx="0">
-        <a:scrgbClr r="0" g="0" b="0"/>
-      </a:effectRef>
-      <a:fontRef idx="minor"/>
-    </dgm:style>
-  </dgm:styleLbl>
-  <dgm:styleLbl name="alignImgPlace1">
-    <dgm:scene3d>
-      <a:camera prst="orthographicFront"/>
-      <a:lightRig rig="threePt" dir="t"/>
-    </dgm:scene3d>
-    <dgm:sp3d/>
-    <dgm:txPr/>
-    <dgm:style>
-      <a:lnRef idx="2">
-        <a:scrgbClr r="0" g="0" b="0"/>
-      </a:lnRef>
-      <a:fillRef idx="1">
-        <a:scrgbClr r="0" g="0" b="0"/>
-      </a:fillRef>
-      <a:effectRef idx="0">
-        <a:scrgbClr r="0" g="0" b="0"/>
-      </a:effectRef>
-      <a:fontRef idx="minor"/>
-    </dgm:style>
-  </dgm:styleLbl>
-  <dgm:styleLbl name="bgImgPlace1">
-    <dgm:scene3d>
-      <a:camera prst="orthographicFront"/>
-      <a:lightRig rig="threePt" dir="t"/>
-    </dgm:scene3d>
-    <dgm:sp3d/>
-    <dgm:txPr/>
-    <dgm:style>
-      <a:lnRef idx="2">
-        <a:scrgbClr r="0" g="0" b="0"/>
-      </a:lnRef>
-      <a:fillRef idx="1">
-        <a:scrgbClr r="0" g="0" b="0"/>
-      </a:fillRef>
-      <a:effectRef idx="0">
-        <a:scrgbClr r="0" g="0" b="0"/>
-      </a:effectRef>
-      <a:fontRef idx="minor"/>
-    </dgm:style>
-  </dgm:styleLbl>
-  <dgm:styleLbl name="sibTrans2D1">
-    <dgm:scene3d>
-      <a:camera prst="orthographicFront"/>
-      <a:lightRig rig="threePt" dir="t"/>
-    </dgm:scene3d>
-    <dgm:sp3d/>
-    <dgm:txPr/>
-    <dgm:style>
-      <a:lnRef idx="0">
-        <a:scrgbClr r="0" g="0" b="0"/>
-      </a:lnRef>
-      <a:fillRef idx="1">
-        <a:scrgbClr r="0" g="0" b="0"/>
-      </a:fillRef>
-      <a:effectRef idx="0">
-        <a:scrgbClr r="0" g="0" b="0"/>
-      </a:effectRef>
-      <a:fontRef idx="minor">
-        <a:schemeClr val="lt1"/>
-      </a:fontRef>
-    </dgm:style>
-  </dgm:styleLbl>
-  <dgm:styleLbl name="fgSibTrans2D1">
-    <dgm:scene3d>
-      <a:camera prst="orthographicFront"/>
-      <a:lightRig rig="threePt" dir="t"/>
-    </dgm:scene3d>
-    <dgm:sp3d/>
-    <dgm:txPr/>
-    <dgm:style>
-      <a:lnRef idx="0">
-        <a:scrgbClr r="0" g="0" b="0"/>
-      </a:lnRef>
-      <a:fillRef idx="1">
-        <a:scrgbClr r="0" g="0" b="0"/>
-      </a:fillRef>
-      <a:effectRef idx="0">
-        <a:scrgbClr r="0" g="0" b="0"/>
-      </a:effectRef>
-      <a:fontRef idx="minor">
-        <a:schemeClr val="lt1"/>
-      </a:fontRef>
-    </dgm:style>
-  </dgm:styleLbl>
-  <dgm:styleLbl name="bgSibTrans2D1">
-    <dgm:scene3d>
-      <a:camera prst="orthographicFront"/>
-      <a:lightRig rig="threePt" dir="t"/>
-    </dgm:scene3d>
-    <dgm:sp3d/>
-    <dgm:txPr/>
-    <dgm:style>
-      <a:lnRef idx="0">
-        <a:scrgbClr r="0" g="0" b="0"/>
-      </a:lnRef>
-      <a:fillRef idx="1">
-        <a:scrgbClr r="0" g="0" b="0"/>
-      </a:fillRef>
-      <a:effectRef idx="0">
-        <a:scrgbClr r="0" g="0" b="0"/>
-      </a:effectRef>
-      <a:fontRef idx="minor">
-        <a:schemeClr val="lt1"/>
-      </a:fontRef>
-    </dgm:style>
-  </dgm:styleLbl>
-  <dgm:styleLbl name="sibTrans1D1">
-    <dgm:scene3d>
-      <a:camera prst="orthographicFront"/>
-      <a:lightRig rig="threePt" dir="t"/>
-    </dgm:scene3d>
-    <dgm:sp3d/>
-    <dgm:txPr/>
-    <dgm:style>
-      <a:lnRef idx="1">
-        <a:scrgbClr r="0" g="0" b="0"/>
-      </a:lnRef>
-      <a:fillRef idx="0">
-        <a:scrgbClr r="0" g="0" b="0"/>
-      </a:fillRef>
-      <a:effectRef idx="0">
-        <a:scrgbClr r="0" g="0" b="0"/>
-      </a:effectRef>
-      <a:fontRef idx="minor"/>
-    </dgm:style>
-  </dgm:styleLbl>
-  <dgm:styleLbl name="callout">
-    <dgm:scene3d>
-      <a:camera prst="orthographicFront"/>
-      <a:lightRig rig="threePt" dir="t"/>
-    </dgm:scene3d>
-    <dgm:sp3d/>
-    <dgm:txPr/>
-    <dgm:style>
-      <a:lnRef idx="2">
-        <a:scrgbClr r="0" g="0" b="0"/>
-      </a:lnRef>
-      <a:fillRef idx="1">
-        <a:scrgbClr r="0" g="0" b="0"/>
-      </a:fillRef>
-      <a:effectRef idx="0">
-        <a:scrgbClr r="0" g="0" b="0"/>
-      </a:effectRef>
-      <a:fontRef idx="minor"/>
-    </dgm:style>
-  </dgm:styleLbl>
-  <dgm:styleLbl name="asst0">
-    <dgm:scene3d>
-      <a:camera prst="orthographicFront"/>
-      <a:lightRig rig="threePt" dir="t"/>
-    </dgm:scene3d>
-    <dgm:sp3d/>
-    <dgm:txPr/>
-    <dgm:style>
-      <a:lnRef idx="2">
-        <a:scrgbClr r="0" g="0" b="0"/>
-      </a:lnRef>
-      <a:fillRef idx="1">
-        <a:scrgbClr r="0" g="0" b="0"/>
-      </a:fillRef>
-      <a:effectRef idx="0">
-        <a:scrgbClr r="0" g="0" b="0"/>
-      </a:effectRef>
-      <a:fontRef idx="minor">
-        <a:schemeClr val="lt1"/>
-      </a:fontRef>
-    </dgm:style>
-  </dgm:styleLbl>
-  <dgm:styleLbl name="asst1">
-    <dgm:scene3d>
-      <a:camera prst="orthographicFront"/>
-      <a:lightRig rig="threePt" dir="t"/>
-    </dgm:scene3d>
-    <dgm:sp3d/>
-    <dgm:txPr/>
-    <dgm:style>
-      <a:lnRef idx="2">
-        <a:scrgbClr r="0" g="0" b="0"/>
-      </a:lnRef>
-      <a:fillRef idx="1">
-        <a:scrgbClr r="0" g="0" b="0"/>
-      </a:fillRef>
-      <a:effectRef idx="0">
-        <a:scrgbClr r="0" g="0" b="0"/>
-      </a:effectRef>
-      <a:fontRef idx="minor">
-        <a:schemeClr val="lt1"/>
-      </a:fontRef>
-    </dgm:style>
-  </dgm:styleLbl>
-  <dgm:styleLbl name="asst2">
-    <dgm:scene3d>
-      <a:camera prst="orthographicFront"/>
-      <a:lightRig rig="threePt" dir="t"/>
-    </dgm:scene3d>
-    <dgm:sp3d/>
-    <dgm:txPr/>
-    <dgm:style>
-      <a:lnRef idx="2">
-        <a:scrgbClr r="0" g="0" b="0"/>
-      </a:lnRef>
-      <a:fillRef idx="1">
-        <a:scrgbClr r="0" g="0" b="0"/>
-      </a:fillRef>
-      <a:effectRef idx="0">
-        <a:scrgbClr r="0" g="0" b="0"/>
-      </a:effectRef>
-      <a:fontRef idx="minor">
-        <a:schemeClr val="lt1"/>
-      </a:fontRef>
-    </dgm:style>
-  </dgm:styleLbl>
-  <dgm:styleLbl name="asst3">
-    <dgm:scene3d>
-      <a:camera prst="orthographicFront"/>
-      <a:lightRig rig="threePt" dir="t"/>
-    </dgm:scene3d>
-    <dgm:sp3d/>
-    <dgm:txPr/>
-    <dgm:style>
-      <a:lnRef idx="2">
-        <a:scrgbClr r="0" g="0" b="0"/>
-      </a:lnRef>
-      <a:fillRef idx="1">
-        <a:scrgbClr r="0" g="0" b="0"/>
-      </a:fillRef>
-      <a:effectRef idx="0">
-        <a:scrgbClr r="0" g="0" b="0"/>
-      </a:effectRef>
-      <a:fontRef idx="minor">
-        <a:schemeClr val="lt1"/>
-      </a:fontRef>
-    </dgm:style>
-  </dgm:styleLbl>
-  <dgm:styleLbl name="asst4">
-    <dgm:scene3d>
-      <a:camera prst="orthographicFront"/>
-      <a:lightRig rig="threePt" dir="t"/>
-    </dgm:scene3d>
-    <dgm:sp3d/>
-    <dgm:txPr/>
-    <dgm:style>
-      <a:lnRef idx="2">
-        <a:scrgbClr r="0" g="0" b="0"/>
-      </a:lnRef>
-      <a:fillRef idx="1">
-        <a:scrgbClr r="0" g="0" b="0"/>
-      </a:fillRef>
-      <a:effectRef idx="0">
-        <a:scrgbClr r="0" g="0" b="0"/>
-      </a:effectRef>
-      <a:fontRef idx="minor">
-        <a:schemeClr val="lt1"/>
-      </a:fontRef>
-    </dgm:style>
-  </dgm:styleLbl>
-  <dgm:styleLbl name="parChTrans2D1">
-    <dgm:scene3d>
-      <a:camera prst="orthographicFront"/>
-      <a:lightRig rig="threePt" dir="t"/>
-    </dgm:scene3d>
-    <dgm:sp3d/>
-    <dgm:txPr/>
-    <dgm:style>
-      <a:lnRef idx="2">
-        <a:scrgbClr r="0" g="0" b="0"/>
-      </a:lnRef>
-      <a:fillRef idx="1">
-        <a:scrgbClr r="0" g="0" b="0"/>
-      </a:fillRef>
-      <a:effectRef idx="0">
-        <a:scrgbClr r="0" g="0" b="0"/>
-      </a:effectRef>
-      <a:fontRef idx="minor">
-        <a:schemeClr val="lt1"/>
-      </a:fontRef>
-    </dgm:style>
-  </dgm:styleLbl>
-  <dgm:styleLbl name="parChTrans2D2">
-    <dgm:scene3d>
-      <a:camera prst="orthographicFront"/>
-      <a:lightRig rig="threePt" dir="t"/>
-    </dgm:scene3d>
-    <dgm:sp3d/>
-    <dgm:txPr/>
-    <dgm:style>
-      <a:lnRef idx="2">
-        <a:scrgbClr r="0" g="0" b="0"/>
-      </a:lnRef>
-      <a:fillRef idx="1">
-        <a:scrgbClr r="0" g="0" b="0"/>
-      </a:fillRef>
-      <a:effectRef idx="0">
-        <a:scrgbClr r="0" g="0" b="0"/>
-      </a:effectRef>
-      <a:fontRef idx="minor">
-        <a:schemeClr val="lt1"/>
-      </a:fontRef>
-    </dgm:style>
-  </dgm:styleLbl>
-  <dgm:styleLbl name="parChTrans2D3">
-    <dgm:scene3d>
-      <a:camera prst="orthographicFront"/>
-      <a:lightRig rig="threePt" dir="t"/>
-    </dgm:scene3d>
-    <dgm:sp3d/>
-    <dgm:txPr/>
-    <dgm:style>
-      <a:lnRef idx="2">
-        <a:scrgbClr r="0" g="0" b="0"/>
-      </a:lnRef>
-      <a:fillRef idx="1">
-        <a:scrgbClr r="0" g="0" b="0"/>
-      </a:fillRef>
-      <a:effectRef idx="0">
-        <a:scrgbClr r="0" g="0" b="0"/>
-      </a:effectRef>
-      <a:fontRef idx="minor">
-        <a:schemeClr val="lt1"/>
-      </a:fontRef>
-    </dgm:style>
-  </dgm:styleLbl>
-  <dgm:styleLbl name="parChTrans2D4">
-    <dgm:scene3d>
-      <a:camera prst="orthographicFront"/>
-      <a:lightRig rig="threePt" dir="t"/>
-    </dgm:scene3d>
-    <dgm:sp3d/>
-    <dgm:txPr/>
-    <dgm:style>
-      <a:lnRef idx="2">
-        <a:scrgbClr r="0" g="0" b="0"/>
-      </a:lnRef>
-      <a:fillRef idx="1">
-        <a:scrgbClr r="0" g="0" b="0"/>
-      </a:fillRef>
-      <a:effectRef idx="0">
-        <a:scrgbClr r="0" g="0" b="0"/>
-      </a:effectRef>
-      <a:fontRef idx="minor">
-        <a:schemeClr val="lt1"/>
-      </a:fontRef>
-    </dgm:style>
-  </dgm:styleLbl>
-  <dgm:styleLbl name="parChTrans1D1">
-    <dgm:scene3d>
-      <a:camera prst="orthographicFront"/>
-      <a:lightRig rig="threePt" dir="t"/>
-    </dgm:scene3d>
-    <dgm:sp3d/>
-    <dgm:txPr/>
-    <dgm:style>
-      <a:lnRef idx="2">
-        <a:scrgbClr r="0" g="0" b="0"/>
-      </a:lnRef>
-      <a:fillRef idx="0">
-        <a:scrgbClr r="0" g="0" b="0"/>
-      </a:fillRef>
-      <a:effectRef idx="0">
-        <a:scrgbClr r="0" g="0" b="0"/>
-      </a:effectRef>
-      <a:fontRef idx="minor"/>
-    </dgm:style>
-  </dgm:styleLbl>
-  <dgm:styleLbl name="parChTrans1D2">
-    <dgm:scene3d>
-      <a:camera prst="orthographicFront"/>
-      <a:lightRig rig="threePt" dir="t"/>
-    </dgm:scene3d>
-    <dgm:sp3d/>
-    <dgm:txPr/>
-    <dgm:style>
-      <a:lnRef idx="2">
-        <a:scrgbClr r="0" g="0" b="0"/>
-      </a:lnRef>
-      <a:fillRef idx="0">
-        <a:scrgbClr r="0" g="0" b="0"/>
-      </a:fillRef>
-      <a:effectRef idx="0">
-        <a:scrgbClr r="0" g="0" b="0"/>
-      </a:effectRef>
-      <a:fontRef idx="minor"/>
-    </dgm:style>
-  </dgm:styleLbl>
-  <dgm:styleLbl name="parChTrans1D3">
-    <dgm:scene3d>
-      <a:camera prst="orthographicFront"/>
-      <a:lightRig rig="threePt" dir="t"/>
-    </dgm:scene3d>
-    <dgm:sp3d/>
-    <dgm:txPr/>
-    <dgm:style>
-      <a:lnRef idx="2">
-        <a:scrgbClr r="0" g="0" b="0"/>
-      </a:lnRef>
-      <a:fillRef idx="0">
-        <a:scrgbClr r="0" g="0" b="0"/>
-      </a:fillRef>
-      <a:effectRef idx="0">
-        <a:scrgbClr r="0" g="0" b="0"/>
-      </a:effectRef>
-      <a:fontRef idx="minor"/>
-    </dgm:style>
-  </dgm:styleLbl>
-  <dgm:styleLbl name="parChTrans1D4">
-    <dgm:scene3d>
-      <a:camera prst="orthographicFront"/>
-      <a:lightRig rig="threePt" dir="t"/>
-    </dgm:scene3d>
-    <dgm:sp3d/>
-    <dgm:txPr/>
-    <dgm:style>
-      <a:lnRef idx="2">
-        <a:scrgbClr r="0" g="0" b="0"/>
-      </a:lnRef>
-      <a:fillRef idx="0">
-        <a:scrgbClr r="0" g="0" b="0"/>
-      </a:fillRef>
-      <a:effectRef idx="0">
-        <a:scrgbClr r="0" g="0" b="0"/>
-      </a:effectRef>
-      <a:fontRef idx="minor"/>
-    </dgm:style>
-  </dgm:styleLbl>
-  <dgm:styleLbl name="fgAcc1">
-    <dgm:scene3d>
-      <a:camera prst="orthographicFront"/>
-      <a:lightRig rig="threePt" dir="t"/>
-    </dgm:scene3d>
-    <dgm:sp3d/>
-    <dgm:txPr/>
-    <dgm:style>
-      <a:lnRef idx="2">
-        <a:scrgbClr r="0" g="0" b="0"/>
-      </a:lnRef>
-      <a:fillRef idx="1">
-        <a:scrgbClr r="0" g="0" b="0"/>
-      </a:fillRef>
-      <a:effectRef idx="0">
-        <a:scrgbClr r="0" g="0" b="0"/>
-      </a:effectRef>
-      <a:fontRef idx="minor"/>
-    </dgm:style>
-  </dgm:styleLbl>
-  <dgm:styleLbl name="conFgAcc1">
-    <dgm:scene3d>
-      <a:camera prst="orthographicFront"/>
-      <a:lightRig rig="threePt" dir="t"/>
-    </dgm:scene3d>
-    <dgm:sp3d/>
-    <dgm:txPr/>
-    <dgm:style>
-      <a:lnRef idx="2">
-        <a:scrgbClr r="0" g="0" b="0"/>
-      </a:lnRef>
-      <a:fillRef idx="1">
-        <a:scrgbClr r="0" g="0" b="0"/>
-      </a:fillRef>
-      <a:effectRef idx="0">
-        <a:scrgbClr r="0" g="0" b="0"/>
-      </a:effectRef>
-      <a:fontRef idx="minor"/>
-    </dgm:style>
-  </dgm:styleLbl>
-  <dgm:styleLbl name="alignAcc1">
-    <dgm:scene3d>
-      <a:camera prst="orthographicFront"/>
-      <a:lightRig rig="threePt" dir="t"/>
-    </dgm:scene3d>
-    <dgm:sp3d/>
-    <dgm:txPr/>
-    <dgm:style>
-      <a:lnRef idx="2">
-        <a:scrgbClr r="0" g="0" b="0"/>
-      </a:lnRef>
-      <a:fillRef idx="1">
-        <a:scrgbClr r="0" g="0" b="0"/>
-      </a:fillRef>
-      <a:effectRef idx="0">
-        <a:scrgbClr r="0" g="0" b="0"/>
-      </a:effectRef>
-      <a:fontRef idx="minor"/>
-    </dgm:style>
-  </dgm:styleLbl>
-  <dgm:styleLbl name="trAlignAcc1">
-    <dgm:scene3d>
-      <a:camera prst="orthographicFront"/>
-      <a:lightRig rig="threePt" dir="t"/>
-    </dgm:scene3d>
-    <dgm:sp3d/>
-    <dgm:txPr/>
-    <dgm:style>
-      <a:lnRef idx="1">
-        <a:scrgbClr r="0" g="0" b="0"/>
-      </a:lnRef>
-      <a:fillRef idx="1">
-        <a:scrgbClr r="0" g="0" b="0"/>
-      </a:fillRef>
-      <a:effectRef idx="0">
-        <a:scrgbClr r="0" g="0" b="0"/>
-      </a:effectRef>
-      <a:fontRef idx="minor"/>
-    </dgm:style>
-  </dgm:styleLbl>
-  <dgm:styleLbl name="bgAcc1">
-    <dgm:scene3d>
-      <a:camera prst="orthographicFront"/>
-      <a:lightRig rig="threePt" dir="t"/>
-    </dgm:scene3d>
-    <dgm:sp3d/>
-    <dgm:txPr/>
-    <dgm:style>
-      <a:lnRef idx="2">
-        <a:scrgbClr r="0" g="0" b="0"/>
-      </a:lnRef>
-      <a:fillRef idx="1">
-        <a:scrgbClr r="0" g="0" b="0"/>
-      </a:fillRef>
-      <a:effectRef idx="0">
-        <a:scrgbClr r="0" g="0" b="0"/>
-      </a:effectRef>
-      <a:fontRef idx="minor"/>
-    </dgm:style>
-  </dgm:styleLbl>
-  <dgm:styleLbl name="solidFgAcc1">
-    <dgm:scene3d>
-      <a:camera prst="orthographicFront"/>
-      <a:lightRig rig="threePt" dir="t"/>
-    </dgm:scene3d>
-    <dgm:sp3d/>
-    <dgm:txPr/>
-    <dgm:style>
-      <a:lnRef idx="2">
-        <a:scrgbClr r="0" g="0" b="0"/>
-      </a:lnRef>
-      <a:fillRef idx="1">
-        <a:scrgbClr r="0" g="0" b="0"/>
-      </a:fillRef>
-      <a:effectRef idx="0">
-        <a:scrgbClr r="0" g="0" b="0"/>
-      </a:effectRef>
-      <a:fontRef idx="minor"/>
-    </dgm:style>
-  </dgm:styleLbl>
-  <dgm:styleLbl name="solidAlignAcc1">
-    <dgm:scene3d>
-      <a:camera prst="orthographicFront"/>
-      <a:lightRig rig="threePt" dir="t"/>
-    </dgm:scene3d>
-    <dgm:sp3d/>
-    <dgm:txPr/>
-    <dgm:style>
-      <a:lnRef idx="2">
-        <a:scrgbClr r="0" g="0" b="0"/>
-      </a:lnRef>
-      <a:fillRef idx="1">
-        <a:scrgbClr r="0" g="0" b="0"/>
-      </a:fillRef>
-      <a:effectRef idx="0">
-        <a:scrgbClr r="0" g="0" b="0"/>
-      </a:effectRef>
-      <a:fontRef idx="minor"/>
-    </dgm:style>
-  </dgm:styleLbl>
-  <dgm:styleLbl name="solidBgAcc1">
-    <dgm:scene3d>
-      <a:camera prst="orthographicFront"/>
-      <a:lightRig rig="threePt" dir="t"/>
-    </dgm:scene3d>
-    <dgm:sp3d/>
-    <dgm:txPr/>
-    <dgm:style>
-      <a:lnRef idx="2">
-        <a:scrgbClr r="0" g="0" b="0"/>
-      </a:lnRef>
-      <a:fillRef idx="1">
-        <a:scrgbClr r="0" g="0" b="0"/>
-      </a:fillRef>
-      <a:effectRef idx="0">
-        <a:scrgbClr r="0" g="0" b="0"/>
-      </a:effectRef>
-      <a:fontRef idx="minor"/>
-    </dgm:style>
-  </dgm:styleLbl>
-  <dgm:styleLbl name="fgAccFollowNode1">
-    <dgm:scene3d>
-      <a:camera prst="orthographicFront"/>
-      <a:lightRig rig="threePt" dir="t"/>
-    </dgm:scene3d>
-    <dgm:sp3d/>
-    <dgm:txPr/>
-    <dgm:style>
-      <a:lnRef idx="2">
-        <a:scrgbClr r="0" g="0" b="0"/>
-      </a:lnRef>
-      <a:fillRef idx="1">
-        <a:scrgbClr r="0" g="0" b="0"/>
-      </a:fillRef>
-      <a:effectRef idx="0">
-        <a:scrgbClr r="0" g="0" b="0"/>
-      </a:effectRef>
-      <a:fontRef idx="minor"/>
-    </dgm:style>
-  </dgm:styleLbl>
-  <dgm:styleLbl name="alignAccFollowNode1">
-    <dgm:scene3d>
-      <a:camera prst="orthographicFront"/>
-      <a:lightRig rig="threePt" dir="t"/>
-    </dgm:scene3d>
-    <dgm:sp3d/>
-    <dgm:txPr/>
-    <dgm:style>
-      <a:lnRef idx="2">
-        <a:scrgbClr r="0" g="0" b="0"/>
-      </a:lnRef>
-      <a:fillRef idx="1">
-        <a:scrgbClr r="0" g="0" b="0"/>
-      </a:fillRef>
-      <a:effectRef idx="0">
-        <a:scrgbClr r="0" g="0" b="0"/>
-      </a:effectRef>
-      <a:fontRef idx="minor"/>
-    </dgm:style>
-  </dgm:styleLbl>
-  <dgm:styleLbl name="bgAccFollowNode1">
-    <dgm:scene3d>
-      <a:camera prst="orthographicFront"/>
-      <a:lightRig rig="threePt" dir="t"/>
-    </dgm:scene3d>
-    <dgm:sp3d/>
-    <dgm:txPr/>
-    <dgm:style>
-      <a:lnRef idx="2">
-        <a:scrgbClr r="0" g="0" b="0"/>
-      </a:lnRef>
-      <a:fillRef idx="1">
-        <a:scrgbClr r="0" g="0" b="0"/>
-      </a:fillRef>
-      <a:effectRef idx="0">
-        <a:scrgbClr r="0" g="0" b="0"/>
-      </a:effectRef>
-      <a:fontRef idx="minor"/>
-    </dgm:style>
-  </dgm:styleLbl>
-  <dgm:styleLbl name="fgAcc0">
-    <dgm:scene3d>
-      <a:camera prst="orthographicFront"/>
-      <a:lightRig rig="threePt" dir="t"/>
-    </dgm:scene3d>
-    <dgm:sp3d/>
-    <dgm:txPr/>
-    <dgm:style>
-      <a:lnRef idx="2">
-        <a:scrgbClr r="0" g="0" b="0"/>
-      </a:lnRef>
-      <a:fillRef idx="1">
-        <a:scrgbClr r="0" g="0" b="0"/>
-      </a:fillRef>
-      <a:effectRef idx="0">
-        <a:scrgbClr r="0" g="0" b="0"/>
-      </a:effectRef>
-      <a:fontRef idx="minor"/>
-    </dgm:style>
-  </dgm:styleLbl>
-  <dgm:styleLbl name="fgAcc2">
-    <dgm:scene3d>
-      <a:camera prst="orthographicFront"/>
-      <a:lightRig rig="threePt" dir="t"/>
-    </dgm:scene3d>
-    <dgm:sp3d/>
-    <dgm:txPr/>
-    <dgm:style>
-      <a:lnRef idx="2">
-        <a:scrgbClr r="0" g="0" b="0"/>
-      </a:lnRef>
-      <a:fillRef idx="1">
-        <a:scrgbClr r="0" g="0" b="0"/>
-      </a:fillRef>
-      <a:effectRef idx="0">
-        <a:scrgbClr r="0" g="0" b="0"/>
-      </a:effectRef>
-      <a:fontRef idx="minor"/>
-    </dgm:style>
-  </dgm:styleLbl>
-  <dgm:styleLbl name="fgAcc3">
-    <dgm:scene3d>
-      <a:camera prst="orthographicFront"/>
-      <a:lightRig rig="threePt" dir="t"/>
-    </dgm:scene3d>
-    <dgm:sp3d/>
-    <dgm:txPr/>
-    <dgm:style>
-      <a:lnRef idx="2">
-        <a:scrgbClr r="0" g="0" b="0"/>
-      </a:lnRef>
-      <a:fillRef idx="1">
-        <a:scrgbClr r="0" g="0" b="0"/>
-      </a:fillRef>
-      <a:effectRef idx="0">
-        <a:scrgbClr r="0" g="0" b="0"/>
-      </a:effectRef>
-      <a:fontRef idx="minor"/>
-    </dgm:style>
-  </dgm:styleLbl>
-  <dgm:styleLbl name="fgAcc4">
-    <dgm:scene3d>
-      <a:camera prst="orthographicFront"/>
-      <a:lightRig rig="threePt" dir="t"/>
-    </dgm:scene3d>
-    <dgm:sp3d/>
-    <dgm:txPr/>
-    <dgm:style>
-      <a:lnRef idx="2">
-        <a:scrgbClr r="0" g="0" b="0"/>
-      </a:lnRef>
-      <a:fillRef idx="1">
-        <a:scrgbClr r="0" g="0" b="0"/>
-      </a:fillRef>
-      <a:effectRef idx="0">
-        <a:scrgbClr r="0" g="0" b="0"/>
-      </a:effectRef>
-      <a:fontRef idx="minor"/>
-    </dgm:style>
-  </dgm:styleLbl>
-  <dgm:styleLbl name="bgShp">
-    <dgm:scene3d>
-      <a:camera prst="orthographicFront"/>
-      <a:lightRig rig="threePt" dir="t"/>
-    </dgm:scene3d>
-    <dgm:sp3d/>
-    <dgm:txPr/>
-    <dgm:style>
-      <a:lnRef idx="0">
-        <a:scrgbClr r="0" g="0" b="0"/>
-      </a:lnRef>
-      <a:fillRef idx="1">
-        <a:scrgbClr r="0" g="0" b="0"/>
-      </a:fillRef>
-      <a:effectRef idx="0">
-        <a:scrgbClr r="0" g="0" b="0"/>
-      </a:effectRef>
-      <a:fontRef idx="minor"/>
-    </dgm:style>
-  </dgm:styleLbl>
-  <dgm:styleLbl name="dkBgShp">
-    <dgm:scene3d>
-      <a:camera prst="orthographicFront"/>
-      <a:lightRig rig="threePt" dir="t"/>
-    </dgm:scene3d>
-    <dgm:sp3d/>
-    <dgm:txPr/>
-    <dgm:style>
-      <a:lnRef idx="0">
-        <a:scrgbClr r="0" g="0" b="0"/>
-      </a:lnRef>
-      <a:fillRef idx="1">
-        <a:scrgbClr r="0" g="0" b="0"/>
-      </a:fillRef>
-      <a:effectRef idx="0">
-        <a:scrgbClr r="0" g="0" b="0"/>
-      </a:effectRef>
-      <a:fontRef idx="minor"/>
-    </dgm:style>
-  </dgm:styleLbl>
-  <dgm:styleLbl name="trBgShp">
-    <dgm:scene3d>
-      <a:camera prst="orthographicFront"/>
-      <a:lightRig rig="threePt" dir="t"/>
-    </dgm:scene3d>
-    <dgm:sp3d/>
-    <dgm:txPr/>
-    <dgm:style>
-      <a:lnRef idx="0">
-        <a:scrgbClr r="0" g="0" b="0"/>
-      </a:lnRef>
-      <a:fillRef idx="1">
-        <a:scrgbClr r="0" g="0" b="0"/>
-      </a:fillRef>
-      <a:effectRef idx="0">
-        <a:scrgbClr r="0" g="0" b="0"/>
-      </a:effectRef>
-      <a:fontRef idx="minor"/>
-    </dgm:style>
-  </dgm:styleLbl>
-  <dgm:styleLbl name="fgShp">
-    <dgm:scene3d>
-      <a:camera prst="orthographicFront"/>
-      <a:lightRig rig="threePt" dir="t"/>
-    </dgm:scene3d>
-    <dgm:sp3d/>
-    <dgm:txPr/>
-    <dgm:style>
-      <a:lnRef idx="2">
-        <a:scrgbClr r="0" g="0" b="0"/>
-      </a:lnRef>
-      <a:fillRef idx="1">
-        <a:scrgbClr r="0" g="0" b="0"/>
-      </a:fillRef>
-      <a:effectRef idx="0">
-        <a:scrgbClr r="0" g="0" b="0"/>
-      </a:effectRef>
-      <a:fontRef idx="minor"/>
-    </dgm:style>
-  </dgm:styleLbl>
-  <dgm:styleLbl name="revTx">
-    <dgm:scene3d>
-      <a:camera prst="orthographicFront"/>
-      <a:lightRig rig="threePt" dir="t"/>
-    </dgm:scene3d>
-    <dgm:sp3d/>
-    <dgm:txPr/>
-    <dgm:style>
-      <a:lnRef idx="0">
-        <a:scrgbClr r="0" g="0" b="0"/>
-      </a:lnRef>
-      <a:fillRef idx="0">
-        <a:scrgbClr r="0" g="0" b="0"/>
-      </a:fillRef>
-      <a:effectRef idx="0">
-        <a:scrgbClr r="0" g="0" b="0"/>
-      </a:effectRef>
-      <a:fontRef idx="minor"/>
-    </dgm:style>
-  </dgm:styleLbl>
-</dgm:styleDef>
-</file>
-
 <file path=ppt/handoutMasters/handoutMaster1.xml><?xml version="1.0" encoding="utf-8"?>
 <p:handoutMaster xmlns:a="http://schemas.openxmlformats.org/drawingml/2006/main" xmlns:r="http://schemas.openxmlformats.org/officeDocument/2006/relationships" xmlns:p="http://schemas.openxmlformats.org/presentationml/2006/main">
   <p:cSld>
@@ -2727,7 +210,7 @@
           <a:p>
             <a:fld id="{8F591CCF-F6FD-734B-854A-5BC033593B1E}" type="datetimeFigureOut">
               <a:rPr lang="nl-NL" smtClean="0"/>
-              <a:t>26-4-2021</a:t>
+              <a:t>27-4-2021</a:t>
             </a:fld>
             <a:endParaRPr lang="nl-NL"/>
           </a:p>
@@ -2892,7 +375,7 @@
           <a:p>
             <a:fld id="{23C66214-DB21-4647-B5DA-0D17CA592867}" type="datetimeFigureOut">
               <a:rPr lang="nl-NL" smtClean="0"/>
-              <a:t>26-4-2021</a:t>
+              <a:t>27-4-2021</a:t>
             </a:fld>
             <a:endParaRPr lang="nl-NL"/>
           </a:p>
@@ -3159,94 +642,6 @@
 </p:notesMaster>
 </file>
 
-<file path=ppt/notesSlides/notesSlide1.xml><?xml version="1.0" encoding="utf-8"?>
-<p:notes xmlns:a="http://schemas.openxmlformats.org/drawingml/2006/main" xmlns:r="http://schemas.openxmlformats.org/officeDocument/2006/relationships" xmlns:p="http://schemas.openxmlformats.org/presentationml/2006/main">
-  <p:cSld>
-    <p:spTree>
-      <p:nvGrpSpPr>
-        <p:cNvPr id="1" name=""/>
-        <p:cNvGrpSpPr/>
-        <p:nvPr/>
-      </p:nvGrpSpPr>
-      <p:grpSpPr>
-        <a:xfrm>
-          <a:off x="0" y="0"/>
-          <a:ext cx="0" cy="0"/>
-          <a:chOff x="0" y="0"/>
-          <a:chExt cx="0" cy="0"/>
-        </a:xfrm>
-      </p:grpSpPr>
-      <p:sp>
-        <p:nvSpPr>
-          <p:cNvPr id="2" name="Slide Image Placeholder 1"/>
-          <p:cNvSpPr>
-            <a:spLocks noGrp="1" noRot="1" noChangeAspect="1"/>
-          </p:cNvSpPr>
-          <p:nvPr>
-            <p:ph type="sldImg"/>
-          </p:nvPr>
-        </p:nvSpPr>
-        <p:spPr/>
-      </p:sp>
-      <p:sp>
-        <p:nvSpPr>
-          <p:cNvPr id="3" name="Notes Placeholder 2"/>
-          <p:cNvSpPr>
-            <a:spLocks noGrp="1"/>
-          </p:cNvSpPr>
-          <p:nvPr>
-            <p:ph type="body" idx="1"/>
-          </p:nvPr>
-        </p:nvSpPr>
-        <p:spPr/>
-        <p:txBody>
-          <a:bodyPr/>
-          <a:lstStyle/>
-          <a:p>
-            <a:r>
-              <a:rPr lang="nl-BE"/>
-              <a:t>Look at Davrods</a:t>
-            </a:r>
-            <a:endParaRPr lang="nl-BE" dirty="0"/>
-          </a:p>
-        </p:txBody>
-      </p:sp>
-      <p:sp>
-        <p:nvSpPr>
-          <p:cNvPr id="4" name="Slide Number Placeholder 3"/>
-          <p:cNvSpPr>
-            <a:spLocks noGrp="1"/>
-          </p:cNvSpPr>
-          <p:nvPr>
-            <p:ph type="sldNum" sz="quarter" idx="5"/>
-          </p:nvPr>
-        </p:nvSpPr>
-        <p:spPr/>
-        <p:txBody>
-          <a:bodyPr/>
-          <a:lstStyle/>
-          <a:p>
-            <a:fld id="{1792FB45-5863-49D1-8926-D42AE452AB79}" type="slidenum">
-              <a:rPr lang="en-US" smtClean="0"/>
-              <a:t>3</a:t>
-            </a:fld>
-            <a:endParaRPr lang="en-US"/>
-          </a:p>
-        </p:txBody>
-      </p:sp>
-    </p:spTree>
-    <p:extLst>
-      <p:ext uri="{BB962C8B-B14F-4D97-AF65-F5344CB8AC3E}">
-        <p14:creationId xmlns:p14="http://schemas.microsoft.com/office/powerpoint/2010/main" val="2202357823"/>
-      </p:ext>
-    </p:extLst>
-  </p:cSld>
-  <p:clrMapOvr>
-    <a:masterClrMapping/>
-  </p:clrMapOvr>
-</p:notes>
-</file>
-
 <file path=ppt/slideLayouts/slideLayout1.xml><?xml version="1.0" encoding="utf-8"?>
 <p:sldLayout xmlns:a="http://schemas.openxmlformats.org/drawingml/2006/main" xmlns:r="http://schemas.openxmlformats.org/officeDocument/2006/relationships" xmlns:p="http://schemas.openxmlformats.org/presentationml/2006/main" preserve="1" userDrawn="1">
   <p:cSld name="Title Slide">
@@ -3728,7 +1123,7 @@
           <a:p>
             <a:fld id="{7889DFE0-2F5B-400B-A2F7-7D99EE742999}" type="datetime1">
               <a:rPr lang="nl-BE" smtClean="0"/>
-              <a:t>26/04/2021</a:t>
+              <a:t>27/04/2021</a:t>
             </a:fld>
             <a:endParaRPr lang="nl-BE"/>
           </a:p>
@@ -3863,6 +1258,189 @@
 </file>
 
 <file path=ppt/slideLayouts/slideLayout12.xml><?xml version="1.0" encoding="utf-8"?>
+<p:sldLayout xmlns:a="http://schemas.openxmlformats.org/drawingml/2006/main" xmlns:r="http://schemas.openxmlformats.org/officeDocument/2006/relationships" xmlns:p="http://schemas.openxmlformats.org/presentationml/2006/main" userDrawn="1">
+  <p:cSld name="2_Title and Content">
+    <p:spTree>
+      <p:nvGrpSpPr>
+        <p:cNvPr id="1" name=""/>
+        <p:cNvGrpSpPr/>
+        <p:nvPr/>
+      </p:nvGrpSpPr>
+      <p:grpSpPr>
+        <a:xfrm>
+          <a:off x="0" y="0"/>
+          <a:ext cx="0" cy="0"/>
+          <a:chOff x="0" y="0"/>
+          <a:chExt cx="0" cy="0"/>
+        </a:xfrm>
+      </p:grpSpPr>
+      <p:sp>
+        <p:nvSpPr>
+          <p:cNvPr id="11" name="Date Placeholder 10"/>
+          <p:cNvSpPr>
+            <a:spLocks noGrp="1"/>
+          </p:cNvSpPr>
+          <p:nvPr>
+            <p:ph type="dt" sz="half" idx="10"/>
+          </p:nvPr>
+        </p:nvSpPr>
+        <p:spPr/>
+        <p:txBody>
+          <a:bodyPr/>
+          <a:lstStyle/>
+          <a:p>
+            <a:fld id="{DE3871B0-CA8D-464D-A017-5417A012B0B0}" type="datetime1">
+              <a:rPr lang="nl-BE" smtClean="0"/>
+              <a:t>27/04/2021</a:t>
+            </a:fld>
+            <a:endParaRPr lang="nl-NL" dirty="0"/>
+          </a:p>
+        </p:txBody>
+      </p:sp>
+      <p:sp>
+        <p:nvSpPr>
+          <p:cNvPr id="12" name="Footer Placeholder 11"/>
+          <p:cNvSpPr>
+            <a:spLocks noGrp="1"/>
+          </p:cNvSpPr>
+          <p:nvPr>
+            <p:ph type="ftr" sz="quarter" idx="11"/>
+          </p:nvPr>
+        </p:nvSpPr>
+        <p:spPr/>
+        <p:txBody>
+          <a:bodyPr/>
+          <a:lstStyle/>
+          <a:p>
+            <a:r>
+              <a:rPr lang="en-US"/>
+              <a:t>Research Data Management Competence Centre (RDM-CC)</a:t>
+            </a:r>
+            <a:endParaRPr lang="nl-NL" dirty="0"/>
+          </a:p>
+        </p:txBody>
+      </p:sp>
+      <p:sp>
+        <p:nvSpPr>
+          <p:cNvPr id="13" name="Slide Number Placeholder 12"/>
+          <p:cNvSpPr>
+            <a:spLocks noGrp="1"/>
+          </p:cNvSpPr>
+          <p:nvPr>
+            <p:ph type="sldNum" sz="quarter" idx="12"/>
+          </p:nvPr>
+        </p:nvSpPr>
+        <p:spPr/>
+        <p:txBody>
+          <a:bodyPr/>
+          <a:lstStyle/>
+          <a:p>
+            <a:fld id="{0A297500-7527-634B-90F4-69D0994C32B4}" type="slidenum">
+              <a:rPr lang="nl-NL" smtClean="0"/>
+              <a:pPr/>
+              <a:t>‹#›</a:t>
+            </a:fld>
+            <a:endParaRPr lang="nl-NL" dirty="0"/>
+          </a:p>
+        </p:txBody>
+      </p:sp>
+      <p:sp>
+        <p:nvSpPr>
+          <p:cNvPr id="3" name="Content Placeholder 2"/>
+          <p:cNvSpPr>
+            <a:spLocks noGrp="1"/>
+          </p:cNvSpPr>
+          <p:nvPr>
+            <p:ph sz="quarter" idx="13"/>
+          </p:nvPr>
+        </p:nvSpPr>
+        <p:spPr>
+          <a:xfrm>
+            <a:off x="768351" y="1655999"/>
+            <a:ext cx="10655300" cy="4392376"/>
+          </a:xfrm>
+          <a:prstGeom prst="rect">
+            <a:avLst/>
+          </a:prstGeom>
+        </p:spPr>
+        <p:txBody>
+          <a:bodyPr/>
+          <a:lstStyle/>
+          <a:p>
+            <a:pPr lvl="0"/>
+            <a:r>
+              <a:rPr lang="en-US" dirty="0"/>
+              <a:t>Edit Master text styles</a:t>
+            </a:r>
+          </a:p>
+          <a:p>
+            <a:pPr lvl="1"/>
+            <a:r>
+              <a:rPr lang="en-US" dirty="0"/>
+              <a:t>Second level</a:t>
+            </a:r>
+          </a:p>
+          <a:p>
+            <a:pPr lvl="2"/>
+            <a:r>
+              <a:rPr lang="en-US" dirty="0"/>
+              <a:t>Third level</a:t>
+            </a:r>
+          </a:p>
+          <a:p>
+            <a:pPr lvl="3"/>
+            <a:r>
+              <a:rPr lang="en-US" dirty="0"/>
+              <a:t>Fourth level</a:t>
+            </a:r>
+          </a:p>
+          <a:p>
+            <a:pPr lvl="4"/>
+            <a:r>
+              <a:rPr lang="en-US" dirty="0"/>
+              <a:t>Fifth level</a:t>
+            </a:r>
+            <a:endParaRPr lang="nl-NL" dirty="0"/>
+          </a:p>
+        </p:txBody>
+      </p:sp>
+      <p:sp>
+        <p:nvSpPr>
+          <p:cNvPr id="2" name="Title 1"/>
+          <p:cNvSpPr>
+            <a:spLocks noGrp="1"/>
+          </p:cNvSpPr>
+          <p:nvPr>
+            <p:ph type="title"/>
+          </p:nvPr>
+        </p:nvSpPr>
+        <p:spPr/>
+        <p:txBody>
+          <a:bodyPr/>
+          <a:lstStyle/>
+          <a:p>
+            <a:r>
+              <a:rPr lang="en-US" dirty="0"/>
+              <a:t>Click to edit Master title style</a:t>
+            </a:r>
+            <a:endParaRPr lang="nl-NL" dirty="0"/>
+          </a:p>
+        </p:txBody>
+      </p:sp>
+    </p:spTree>
+    <p:extLst>
+      <p:ext uri="{BB962C8B-B14F-4D97-AF65-F5344CB8AC3E}">
+        <p14:creationId xmlns:p14="http://schemas.microsoft.com/office/powerpoint/2010/main" val="337413830"/>
+      </p:ext>
+    </p:extLst>
+  </p:cSld>
+  <p:clrMapOvr>
+    <a:masterClrMapping/>
+  </p:clrMapOvr>
+</p:sldLayout>
+</file>
+
+<file path=ppt/slideLayouts/slideLayout13.xml><?xml version="1.0" encoding="utf-8"?>
 <p:sldLayout xmlns:a="http://schemas.openxmlformats.org/drawingml/2006/main" xmlns:r="http://schemas.openxmlformats.org/officeDocument/2006/relationships" xmlns:p="http://schemas.openxmlformats.org/presentationml/2006/main" preserve="1">
   <p:cSld name="Title slide">
     <p:spTree>
@@ -4150,7 +1728,7 @@
 </p:sldLayout>
 </file>
 
-<file path=ppt/slideLayouts/slideLayout13.xml><?xml version="1.0" encoding="utf-8"?>
+<file path=ppt/slideLayouts/slideLayout14.xml><?xml version="1.0" encoding="utf-8"?>
 <p:sldLayout xmlns:a="http://schemas.openxmlformats.org/drawingml/2006/main" xmlns:r="http://schemas.openxmlformats.org/officeDocument/2006/relationships" xmlns:p="http://schemas.openxmlformats.org/presentationml/2006/main" preserve="1">
   <p:cSld name="Section Header">
     <p:spTree>
@@ -4230,7 +1808,7 @@
           <a:p>
             <a:fld id="{630E9AEB-3B61-40DA-93C9-6A90B0CABC81}" type="datetime1">
               <a:rPr lang="nl-BE" smtClean="0"/>
-              <a:t>26/04/2021</a:t>
+              <a:t>27/04/2021</a:t>
             </a:fld>
             <a:endParaRPr lang="nl-NL"/>
           </a:p>
@@ -4479,7 +2057,7 @@
 </p:sldLayout>
 </file>
 
-<file path=ppt/slideLayouts/slideLayout14.xml><?xml version="1.0" encoding="utf-8"?>
+<file path=ppt/slideLayouts/slideLayout15.xml><?xml version="1.0" encoding="utf-8"?>
 <p:sldLayout xmlns:a="http://schemas.openxmlformats.org/drawingml/2006/main" xmlns:r="http://schemas.openxmlformats.org/officeDocument/2006/relationships" xmlns:p="http://schemas.openxmlformats.org/presentationml/2006/main" preserve="1">
   <p:cSld name="Section Header_White">
     <p:spTree>
@@ -4513,7 +2091,7 @@
           <a:p>
             <a:fld id="{E1144E98-BADC-43EF-B68C-A900785218B7}" type="datetime1">
               <a:rPr lang="nl-BE" smtClean="0"/>
-              <a:t>26/04/2021</a:t>
+              <a:t>27/04/2021</a:t>
             </a:fld>
             <a:endParaRPr lang="nl-NL"/>
           </a:p>
@@ -4843,7 +2421,7 @@
           <a:p>
             <a:fld id="{15175995-3991-41C4-8A8D-E22DC26039C0}" type="datetime1">
               <a:rPr lang="nl-BE" smtClean="0"/>
-              <a:t>26/04/2021</a:t>
+              <a:t>27/04/2021</a:t>
             </a:fld>
             <a:endParaRPr lang="nl-NL"/>
           </a:p>
@@ -5163,7 +2741,7 @@
           <a:p>
             <a:fld id="{E2C5B7A8-A032-42DC-895A-201AC7DB8646}" type="datetime1">
               <a:rPr lang="nl-BE" smtClean="0"/>
-              <a:t>26/04/2021</a:t>
+              <a:t>27/04/2021</a:t>
             </a:fld>
             <a:endParaRPr lang="nl-NL" dirty="0"/>
           </a:p>
@@ -5484,7 +3062,7 @@
           <a:p>
             <a:fld id="{E8E53C95-01B7-442B-9157-08ED36F76F3C}" type="datetime1">
               <a:rPr lang="nl-BE" smtClean="0"/>
-              <a:t>26/04/2021</a:t>
+              <a:t>27/04/2021</a:t>
             </a:fld>
             <a:endParaRPr lang="nl-NL" dirty="0"/>
           </a:p>
@@ -5626,7 +3204,7 @@
           <a:p>
             <a:fld id="{50D3EC57-1E68-4A1D-A551-DCE46BD791C6}" type="datetime1">
               <a:rPr lang="nl-BE" smtClean="0"/>
-              <a:t>26/04/2021</a:t>
+              <a:t>27/04/2021</a:t>
             </a:fld>
             <a:endParaRPr lang="nl-NL"/>
           </a:p>
@@ -6110,7 +3688,7 @@
           <a:p>
             <a:fld id="{7FA88303-CC7E-4D0C-BB25-E38DFC5B13BB}" type="datetime1">
               <a:rPr lang="nl-BE" smtClean="0"/>
-              <a:t>26/04/2021</a:t>
+              <a:t>27/04/2021</a:t>
             </a:fld>
             <a:endParaRPr lang="nl-NL" dirty="0"/>
           </a:p>
@@ -6231,7 +3809,7 @@
           <a:p>
             <a:fld id="{290E1377-46D8-4210-B7FF-1512E92E466C}" type="datetime1">
               <a:rPr lang="nl-BE" smtClean="0"/>
-              <a:t>26/04/2021</a:t>
+              <a:t>27/04/2021</a:t>
             </a:fld>
             <a:endParaRPr lang="nl-NL"/>
           </a:p>
@@ -6352,7 +3930,7 @@
           <a:p>
             <a:fld id="{FD3B2FE4-CC50-43C1-B18E-5643057D1080}" type="datetime1">
               <a:rPr lang="nl-BE" smtClean="0"/>
-              <a:t>26/04/2021</a:t>
+              <a:t>27/04/2021</a:t>
             </a:fld>
             <a:endParaRPr lang="nl-NL"/>
           </a:p>
@@ -6534,7 +4112,7 @@
           <a:p>
             <a:fld id="{6538D7E1-880B-4291-B19F-A3787A4C00CC}" type="datetime1">
               <a:rPr lang="nl-BE" smtClean="0"/>
-              <a:t>26/04/2021</a:t>
+              <a:t>27/04/2021</a:t>
             </a:fld>
             <a:endParaRPr lang="nl-NL" dirty="0"/>
           </a:p>
@@ -6670,7 +4248,7 @@
           <p:nvPr userDrawn="1"/>
         </p:nvPicPr>
         <p:blipFill>
-          <a:blip r:embed="rId13" cstate="print">
+          <a:blip r:embed="rId14" cstate="print">
             <a:extLst>
               <a:ext uri="{28A0092B-C50C-407E-A947-70E740481C1C}">
                 <a14:useLocalDpi xmlns:a14="http://schemas.microsoft.com/office/drawing/2010/main" val="0"/>
@@ -6818,7 +4396,7 @@
           <a:p>
             <a:fld id="{F272EF29-7C63-44F3-9C9A-F68D6821878F}" type="datetime1">
               <a:rPr lang="nl-BE" smtClean="0"/>
-              <a:t>26/04/2021</a:t>
+              <a:t>27/04/2021</a:t>
             </a:fld>
             <a:endParaRPr lang="nl-NL" dirty="0"/>
           </a:p>
@@ -6925,6 +4503,7 @@
     <p:sldLayoutId id="2147483661" r:id="rId9"/>
     <p:sldLayoutId id="2147483701" r:id="rId10"/>
     <p:sldLayoutId id="2147483702" r:id="rId11"/>
+    <p:sldLayoutId id="2147483703" r:id="rId12"/>
   </p:sldLayoutIdLst>
   <p:hf hdr="0" dt="0"/>
   <p:txStyles>
@@ -7461,7 +5040,7 @@
           <a:p>
             <a:fld id="{9EA81302-6EA0-4065-BC26-73D5CB3FD901}" type="datetime1">
               <a:rPr lang="nl-BE" smtClean="0"/>
-              <a:t>26/04/2021</a:t>
+              <a:t>27/04/2021</a:t>
             </a:fld>
             <a:endParaRPr lang="nl-NL" dirty="0"/>
           </a:p>
@@ -8345,161 +5924,114 @@
       </p:grpSpPr>
       <p:sp>
         <p:nvSpPr>
-          <p:cNvPr id="5" name="Slide Number Placeholder 4"/>
-          <p:cNvSpPr>
-            <a:spLocks noGrp="1"/>
-          </p:cNvSpPr>
-          <p:nvPr>
-            <p:ph type="sldNum" sz="quarter" idx="4294967295"/>
-          </p:nvPr>
-        </p:nvSpPr>
-        <p:spPr>
-          <a:xfrm>
-            <a:off x="0" y="6384925"/>
-            <a:ext cx="501650" cy="365125"/>
-          </a:xfrm>
-        </p:spPr>
+          <p:cNvPr id="2" name="Footer Placeholder 1">
+            <a:extLst>
+              <a:ext uri="{FF2B5EF4-FFF2-40B4-BE49-F238E27FC236}">
+                <a16:creationId xmlns:a16="http://schemas.microsoft.com/office/drawing/2014/main" id="{06593353-4E03-4517-9A56-578340788DF1}"/>
+              </a:ext>
+            </a:extLst>
+          </p:cNvPr>
+          <p:cNvSpPr>
+            <a:spLocks noGrp="1"/>
+          </p:cNvSpPr>
+          <p:nvPr>
+            <p:ph type="ftr" sz="quarter" idx="11"/>
+          </p:nvPr>
+        </p:nvSpPr>
+        <p:spPr/>
         <p:txBody>
           <a:bodyPr/>
           <a:lstStyle/>
           <a:p>
-            <a:fld id="{CF5A1C33-475D-474A-A037-DDAF3DC7AF09}" type="slidenum">
-              <a:rPr lang="en-US" smtClean="0"/>
+            <a:r>
+              <a:rPr lang="en-US"/>
+              <a:t>Research Data Management Competence Centre (RDM-CC)</a:t>
+            </a:r>
+            <a:endParaRPr lang="nl-NL" dirty="0"/>
+          </a:p>
+        </p:txBody>
+      </p:sp>
+      <p:sp>
+        <p:nvSpPr>
+          <p:cNvPr id="3" name="Slide Number Placeholder 2">
+            <a:extLst>
+              <a:ext uri="{FF2B5EF4-FFF2-40B4-BE49-F238E27FC236}">
+                <a16:creationId xmlns:a16="http://schemas.microsoft.com/office/drawing/2014/main" id="{54ACA593-A779-41BF-B564-D8B07E61AAE2}"/>
+              </a:ext>
+            </a:extLst>
+          </p:cNvPr>
+          <p:cNvSpPr>
+            <a:spLocks noGrp="1"/>
+          </p:cNvSpPr>
+          <p:nvPr>
+            <p:ph type="sldNum" sz="quarter" idx="12"/>
+          </p:nvPr>
+        </p:nvSpPr>
+        <p:spPr/>
+        <p:txBody>
+          <a:bodyPr/>
+          <a:lstStyle/>
+          <a:p>
+            <a:fld id="{0A297500-7527-634B-90F4-69D0994C32B4}" type="slidenum">
+              <a:rPr lang="nl-NL" smtClean="0"/>
+              <a:pPr/>
               <a:t>3</a:t>
             </a:fld>
-            <a:endParaRPr lang="en-US"/>
-          </a:p>
-        </p:txBody>
-      </p:sp>
-      <p:sp>
-        <p:nvSpPr>
-          <p:cNvPr id="7" name="TextBox 6"/>
-          <p:cNvSpPr txBox="1"/>
-          <p:nvPr/>
-        </p:nvSpPr>
-        <p:spPr bwMode="auto">
-          <a:xfrm>
-            <a:off x="885175" y="330277"/>
-            <a:ext cx="9301704" cy="920252"/>
-          </a:xfrm>
-          <a:prstGeom prst="rect">
-            <a:avLst/>
-          </a:prstGeom>
-          <a:noFill/>
-          <a:ln w="9525">
-            <a:noFill/>
-            <a:miter lim="800000"/>
-            <a:headEnd/>
-            <a:tailEnd/>
-          </a:ln>
-        </p:spPr>
-        <p:txBody>
-          <a:bodyPr wrap="square" rtlCol="0">
-            <a:spAutoFit/>
-          </a:bodyPr>
-          <a:lstStyle/>
-          <a:p>
-            <a:pPr>
-              <a:lnSpc>
-                <a:spcPct val="150000"/>
-              </a:lnSpc>
-              <a:buClr>
-                <a:schemeClr val="accent1"/>
-              </a:buClr>
-              <a:buSzPct val="150000"/>
-            </a:pPr>
-            <a:r>
-              <a:rPr lang="en-US" sz="4000" dirty="0" err="1">
-                <a:ea typeface="Open Sans Extrabold" panose="020B0906030804020204" pitchFamily="34" charset="0"/>
-                <a:cs typeface="Open Sans Extrabold" panose="020B0906030804020204" pitchFamily="34" charset="0"/>
-              </a:rPr>
-              <a:t>iRODS</a:t>
-            </a:r>
-            <a:r>
-              <a:rPr lang="en-US" sz="4000" dirty="0">
-                <a:ea typeface="Open Sans Extrabold" panose="020B0906030804020204" pitchFamily="34" charset="0"/>
-                <a:cs typeface="Open Sans Extrabold" panose="020B0906030804020204" pitchFamily="34" charset="0"/>
-              </a:rPr>
-              <a:t> Clients</a:t>
-            </a:r>
-          </a:p>
-        </p:txBody>
-      </p:sp>
-      <p:sp>
-        <p:nvSpPr>
-          <p:cNvPr id="9" name="TextBox 55"/>
-          <p:cNvSpPr txBox="1"/>
-          <p:nvPr/>
-        </p:nvSpPr>
-        <p:spPr bwMode="auto">
-          <a:xfrm>
-            <a:off x="2049556" y="4411624"/>
-            <a:ext cx="7459592" cy="584775"/>
-          </a:xfrm>
-          <a:prstGeom prst="rect">
-            <a:avLst/>
-          </a:prstGeom>
-          <a:noFill/>
-          <a:ln w="9525">
-            <a:noFill/>
-            <a:miter lim="800000"/>
-            <a:headEnd/>
-            <a:tailEnd/>
-          </a:ln>
-        </p:spPr>
-        <p:txBody>
-          <a:bodyPr wrap="square" rtlCol="0">
-            <a:spAutoFit/>
-          </a:bodyPr>
-          <a:lstStyle/>
-          <a:p>
-            <a:pPr algn="ctr"/>
-            <a:r>
-              <a:rPr lang="en-US" sz="3200" dirty="0">
-                <a:solidFill>
-                  <a:schemeClr val="tx2"/>
-                </a:solidFill>
-                <a:latin typeface="+mj-lt"/>
-                <a:cs typeface="Calibri" panose="020F0502020204030204" pitchFamily="34" charset="0"/>
-              </a:rPr>
-              <a:t>Interaction with </a:t>
-            </a:r>
-            <a:r>
-              <a:rPr lang="en-US" sz="3200" dirty="0" err="1">
-                <a:solidFill>
-                  <a:schemeClr val="tx2"/>
-                </a:solidFill>
-                <a:latin typeface="+mj-lt"/>
-                <a:cs typeface="Calibri" panose="020F0502020204030204" pitchFamily="34" charset="0"/>
-              </a:rPr>
-              <a:t>iRODS</a:t>
-            </a:r>
-            <a:endParaRPr lang="en-US" sz="3200" dirty="0">
-              <a:solidFill>
-                <a:schemeClr val="tx2"/>
-              </a:solidFill>
-              <a:latin typeface="+mj-lt"/>
-              <a:cs typeface="Calibri" panose="020F0502020204030204" pitchFamily="34" charset="0"/>
-            </a:endParaRPr>
-          </a:p>
-        </p:txBody>
-      </p:sp>
-      <p:sp>
-        <p:nvSpPr>
-          <p:cNvPr id="10" name="Rounded Rectangle 9"/>
+            <a:endParaRPr lang="nl-NL" dirty="0"/>
+          </a:p>
+        </p:txBody>
+      </p:sp>
+      <p:sp>
+        <p:nvSpPr>
+          <p:cNvPr id="5" name="Title 4">
+            <a:extLst>
+              <a:ext uri="{FF2B5EF4-FFF2-40B4-BE49-F238E27FC236}">
+                <a16:creationId xmlns:a16="http://schemas.microsoft.com/office/drawing/2014/main" id="{8F1D3034-CA48-477C-A4A5-89AC4290D22C}"/>
+              </a:ext>
+            </a:extLst>
+          </p:cNvPr>
+          <p:cNvSpPr>
+            <a:spLocks noGrp="1"/>
+          </p:cNvSpPr>
+          <p:nvPr>
+            <p:ph type="title"/>
+          </p:nvPr>
+        </p:nvSpPr>
+        <p:spPr/>
+        <p:txBody>
+          <a:bodyPr/>
+          <a:lstStyle/>
+          <a:p>
+            <a:r>
+              <a:rPr lang="en-US" dirty="0"/>
+              <a:t>Clients</a:t>
+            </a:r>
+            <a:endParaRPr lang="nl-BE" dirty="0"/>
+          </a:p>
+        </p:txBody>
+      </p:sp>
+      <p:sp>
+        <p:nvSpPr>
+          <p:cNvPr id="6" name="Rounded Rectangle 56">
+            <a:extLst>
+              <a:ext uri="{FF2B5EF4-FFF2-40B4-BE49-F238E27FC236}">
+                <a16:creationId xmlns:a16="http://schemas.microsoft.com/office/drawing/2014/main" id="{8423F936-771B-439A-ADB8-89E3B211EE4A}"/>
+              </a:ext>
+            </a:extLst>
+          </p:cNvPr>
           <p:cNvSpPr/>
           <p:nvPr/>
         </p:nvSpPr>
         <p:spPr>
           <a:xfrm>
-            <a:off x="1750812" y="3406403"/>
-            <a:ext cx="6127562" cy="798205"/>
+            <a:off x="779262" y="2115511"/>
+            <a:ext cx="5392938" cy="1572675"/>
           </a:xfrm>
           <a:prstGeom prst="roundRect">
             <a:avLst/>
           </a:prstGeom>
           <a:solidFill>
-            <a:schemeClr val="accent1">
+            <a:schemeClr val="accent3">
               <a:lumMod val="40000"/>
               <a:lumOff val="60000"/>
             </a:schemeClr>
@@ -8542,22 +6074,28 @@
       </p:sp>
       <p:sp>
         <p:nvSpPr>
-          <p:cNvPr id="11" name="Rounded Rectangle 10"/>
+          <p:cNvPr id="7" name="Rounded Rectangle 100">
+            <a:extLst>
+              <a:ext uri="{FF2B5EF4-FFF2-40B4-BE49-F238E27FC236}">
+                <a16:creationId xmlns:a16="http://schemas.microsoft.com/office/drawing/2014/main" id="{410FB664-96FF-4459-9D08-9518DF79A385}"/>
+              </a:ext>
+            </a:extLst>
+          </p:cNvPr>
           <p:cNvSpPr/>
           <p:nvPr/>
         </p:nvSpPr>
         <p:spPr>
           <a:xfrm>
-            <a:off x="7964306" y="3406403"/>
-            <a:ext cx="3098931" cy="798205"/>
+            <a:off x="6644758" y="2115512"/>
+            <a:ext cx="4767980" cy="1572674"/>
           </a:xfrm>
           <a:prstGeom prst="roundRect">
             <a:avLst/>
           </a:prstGeom>
           <a:solidFill>
-            <a:schemeClr val="accent1">
-              <a:lumMod val="60000"/>
-              <a:lumOff val="40000"/>
+            <a:schemeClr val="accent2">
+              <a:lumMod val="20000"/>
+              <a:lumOff val="80000"/>
             </a:schemeClr>
           </a:solidFill>
           <a:ln>
@@ -8598,13 +6136,19 @@
       </p:sp>
       <p:sp>
         <p:nvSpPr>
-          <p:cNvPr id="12" name="TextBox 11"/>
+          <p:cNvPr id="8" name="TextBox 7">
+            <a:extLst>
+              <a:ext uri="{FF2B5EF4-FFF2-40B4-BE49-F238E27FC236}">
+                <a16:creationId xmlns:a16="http://schemas.microsoft.com/office/drawing/2014/main" id="{26500F83-6BBA-45FF-B2C9-D25D12F9694D}"/>
+              </a:ext>
+            </a:extLst>
+          </p:cNvPr>
           <p:cNvSpPr txBox="1"/>
           <p:nvPr/>
         </p:nvSpPr>
         <p:spPr>
           <a:xfrm>
-            <a:off x="8976790" y="3667005"/>
+            <a:off x="8241567" y="2440428"/>
             <a:ext cx="1064715" cy="276999"/>
           </a:xfrm>
           <a:prstGeom prst="rect">
@@ -8628,14 +6172,20 @@
       </p:sp>
       <p:sp>
         <p:nvSpPr>
-          <p:cNvPr id="15" name="TextBox 14"/>
+          <p:cNvPr id="10" name="TextBox 9">
+            <a:extLst>
+              <a:ext uri="{FF2B5EF4-FFF2-40B4-BE49-F238E27FC236}">
+                <a16:creationId xmlns:a16="http://schemas.microsoft.com/office/drawing/2014/main" id="{00163DD2-418F-4EC4-A527-3BF0F2CE26C8}"/>
+              </a:ext>
+            </a:extLst>
+          </p:cNvPr>
           <p:cNvSpPr txBox="1"/>
           <p:nvPr/>
         </p:nvSpPr>
         <p:spPr>
           <a:xfrm>
-            <a:off x="5175874" y="3904109"/>
-            <a:ext cx="881780" cy="276999"/>
+            <a:off x="9473514" y="2446266"/>
+            <a:ext cx="1376402" cy="276999"/>
           </a:xfrm>
           <a:prstGeom prst="rect">
             <a:avLst/>
@@ -8649,23 +6199,28 @@
           <a:lstStyle/>
           <a:p>
             <a:r>
-              <a:rPr lang="nl-BE" sz="1200" b="1" dirty="0" err="1"/>
-              <a:t>DAVRods</a:t>
-            </a:r>
-            <a:endParaRPr lang="nl-BE" sz="1200" b="1" dirty="0"/>
-          </a:p>
-        </p:txBody>
-      </p:sp>
-      <p:sp>
-        <p:nvSpPr>
-          <p:cNvPr id="16" name="TextBox 15"/>
+              <a:rPr lang="nl-BE" sz="1200" b="1" dirty="0"/>
+              <a:t>PRC-Python API</a:t>
+            </a:r>
+          </a:p>
+        </p:txBody>
+      </p:sp>
+      <p:sp>
+        <p:nvSpPr>
+          <p:cNvPr id="11" name="TextBox 10">
+            <a:extLst>
+              <a:ext uri="{FF2B5EF4-FFF2-40B4-BE49-F238E27FC236}">
+                <a16:creationId xmlns:a16="http://schemas.microsoft.com/office/drawing/2014/main" id="{63EB72E7-99C4-4596-BAAC-B753E4BCFCE8}"/>
+              </a:ext>
+            </a:extLst>
+          </p:cNvPr>
           <p:cNvSpPr txBox="1"/>
           <p:nvPr/>
         </p:nvSpPr>
         <p:spPr>
           <a:xfrm>
-            <a:off x="716063" y="3616192"/>
-            <a:ext cx="697627" cy="461665"/>
+            <a:off x="2772699" y="2870602"/>
+            <a:ext cx="1231940" cy="369332"/>
           </a:xfrm>
           <a:prstGeom prst="rect">
             <a:avLst/>
@@ -8679,22 +6234,69 @@
           <a:lstStyle/>
           <a:p>
             <a:r>
-              <a:rPr lang="nl-BE" sz="1200" b="1" dirty="0"/>
-              <a:t>User </a:t>
-            </a:r>
-          </a:p>
-          <a:p>
-            <a:r>
-              <a:rPr lang="nl-BE" sz="1200" b="1" dirty="0" err="1"/>
-              <a:t>Clients</a:t>
-            </a:r>
-            <a:endParaRPr lang="nl-BE" sz="1200" b="1" dirty="0"/>
+              <a:rPr lang="nl-BE" b="1" dirty="0" err="1"/>
+              <a:t>DAVRods</a:t>
+            </a:r>
+            <a:endParaRPr lang="nl-BE" b="1" dirty="0"/>
           </a:p>
         </p:txBody>
       </p:sp>
       <p:pic>
         <p:nvPicPr>
-          <p:cNvPr id="23" name="Picture 2" descr="https://www.learnabouttheweb.com/wp-content/uploads/2017/06/Cyberduck-Logo.png"/>
+          <p:cNvPr id="23" name="Picture 2" descr="https://www.learnabouttheweb.com/wp-content/uploads/2017/06/Cyberduck-Logo.png">
+            <a:extLst>
+              <a:ext uri="{FF2B5EF4-FFF2-40B4-BE49-F238E27FC236}">
+                <a16:creationId xmlns:a16="http://schemas.microsoft.com/office/drawing/2014/main" id="{952565F8-EB5F-4268-8FB6-66C4127451DD}"/>
+              </a:ext>
+            </a:extLst>
+          </p:cNvPr>
+          <p:cNvPicPr>
+            <a:picLocks noChangeAspect="1" noChangeArrowheads="1"/>
+          </p:cNvPicPr>
+          <p:nvPr/>
+        </p:nvPicPr>
+        <p:blipFill>
+          <a:blip r:embed="rId2" cstate="print">
+            <a:extLst>
+              <a:ext uri="{28A0092B-C50C-407E-A947-70E740481C1C}">
+                <a14:useLocalDpi xmlns:a14="http://schemas.microsoft.com/office/drawing/2010/main" val="0"/>
+              </a:ext>
+            </a:extLst>
+          </a:blip>
+          <a:srcRect/>
+          <a:stretch>
+            <a:fillRect/>
+          </a:stretch>
+        </p:blipFill>
+        <p:spPr bwMode="auto">
+          <a:xfrm>
+            <a:off x="3207642" y="2396048"/>
+            <a:ext cx="509448" cy="365760"/>
+          </a:xfrm>
+          <a:prstGeom prst="rect">
+            <a:avLst/>
+          </a:prstGeom>
+          <a:noFill/>
+          <a:extLst>
+            <a:ext uri="{909E8E84-426E-40DD-AFC4-6F175D3DCCD1}">
+              <a14:hiddenFill xmlns:a14="http://schemas.microsoft.com/office/drawing/2010/main">
+                <a:solidFill>
+                  <a:srgbClr val="FFFFFF"/>
+                </a:solidFill>
+              </a14:hiddenFill>
+            </a:ext>
+          </a:extLst>
+        </p:spPr>
+      </p:pic>
+      <p:pic>
+        <p:nvPicPr>
+          <p:cNvPr id="24" name="Picture 6" descr="https://upload.wikimedia.org/wikipedia/commons/d/de/WinSCP_Logo.png">
+            <a:extLst>
+              <a:ext uri="{FF2B5EF4-FFF2-40B4-BE49-F238E27FC236}">
+                <a16:creationId xmlns:a16="http://schemas.microsoft.com/office/drawing/2014/main" id="{E0CFD02F-1FBE-4B0E-BFE1-92EE7CB8D425}"/>
+              </a:ext>
+            </a:extLst>
+          </p:cNvPr>
           <p:cNvPicPr>
             <a:picLocks noChangeAspect="1" noChangeArrowheads="1"/>
           </p:cNvPicPr>
@@ -8715,8 +6317,8 @@
         </p:blipFill>
         <p:spPr bwMode="auto">
           <a:xfrm>
-            <a:off x="5573971" y="3533259"/>
-            <a:ext cx="509448" cy="365760"/>
+            <a:off x="2805978" y="2396048"/>
+            <a:ext cx="365760" cy="365760"/>
           </a:xfrm>
           <a:prstGeom prst="rect">
             <a:avLst/>
@@ -8735,7 +6337,13 @@
       </p:pic>
       <p:pic>
         <p:nvPicPr>
-          <p:cNvPr id="24" name="Picture 6" descr="https://upload.wikimedia.org/wikipedia/commons/d/de/WinSCP_Logo.png"/>
+          <p:cNvPr id="28" name="Picture 4" descr="Metalnx Logo">
+            <a:extLst>
+              <a:ext uri="{FF2B5EF4-FFF2-40B4-BE49-F238E27FC236}">
+                <a16:creationId xmlns:a16="http://schemas.microsoft.com/office/drawing/2014/main" id="{07F2489B-4CF6-403E-964E-B9745F788263}"/>
+              </a:ext>
+            </a:extLst>
+          </p:cNvPr>
           <p:cNvPicPr>
             <a:picLocks noChangeAspect="1" noChangeArrowheads="1"/>
           </p:cNvPicPr>
@@ -8756,8 +6364,8 @@
         </p:blipFill>
         <p:spPr bwMode="auto">
           <a:xfrm>
-            <a:off x="5172307" y="3533259"/>
-            <a:ext cx="365760" cy="365760"/>
+            <a:off x="1251820" y="2480120"/>
+            <a:ext cx="1260000" cy="252000"/>
           </a:xfrm>
           <a:prstGeom prst="rect">
             <a:avLst/>
@@ -8774,97 +6382,12 @@
           </a:extLst>
         </p:spPr>
       </p:pic>
-      <p:pic>
-        <p:nvPicPr>
-          <p:cNvPr id="28" name="Picture 4" descr="Metalnx Logo"/>
-          <p:cNvPicPr>
-            <a:picLocks noChangeAspect="1" noChangeArrowheads="1"/>
-          </p:cNvPicPr>
-          <p:nvPr/>
-        </p:nvPicPr>
-        <p:blipFill>
-          <a:blip r:embed="rId5" cstate="print">
-            <a:extLst>
-              <a:ext uri="{28A0092B-C50C-407E-A947-70E740481C1C}">
-                <a14:useLocalDpi xmlns:a14="http://schemas.microsoft.com/office/drawing/2010/main" val="0"/>
-              </a:ext>
-            </a:extLst>
-          </a:blip>
-          <a:srcRect/>
-          <a:stretch>
-            <a:fillRect/>
-          </a:stretch>
-        </p:blipFill>
-        <p:spPr bwMode="auto">
-          <a:xfrm>
-            <a:off x="3798863" y="3728407"/>
-            <a:ext cx="914400" cy="182880"/>
-          </a:xfrm>
-          <a:prstGeom prst="rect">
-            <a:avLst/>
-          </a:prstGeom>
-          <a:noFill/>
-          <a:extLst>
-            <a:ext uri="{909E8E84-426E-40DD-AFC4-6F175D3DCCD1}">
-              <a14:hiddenFill xmlns:a14="http://schemas.microsoft.com/office/drawing/2010/main">
-                <a:solidFill>
-                  <a:srgbClr val="FFFFFF"/>
-                </a:solidFill>
-              </a14:hiddenFill>
-            </a:ext>
-          </a:extLst>
-        </p:spPr>
-      </p:pic>
-      <p:sp>
-        <p:nvSpPr>
-          <p:cNvPr id="25" name="TextBox 24">
+      <p:grpSp>
+        <p:nvGrpSpPr>
+          <p:cNvPr id="30" name="Group 29">
             <a:extLst>
               <a:ext uri="{FF2B5EF4-FFF2-40B4-BE49-F238E27FC236}">
-                <a16:creationId xmlns:a16="http://schemas.microsoft.com/office/drawing/2014/main" id="{16E2F46B-4268-4DD4-9539-CDA4C1F6D336}"/>
-              </a:ext>
-            </a:extLst>
-          </p:cNvPr>
-          <p:cNvSpPr txBox="1"/>
-          <p:nvPr/>
-        </p:nvSpPr>
-        <p:spPr>
-          <a:xfrm>
-            <a:off x="2003908" y="3678725"/>
-            <a:ext cx="1467068" cy="276999"/>
-          </a:xfrm>
-          <a:prstGeom prst="rect">
-            <a:avLst/>
-          </a:prstGeom>
-          <a:noFill/>
-        </p:spPr>
-        <p:txBody>
-          <a:bodyPr wrap="none" rtlCol="0">
-            <a:spAutoFit/>
-          </a:bodyPr>
-          <a:lstStyle/>
-          <a:p>
-            <a:r>
-              <a:rPr lang="en-US" sz="1200" b="1" dirty="0">
-                <a:solidFill>
-                  <a:schemeClr val="tx2"/>
-                </a:solidFill>
-              </a:rPr>
-              <a:t>KU Leuven Portal</a:t>
-            </a:r>
-            <a:endParaRPr lang="nl-BE" sz="1200" b="1" dirty="0">
-              <a:solidFill>
-                <a:schemeClr val="tx2"/>
-              </a:solidFill>
-            </a:endParaRPr>
-          </a:p>
-        </p:txBody>
-      </p:sp>
-      <p:grpSp>
-        <p:nvGrpSpPr>
-          <p:cNvPr id="2" name="Group 1">
-            <a:extLst>
-              <a:ext uri="{FF2B5EF4-FFF2-40B4-BE49-F238E27FC236}">
-                <a16:creationId xmlns:a16="http://schemas.microsoft.com/office/drawing/2014/main" id="{30431CE3-E40B-4354-AE41-430C327D8960}"/>
+                <a16:creationId xmlns:a16="http://schemas.microsoft.com/office/drawing/2014/main" id="{3525E82D-6D2A-49EE-95D4-3D7C4FC636DA}"/>
               </a:ext>
             </a:extLst>
           </p:cNvPr>
@@ -8873,22 +6396,28 @@
         </p:nvGrpSpPr>
         <p:grpSpPr>
           <a:xfrm>
-            <a:off x="4357393" y="2315079"/>
+            <a:off x="3404753" y="1017533"/>
             <a:ext cx="914400" cy="914400"/>
-            <a:chOff x="2811042" y="2000191"/>
+            <a:chOff x="3999113" y="1806203"/>
             <a:chExt cx="914400" cy="914400"/>
           </a:xfrm>
         </p:grpSpPr>
         <p:pic>
           <p:nvPicPr>
-            <p:cNvPr id="22" name="Picture 21"/>
+            <p:cNvPr id="22" name="Picture 21">
+              <a:extLst>
+                <a:ext uri="{FF2B5EF4-FFF2-40B4-BE49-F238E27FC236}">
+                  <a16:creationId xmlns:a16="http://schemas.microsoft.com/office/drawing/2014/main" id="{357C3F80-0ADD-4258-969D-F2BC6B19AF6B}"/>
+                </a:ext>
+              </a:extLst>
+            </p:cNvPr>
             <p:cNvPicPr>
               <a:picLocks noChangeAspect="1"/>
             </p:cNvPicPr>
             <p:nvPr/>
           </p:nvPicPr>
           <p:blipFill>
-            <a:blip r:embed="rId6" cstate="print">
+            <a:blip r:embed="rId5" cstate="print">
               <a:duotone>
                 <a:schemeClr val="accent1">
                   <a:shade val="45000"/>
@@ -8908,7 +6437,7 @@
           </p:blipFill>
           <p:spPr>
             <a:xfrm>
-              <a:off x="2811042" y="2000191"/>
+              <a:off x="3999113" y="1806203"/>
               <a:ext cx="914400" cy="914400"/>
             </a:xfrm>
             <a:prstGeom prst="rect">
@@ -8918,100 +6447,53 @@
         </p:pic>
         <p:pic>
           <p:nvPicPr>
-            <p:cNvPr id="1026" name="Picture 2" descr="Home | Windows Blog">
+            <p:cNvPr id="29" name="Picture 28">
               <a:extLst>
                 <a:ext uri="{FF2B5EF4-FFF2-40B4-BE49-F238E27FC236}">
-                  <a16:creationId xmlns:a16="http://schemas.microsoft.com/office/drawing/2014/main" id="{C7770A3E-8421-402C-962F-A0B95E1CA4A6}"/>
+                  <a16:creationId xmlns:a16="http://schemas.microsoft.com/office/drawing/2014/main" id="{783018CA-3FBA-4BAB-8FEB-22C06D51B104}"/>
                 </a:ext>
               </a:extLst>
             </p:cNvPr>
             <p:cNvPicPr>
-              <a:picLocks noChangeAspect="1" noChangeArrowheads="1"/>
+              <a:picLocks noChangeAspect="1"/>
             </p:cNvPicPr>
             <p:nvPr/>
           </p:nvPicPr>
-          <p:blipFill rotWithShape="1">
-            <a:blip r:embed="rId7">
+          <p:blipFill>
+            <a:blip r:embed="rId6">
               <a:extLst>
                 <a:ext uri="{BEBA8EAE-BF5A-486C-A8C5-ECC9F3942E4B}">
                   <a14:imgProps xmlns:a14="http://schemas.microsoft.com/office/drawing/2010/main">
-                    <a14:imgLayer r:embed="rId8">
+                    <a14:imgLayer r:embed="rId7">
                       <a14:imgEffect>
                         <a14:saturation sat="33000"/>
                       </a14:imgEffect>
                     </a14:imgLayer>
                   </a14:imgProps>
                 </a:ext>
-                <a:ext uri="{28A0092B-C50C-407E-A947-70E740481C1C}">
-                  <a14:useLocalDpi xmlns:a14="http://schemas.microsoft.com/office/drawing/2010/main" val="0"/>
-                </a:ext>
               </a:extLst>
             </a:blip>
-            <a:srcRect l="31376" t="9084" r="30734" b="9895"/>
-            <a:stretch/>
+            <a:stretch>
+              <a:fillRect/>
+            </a:stretch>
           </p:blipFill>
-          <p:spPr bwMode="auto">
+          <p:spPr>
             <a:xfrm>
-              <a:off x="3127630" y="2183801"/>
-              <a:ext cx="288167" cy="324000"/>
+              <a:off x="4257403" y="1963039"/>
+              <a:ext cx="360000" cy="360000"/>
             </a:xfrm>
             <a:prstGeom prst="rect">
               <a:avLst/>
             </a:prstGeom>
-            <a:noFill/>
-            <a:extLst>
-              <a:ext uri="{909E8E84-426E-40DD-AFC4-6F175D3DCCD1}">
-                <a14:hiddenFill xmlns:a14="http://schemas.microsoft.com/office/drawing/2010/main">
-                  <a:solidFill>
-                    <a:srgbClr val="FFFFFF"/>
-                  </a:solidFill>
-                </a14:hiddenFill>
-              </a:ext>
-            </a:extLst>
           </p:spPr>
         </p:pic>
       </p:grpSp>
-      <p:sp>
-        <p:nvSpPr>
-          <p:cNvPr id="26" name="TextBox 25">
+      <p:pic>
+        <p:nvPicPr>
+          <p:cNvPr id="32" name="Picture 31">
             <a:extLst>
               <a:ext uri="{FF2B5EF4-FFF2-40B4-BE49-F238E27FC236}">
-                <a16:creationId xmlns:a16="http://schemas.microsoft.com/office/drawing/2014/main" id="{DE0C5FC6-441B-4356-9182-DD9C0F24816F}"/>
-              </a:ext>
-            </a:extLst>
-          </p:cNvPr>
-          <p:cNvSpPr txBox="1"/>
-          <p:nvPr/>
-        </p:nvSpPr>
-        <p:spPr>
-          <a:xfrm>
-            <a:off x="6312243" y="3713534"/>
-            <a:ext cx="1376402" cy="276999"/>
-          </a:xfrm>
-          <a:prstGeom prst="rect">
-            <a:avLst/>
-          </a:prstGeom>
-          <a:noFill/>
-        </p:spPr>
-        <p:txBody>
-          <a:bodyPr wrap="none" rtlCol="0">
-            <a:spAutoFit/>
-          </a:bodyPr>
-          <a:lstStyle/>
-          <a:p>
-            <a:r>
-              <a:rPr lang="nl-BE" sz="1200" b="1" dirty="0"/>
-              <a:t>PRC-Python API</a:t>
-            </a:r>
-          </a:p>
-        </p:txBody>
-      </p:sp>
-      <p:pic>
-        <p:nvPicPr>
-          <p:cNvPr id="29" name="Picture 28">
-            <a:extLst>
-              <a:ext uri="{FF2B5EF4-FFF2-40B4-BE49-F238E27FC236}">
-                <a16:creationId xmlns:a16="http://schemas.microsoft.com/office/drawing/2014/main" id="{192DFD15-1DA9-4B10-9A4B-3B6D541A4487}"/>
+                <a16:creationId xmlns:a16="http://schemas.microsoft.com/office/drawing/2014/main" id="{AA99A23C-FFB4-4E32-A9AE-551A874DACD4}"/>
               </a:ext>
             </a:extLst>
           </p:cNvPr>
@@ -9021,7 +6503,7 @@
           <p:nvPr/>
         </p:nvPicPr>
         <p:blipFill>
-          <a:blip r:embed="rId6" cstate="print">
+          <a:blip r:embed="rId5" cstate="print">
             <a:duotone>
               <a:schemeClr val="accent1">
                 <a:shade val="45000"/>
@@ -9041,7 +6523,7 @@
         </p:blipFill>
         <p:spPr>
           <a:xfrm>
-            <a:off x="9051948" y="2317261"/>
+            <a:off x="8402181" y="1017533"/>
             <a:ext cx="914400" cy="914400"/>
           </a:xfrm>
           <a:prstGeom prst="rect">
@@ -9049,12 +6531,208 @@
           </a:prstGeom>
         </p:spPr>
       </p:pic>
+      <p:sp>
+        <p:nvSpPr>
+          <p:cNvPr id="36" name="TextBox 35">
+            <a:extLst>
+              <a:ext uri="{FF2B5EF4-FFF2-40B4-BE49-F238E27FC236}">
+                <a16:creationId xmlns:a16="http://schemas.microsoft.com/office/drawing/2014/main" id="{E9C5C471-06E6-4EFF-AF14-EBEB73FD1CF7}"/>
+              </a:ext>
+            </a:extLst>
+          </p:cNvPr>
+          <p:cNvSpPr txBox="1"/>
+          <p:nvPr/>
+        </p:nvSpPr>
+        <p:spPr>
+          <a:xfrm>
+            <a:off x="4436897" y="2501830"/>
+            <a:ext cx="1376402" cy="276999"/>
+          </a:xfrm>
+          <a:prstGeom prst="rect">
+            <a:avLst/>
+          </a:prstGeom>
+          <a:noFill/>
+        </p:spPr>
+        <p:txBody>
+          <a:bodyPr wrap="none" rtlCol="0">
+            <a:spAutoFit/>
+          </a:bodyPr>
+          <a:lstStyle/>
+          <a:p>
+            <a:r>
+              <a:rPr lang="nl-BE" sz="1200" b="1" dirty="0"/>
+              <a:t>PRC-Python API</a:t>
+            </a:r>
+          </a:p>
+        </p:txBody>
+      </p:sp>
       <p:pic>
         <p:nvPicPr>
-          <p:cNvPr id="1028" name="Picture 4">
+          <p:cNvPr id="35" name="Picture 34">
             <a:extLst>
               <a:ext uri="{FF2B5EF4-FFF2-40B4-BE49-F238E27FC236}">
-                <a16:creationId xmlns:a16="http://schemas.microsoft.com/office/drawing/2014/main" id="{BABD45E5-52A2-455A-BF40-53957C031061}"/>
+                <a16:creationId xmlns:a16="http://schemas.microsoft.com/office/drawing/2014/main" id="{2E96ED7B-E333-486E-B509-7C8450B9A553}"/>
+              </a:ext>
+            </a:extLst>
+          </p:cNvPr>
+          <p:cNvPicPr>
+            <a:picLocks noChangeAspect="1"/>
+          </p:cNvPicPr>
+          <p:nvPr/>
+        </p:nvPicPr>
+        <p:blipFill>
+          <a:blip r:embed="rId8">
+            <a:extLst>
+              <a:ext uri="{BEBA8EAE-BF5A-486C-A8C5-ECC9F3942E4B}">
+                <a14:imgProps xmlns:a14="http://schemas.microsoft.com/office/drawing/2010/main">
+                  <a14:imgLayer r:embed="rId9">
+                    <a14:imgEffect>
+                      <a14:backgroundRemoval t="10000" b="90000" l="10000" r="90000"/>
+                    </a14:imgEffect>
+                  </a14:imgLayer>
+                </a14:imgProps>
+              </a:ext>
+            </a:extLst>
+          </a:blip>
+          <a:stretch>
+            <a:fillRect/>
+          </a:stretch>
+        </p:blipFill>
+        <p:spPr>
+          <a:xfrm>
+            <a:off x="3680541" y="2404240"/>
+            <a:ext cx="432000" cy="432000"/>
+          </a:xfrm>
+          <a:prstGeom prst="rect">
+            <a:avLst/>
+          </a:prstGeom>
+        </p:spPr>
+      </p:pic>
+      <p:sp>
+        <p:nvSpPr>
+          <p:cNvPr id="38" name="TextBox 37">
+            <a:extLst>
+              <a:ext uri="{FF2B5EF4-FFF2-40B4-BE49-F238E27FC236}">
+                <a16:creationId xmlns:a16="http://schemas.microsoft.com/office/drawing/2014/main" id="{88CE8C3E-F63E-4934-B829-46D00384742B}"/>
+              </a:ext>
+            </a:extLst>
+          </p:cNvPr>
+          <p:cNvSpPr txBox="1"/>
+          <p:nvPr/>
+        </p:nvSpPr>
+        <p:spPr>
+          <a:xfrm>
+            <a:off x="6815144" y="2846383"/>
+            <a:ext cx="881780" cy="276999"/>
+          </a:xfrm>
+          <a:prstGeom prst="rect">
+            <a:avLst/>
+          </a:prstGeom>
+          <a:noFill/>
+        </p:spPr>
+        <p:txBody>
+          <a:bodyPr wrap="none" rtlCol="0">
+            <a:spAutoFit/>
+          </a:bodyPr>
+          <a:lstStyle/>
+          <a:p>
+            <a:r>
+              <a:rPr lang="nl-BE" sz="1200" b="1" dirty="0" err="1"/>
+              <a:t>DAVRods</a:t>
+            </a:r>
+            <a:endParaRPr lang="nl-BE" sz="1200" b="1" dirty="0"/>
+          </a:p>
+        </p:txBody>
+      </p:sp>
+      <p:sp>
+        <p:nvSpPr>
+          <p:cNvPr id="37" name="TextBox 36">
+            <a:extLst>
+              <a:ext uri="{FF2B5EF4-FFF2-40B4-BE49-F238E27FC236}">
+                <a16:creationId xmlns:a16="http://schemas.microsoft.com/office/drawing/2014/main" id="{96D7E1C6-CD99-491B-94CD-003528EE2815}"/>
+              </a:ext>
+            </a:extLst>
+          </p:cNvPr>
+          <p:cNvSpPr txBox="1"/>
+          <p:nvPr/>
+        </p:nvSpPr>
+        <p:spPr>
+          <a:xfrm>
+            <a:off x="6758639" y="2559241"/>
+            <a:ext cx="1164101" cy="276999"/>
+          </a:xfrm>
+          <a:prstGeom prst="rect">
+            <a:avLst/>
+          </a:prstGeom>
+          <a:noFill/>
+        </p:spPr>
+        <p:txBody>
+          <a:bodyPr wrap="none" rtlCol="0">
+            <a:spAutoFit/>
+          </a:bodyPr>
+          <a:lstStyle/>
+          <a:p>
+            <a:r>
+              <a:rPr lang="en-US" sz="1200" dirty="0"/>
+              <a:t>Cadaver client</a:t>
+            </a:r>
+            <a:endParaRPr lang="nl-BE" sz="1200" dirty="0"/>
+          </a:p>
+        </p:txBody>
+      </p:sp>
+      <p:sp>
+        <p:nvSpPr>
+          <p:cNvPr id="39" name="TextBox 38">
+            <a:extLst>
+              <a:ext uri="{FF2B5EF4-FFF2-40B4-BE49-F238E27FC236}">
+                <a16:creationId xmlns:a16="http://schemas.microsoft.com/office/drawing/2014/main" id="{E8AF87AE-56E6-46BF-A1CA-E0C4554C920B}"/>
+              </a:ext>
+            </a:extLst>
+          </p:cNvPr>
+          <p:cNvSpPr txBox="1"/>
+          <p:nvPr/>
+        </p:nvSpPr>
+        <p:spPr>
+          <a:xfrm>
+            <a:off x="8326525" y="2800216"/>
+            <a:ext cx="894797" cy="646331"/>
+          </a:xfrm>
+          <a:prstGeom prst="rect">
+            <a:avLst/>
+          </a:prstGeom>
+          <a:noFill/>
+        </p:spPr>
+        <p:txBody>
+          <a:bodyPr wrap="none" rtlCol="0">
+            <a:spAutoFit/>
+          </a:bodyPr>
+          <a:lstStyle/>
+          <a:p>
+            <a:r>
+              <a:rPr lang="en-US" sz="1200" b="1" dirty="0"/>
+              <a:t>CentOS7</a:t>
+            </a:r>
+          </a:p>
+          <a:p>
+            <a:r>
+              <a:rPr lang="en-US" sz="1200" b="1" dirty="0"/>
+              <a:t>Ubuntu16</a:t>
+            </a:r>
+          </a:p>
+          <a:p>
+            <a:r>
+              <a:rPr lang="en-US" sz="1200" b="1" dirty="0"/>
+              <a:t>Ubuntu18</a:t>
+            </a:r>
+          </a:p>
+        </p:txBody>
+      </p:sp>
+      <p:pic>
+        <p:nvPicPr>
+          <p:cNvPr id="41" name="Picture 4" descr="Metalnx Logo">
+            <a:extLst>
+              <a:ext uri="{FF2B5EF4-FFF2-40B4-BE49-F238E27FC236}">
+                <a16:creationId xmlns:a16="http://schemas.microsoft.com/office/drawing/2014/main" id="{C0358198-7BC1-4913-82FB-1458E22D00E7}"/>
               </a:ext>
             </a:extLst>
           </p:cNvPr>
@@ -9064,7 +6742,7 @@
           <p:nvPr/>
         </p:nvPicPr>
         <p:blipFill>
-          <a:blip r:embed="rId9">
+          <a:blip r:embed="rId4" cstate="print">
             <a:extLst>
               <a:ext uri="{28A0092B-C50C-407E-A947-70E740481C1C}">
                 <a14:useLocalDpi xmlns:a14="http://schemas.microsoft.com/office/drawing/2010/main" val="0"/>
@@ -9078,8 +6756,8 @@
         </p:blipFill>
         <p:spPr bwMode="auto">
           <a:xfrm>
-            <a:off x="9267906" y="2382407"/>
-            <a:ext cx="468000" cy="516809"/>
+            <a:off x="9518548" y="2810235"/>
+            <a:ext cx="1260000" cy="252000"/>
           </a:xfrm>
           <a:prstGeom prst="rect">
             <a:avLst/>
@@ -9096,55 +6774,191 @@
           </a:extLst>
         </p:spPr>
       </p:pic>
-      <p:pic>
-        <p:nvPicPr>
-          <p:cNvPr id="31" name="Picture 30">
+      <p:sp>
+        <p:nvSpPr>
+          <p:cNvPr id="40" name="TextBox 39">
             <a:extLst>
               <a:ext uri="{FF2B5EF4-FFF2-40B4-BE49-F238E27FC236}">
-                <a16:creationId xmlns:a16="http://schemas.microsoft.com/office/drawing/2014/main" id="{C4BF40ED-E5A2-4D07-96AC-3A9822D7FC04}"/>
+                <a16:creationId xmlns:a16="http://schemas.microsoft.com/office/drawing/2014/main" id="{2D196780-A8AC-4B9D-8EBB-C977CBAE44C6}"/>
               </a:ext>
             </a:extLst>
           </p:cNvPr>
-          <p:cNvPicPr>
-            <a:picLocks noChangeAspect="1"/>
-          </p:cNvPicPr>
+          <p:cNvSpPr txBox="1"/>
           <p:nvPr/>
-        </p:nvPicPr>
-        <p:blipFill>
-          <a:blip r:embed="rId6" cstate="print">
-            <a:duotone>
-              <a:schemeClr val="accent1">
-                <a:shade val="45000"/>
-                <a:satMod val="135000"/>
-              </a:schemeClr>
-              <a:prstClr val="white"/>
-            </a:duotone>
-            <a:extLst>
-              <a:ext uri="{28A0092B-C50C-407E-A947-70E740481C1C}">
-                <a14:useLocalDpi xmlns:a14="http://schemas.microsoft.com/office/drawing/2010/main" val="0"/>
-              </a:ext>
-            </a:extLst>
-          </a:blip>
-          <a:stretch>
-            <a:fillRect/>
-          </a:stretch>
-        </p:blipFill>
+        </p:nvSpPr>
         <p:spPr>
           <a:xfrm>
-            <a:off x="5487751" y="2317261"/>
-            <a:ext cx="914400" cy="914400"/>
+            <a:off x="779262" y="3794086"/>
+            <a:ext cx="9104030" cy="2308324"/>
           </a:xfrm>
           <a:prstGeom prst="rect">
             <a:avLst/>
           </a:prstGeom>
-        </p:spPr>
-      </p:pic>
+          <a:noFill/>
+        </p:spPr>
+        <p:txBody>
+          <a:bodyPr wrap="square" rtlCol="0">
+            <a:spAutoFit/>
+          </a:bodyPr>
+          <a:lstStyle/>
+          <a:p>
+            <a:r>
+              <a:rPr lang="nl-BE" sz="1600" b="1" dirty="0" err="1"/>
+              <a:t>References</a:t>
+            </a:r>
+            <a:r>
+              <a:rPr lang="nl-BE" sz="1400" dirty="0"/>
+              <a:t>:</a:t>
+            </a:r>
+          </a:p>
+          <a:p>
+            <a:endParaRPr lang="nl-BE" sz="1600" dirty="0"/>
+          </a:p>
+          <a:p>
+            <a:r>
+              <a:rPr lang="nl-BE" sz="1600" dirty="0"/>
+              <a:t>KU Leuven portal: </a:t>
+            </a:r>
+            <a:r>
+              <a:rPr lang="nl-BE" sz="1600" dirty="0">
+                <a:hlinkClick r:id="rId10"/>
+              </a:rPr>
+              <a:t>https://irods-demo.t.icts.kuleuven.be/</a:t>
+            </a:r>
+            <a:r>
+              <a:rPr lang="nl-BE" sz="1600" dirty="0"/>
+              <a:t> </a:t>
+            </a:r>
+          </a:p>
+          <a:p>
+            <a:r>
+              <a:rPr lang="nl-BE" sz="1600" dirty="0" err="1"/>
+              <a:t>Metalnx</a:t>
+            </a:r>
+            <a:r>
+              <a:rPr lang="nl-BE" sz="1600" dirty="0"/>
+              <a:t>: </a:t>
+            </a:r>
+            <a:r>
+              <a:rPr lang="nl-BE" sz="1600" dirty="0">
+                <a:hlinkClick r:id="rId11"/>
+              </a:rPr>
+              <a:t>https://irods-demo.t.icts.kuleuven.be/metalnx/</a:t>
+            </a:r>
+            <a:r>
+              <a:rPr lang="nl-BE" sz="1600" dirty="0"/>
+              <a:t> </a:t>
+            </a:r>
+          </a:p>
+          <a:p>
+            <a:r>
+              <a:rPr lang="nl-BE" sz="1600" dirty="0" err="1"/>
+              <a:t>Cyberduck</a:t>
+            </a:r>
+            <a:r>
+              <a:rPr lang="nl-BE" sz="1600" dirty="0"/>
+              <a:t>: </a:t>
+            </a:r>
+            <a:r>
+              <a:rPr lang="nl-BE" sz="1600" dirty="0">
+                <a:hlinkClick r:id="rId12"/>
+              </a:rPr>
+              <a:t>https://cyberduck.io/</a:t>
+            </a:r>
+            <a:r>
+              <a:rPr lang="nl-BE" sz="1600" dirty="0"/>
+              <a:t> </a:t>
+            </a:r>
+          </a:p>
+          <a:p>
+            <a:r>
+              <a:rPr lang="nl-BE" sz="1600" dirty="0" err="1"/>
+              <a:t>WinSCP</a:t>
+            </a:r>
+            <a:r>
+              <a:rPr lang="nl-BE" sz="1600" dirty="0"/>
+              <a:t>: </a:t>
+            </a:r>
+            <a:r>
+              <a:rPr lang="nl-BE" sz="1600" dirty="0">
+                <a:hlinkClick r:id="rId13"/>
+              </a:rPr>
+              <a:t>https://winscp.net/eng/download.php</a:t>
+            </a:r>
+            <a:r>
+              <a:rPr lang="nl-BE" sz="1600" dirty="0"/>
+              <a:t> </a:t>
+            </a:r>
+          </a:p>
+          <a:p>
+            <a:r>
+              <a:rPr lang="nl-BE" sz="1600" dirty="0" err="1"/>
+              <a:t>Cadaver</a:t>
+            </a:r>
+            <a:r>
+              <a:rPr lang="nl-BE" sz="1600" dirty="0"/>
+              <a:t> client: </a:t>
+            </a:r>
+            <a:r>
+              <a:rPr lang="nl-BE" sz="1600" dirty="0">
+                <a:hlinkClick r:id="rId14"/>
+              </a:rPr>
+              <a:t>http://www.webdav.org/cadaver/</a:t>
+            </a:r>
+            <a:r>
+              <a:rPr lang="nl-BE" sz="1600" dirty="0"/>
+              <a:t> </a:t>
+            </a:r>
+          </a:p>
+          <a:p>
+            <a:r>
+              <a:rPr lang="nl-BE" sz="1600" dirty="0" err="1"/>
+              <a:t>Icommands</a:t>
+            </a:r>
+            <a:r>
+              <a:rPr lang="nl-BE" sz="1600" dirty="0"/>
+              <a:t>: </a:t>
+            </a:r>
+            <a:r>
+              <a:rPr lang="nl-BE" sz="1600" dirty="0">
+                <a:hlinkClick r:id="rId15"/>
+              </a:rPr>
+              <a:t>https://irods.org/download/</a:t>
+            </a:r>
+            <a:r>
+              <a:rPr lang="nl-BE" sz="1600" dirty="0"/>
+              <a:t> </a:t>
+            </a:r>
+          </a:p>
+          <a:p>
+            <a:r>
+              <a:rPr lang="nl-BE" sz="1600" dirty="0"/>
+              <a:t>Python </a:t>
+            </a:r>
+            <a:r>
+              <a:rPr lang="nl-BE" sz="1600" dirty="0" err="1"/>
+              <a:t>iRODS</a:t>
+            </a:r>
+            <a:r>
+              <a:rPr lang="nl-BE" sz="1600" dirty="0"/>
+              <a:t> Client (PRC) : </a:t>
+            </a:r>
+            <a:r>
+              <a:rPr lang="nl-BE" sz="1600" dirty="0">
+                <a:hlinkClick r:id="rId16"/>
+              </a:rPr>
+              <a:t>https://github.com/irods/python-irodsclient</a:t>
+            </a:r>
+            <a:endParaRPr lang="nl-BE" sz="1600" dirty="0"/>
+          </a:p>
+        </p:txBody>
+      </p:sp>
       <p:pic>
         <p:nvPicPr>
-          <p:cNvPr id="32" name="Picture 4">
+          <p:cNvPr id="25" name="Picture 4">
             <a:extLst>
               <a:ext uri="{FF2B5EF4-FFF2-40B4-BE49-F238E27FC236}">
-                <a16:creationId xmlns:a16="http://schemas.microsoft.com/office/drawing/2014/main" id="{507B5413-C1D0-4907-8009-F5CF28FA23AD}"/>
+                <a16:creationId xmlns:a16="http://schemas.microsoft.com/office/drawing/2014/main" id="{30909BE5-EFFD-4F15-BE88-71D658D9B0D9}"/>
               </a:ext>
             </a:extLst>
           </p:cNvPr>
@@ -9154,7 +6968,7 @@
           <p:nvPr/>
         </p:nvPicPr>
         <p:blipFill>
-          <a:blip r:embed="rId9">
+          <a:blip r:embed="rId17">
             <a:extLst>
               <a:ext uri="{28A0092B-C50C-407E-A947-70E740481C1C}">
                 <a14:useLocalDpi xmlns:a14="http://schemas.microsoft.com/office/drawing/2010/main" val="0"/>
@@ -9168,8 +6982,8 @@
         </p:blipFill>
         <p:spPr bwMode="auto">
           <a:xfrm>
-            <a:off x="5703709" y="2382407"/>
-            <a:ext cx="468000" cy="516809"/>
+            <a:off x="8661381" y="1118639"/>
+            <a:ext cx="396000" cy="437300"/>
           </a:xfrm>
           <a:prstGeom prst="rect">
             <a:avLst/>
@@ -9186,10 +7000,98 @@
           </a:extLst>
         </p:spPr>
       </p:pic>
+      <p:sp>
+        <p:nvSpPr>
+          <p:cNvPr id="26" name="TextBox 25">
+            <a:extLst>
+              <a:ext uri="{FF2B5EF4-FFF2-40B4-BE49-F238E27FC236}">
+                <a16:creationId xmlns:a16="http://schemas.microsoft.com/office/drawing/2014/main" id="{27C113F9-F80E-45D5-A5AD-E74A06AF47C3}"/>
+              </a:ext>
+            </a:extLst>
+          </p:cNvPr>
+          <p:cNvSpPr txBox="1"/>
+          <p:nvPr/>
+        </p:nvSpPr>
+        <p:spPr>
+          <a:xfrm>
+            <a:off x="1264082" y="2962935"/>
+            <a:ext cx="1467068" cy="276999"/>
+          </a:xfrm>
+          <a:prstGeom prst="rect">
+            <a:avLst/>
+          </a:prstGeom>
+          <a:noFill/>
+        </p:spPr>
+        <p:txBody>
+          <a:bodyPr wrap="none" rtlCol="0">
+            <a:spAutoFit/>
+          </a:bodyPr>
+          <a:lstStyle/>
+          <a:p>
+            <a:r>
+              <a:rPr lang="en-US" sz="1200" b="1" dirty="0">
+                <a:solidFill>
+                  <a:schemeClr val="tx2"/>
+                </a:solidFill>
+              </a:rPr>
+              <a:t>KU Leuven Portal</a:t>
+            </a:r>
+            <a:endParaRPr lang="nl-BE" sz="1200" b="1" dirty="0">
+              <a:solidFill>
+                <a:schemeClr val="tx2"/>
+              </a:solidFill>
+            </a:endParaRPr>
+          </a:p>
+        </p:txBody>
+      </p:sp>
+      <p:sp>
+        <p:nvSpPr>
+          <p:cNvPr id="27" name="TextBox 26">
+            <a:extLst>
+              <a:ext uri="{FF2B5EF4-FFF2-40B4-BE49-F238E27FC236}">
+                <a16:creationId xmlns:a16="http://schemas.microsoft.com/office/drawing/2014/main" id="{3E26D29D-619D-43D5-9095-946C9B05D40F}"/>
+              </a:ext>
+            </a:extLst>
+          </p:cNvPr>
+          <p:cNvSpPr txBox="1"/>
+          <p:nvPr/>
+        </p:nvSpPr>
+        <p:spPr>
+          <a:xfrm>
+            <a:off x="9428181" y="3290500"/>
+            <a:ext cx="1467068" cy="276999"/>
+          </a:xfrm>
+          <a:prstGeom prst="rect">
+            <a:avLst/>
+          </a:prstGeom>
+          <a:noFill/>
+        </p:spPr>
+        <p:txBody>
+          <a:bodyPr wrap="none" rtlCol="0">
+            <a:spAutoFit/>
+          </a:bodyPr>
+          <a:lstStyle/>
+          <a:p>
+            <a:r>
+              <a:rPr lang="en-US" sz="1200" b="1" dirty="0">
+                <a:solidFill>
+                  <a:schemeClr val="tx2"/>
+                </a:solidFill>
+              </a:rPr>
+              <a:t>KU Leuven Portal</a:t>
+            </a:r>
+            <a:endParaRPr lang="nl-BE" sz="1200" b="1" dirty="0">
+              <a:solidFill>
+                <a:schemeClr val="tx2"/>
+              </a:solidFill>
+            </a:endParaRPr>
+          </a:p>
+        </p:txBody>
+      </p:sp>
     </p:spTree>
     <p:extLst>
       <p:ext uri="{BB962C8B-B14F-4D97-AF65-F5344CB8AC3E}">
-        <p14:creationId xmlns:p14="http://schemas.microsoft.com/office/powerpoint/2010/main" val="3414266588"/>
+        <p14:creationId xmlns:p14="http://schemas.microsoft.com/office/powerpoint/2010/main" val="1100369189"/>
       </p:ext>
     </p:extLst>
   </p:cSld>
@@ -9891,12 +7793,16 @@
               <a:buSzPct val="150000"/>
             </a:pPr>
             <a:r>
-              <a:rPr lang="en-US" sz="4000" dirty="0">
+              <a:rPr lang="en-US" sz="4000" dirty="0" err="1">
                 <a:ea typeface="Open Sans Extrabold" panose="020B0906030804020204" pitchFamily="34" charset="0"/>
                 <a:cs typeface="Open Sans Extrabold" panose="020B0906030804020204" pitchFamily="34" charset="0"/>
               </a:rPr>
-              <a:t>Functionalities</a:t>
-            </a:r>
+              <a:t>icommands</a:t>
+            </a:r>
+            <a:endParaRPr lang="en-US" sz="4000" dirty="0">
+              <a:ea typeface="Open Sans Extrabold" panose="020B0906030804020204" pitchFamily="34" charset="0"/>
+              <a:cs typeface="Open Sans Extrabold" panose="020B0906030804020204" pitchFamily="34" charset="0"/>
+            </a:endParaRPr>
           </a:p>
         </p:txBody>
       </p:sp>
@@ -9909,7 +7815,7 @@
         <p:spPr bwMode="auto">
           <a:xfrm>
             <a:off x="873582" y="1552692"/>
-            <a:ext cx="9301704" cy="4431983"/>
+            <a:ext cx="9301704" cy="3728649"/>
           </a:xfrm>
           <a:prstGeom prst="rect">
             <a:avLst/>
@@ -9927,33 +7833,6 @@
             <a:spAutoFit/>
           </a:bodyPr>
           <a:lstStyle/>
-          <a:p>
-            <a:pPr marL="342900" indent="-342900">
-              <a:lnSpc>
-                <a:spcPct val="150000"/>
-              </a:lnSpc>
-              <a:buClr>
-                <a:schemeClr val="accent1"/>
-              </a:buClr>
-              <a:buSzPct val="150000"/>
-              <a:buFont typeface="Wingdings" panose="05000000000000000000" pitchFamily="2" charset="2"/>
-              <a:buChar char="§"/>
-            </a:pPr>
-            <a:r>
-              <a:rPr lang="en-US" sz="2800" dirty="0" err="1">
-                <a:ea typeface="Open Sans Extrabold" panose="020B0906030804020204" pitchFamily="34" charset="0"/>
-                <a:cs typeface="Open Sans Extrabold" panose="020B0906030804020204" pitchFamily="34" charset="0"/>
-              </a:rPr>
-              <a:t>icommands</a:t>
-            </a:r>
-            <a:r>
-              <a:rPr lang="en-US" sz="2800" dirty="0">
-                <a:ea typeface="Open Sans Extrabold" panose="020B0906030804020204" pitchFamily="34" charset="0"/>
-                <a:cs typeface="Open Sans Extrabold" panose="020B0906030804020204" pitchFamily="34" charset="0"/>
-              </a:rPr>
-              <a:t>: </a:t>
-            </a:r>
-          </a:p>
           <a:p>
             <a:pPr lvl="1">
               <a:lnSpc>
@@ -10299,7 +8178,21 @@
                 <a:ea typeface="Open Sans Extrabold" panose="020B0906030804020204" pitchFamily="34" charset="0"/>
                 <a:cs typeface="Open Sans Extrabold" panose="020B0906030804020204" pitchFamily="34" charset="0"/>
               </a:rPr>
-              <a:t>Functionalities</a:t>
+              <a:t>Python </a:t>
+            </a:r>
+            <a:r>
+              <a:rPr lang="en-US" sz="4000" dirty="0" err="1">
+                <a:ea typeface="Open Sans Extrabold" panose="020B0906030804020204" pitchFamily="34" charset="0"/>
+                <a:cs typeface="Open Sans Extrabold" panose="020B0906030804020204" pitchFamily="34" charset="0"/>
+              </a:rPr>
+              <a:t>iRODS</a:t>
+            </a:r>
+            <a:r>
+              <a:rPr lang="en-US" sz="4000" dirty="0">
+                <a:ea typeface="Open Sans Extrabold" panose="020B0906030804020204" pitchFamily="34" charset="0"/>
+                <a:cs typeface="Open Sans Extrabold" panose="020B0906030804020204" pitchFamily="34" charset="0"/>
+              </a:rPr>
+              <a:t> Client (PRC)</a:t>
             </a:r>
           </a:p>
         </p:txBody>
@@ -10313,7 +8206,7 @@
         <p:spPr bwMode="auto">
           <a:xfrm>
             <a:off x="873582" y="1552692"/>
-            <a:ext cx="9301704" cy="4431983"/>
+            <a:ext cx="9301704" cy="3728649"/>
           </a:xfrm>
           <a:prstGeom prst="rect">
             <a:avLst/>
@@ -10331,26 +8224,6 @@
             <a:spAutoFit/>
           </a:bodyPr>
           <a:lstStyle/>
-          <a:p>
-            <a:pPr marL="342900" indent="-342900">
-              <a:lnSpc>
-                <a:spcPct val="150000"/>
-              </a:lnSpc>
-              <a:buClr>
-                <a:schemeClr val="accent1"/>
-              </a:buClr>
-              <a:buSzPct val="150000"/>
-              <a:buFont typeface="Wingdings" panose="05000000000000000000" pitchFamily="2" charset="2"/>
-              <a:buChar char="§"/>
-            </a:pPr>
-            <a:r>
-              <a:rPr lang="en-US" sz="2800" dirty="0">
-                <a:ea typeface="Open Sans Extrabold" panose="020B0906030804020204" pitchFamily="34" charset="0"/>
-                <a:cs typeface="Open Sans Extrabold" panose="020B0906030804020204" pitchFamily="34" charset="0"/>
-              </a:rPr>
-              <a:t>VSC-PRC: </a:t>
-            </a:r>
-          </a:p>
           <a:p>
             <a:pPr lvl="1">
               <a:lnSpc>
@@ -10574,715 +8447,6 @@
     <p:extLst>
       <p:ext uri="{BB962C8B-B14F-4D97-AF65-F5344CB8AC3E}">
         <p14:creationId xmlns:p14="http://schemas.microsoft.com/office/powerpoint/2010/main" val="1059130025"/>
-      </p:ext>
-    </p:extLst>
-  </p:cSld>
-  <p:clrMapOvr>
-    <a:masterClrMapping/>
-  </p:clrMapOvr>
-</p:sld>
-</file>
-
-<file path=ppt/slides/slide8.xml><?xml version="1.0" encoding="utf-8"?>
-<p:sld xmlns:a="http://schemas.openxmlformats.org/drawingml/2006/main" xmlns:r="http://schemas.openxmlformats.org/officeDocument/2006/relationships" xmlns:p="http://schemas.openxmlformats.org/presentationml/2006/main">
-  <p:cSld>
-    <p:spTree>
-      <p:nvGrpSpPr>
-        <p:cNvPr id="1" name=""/>
-        <p:cNvGrpSpPr/>
-        <p:nvPr/>
-      </p:nvGrpSpPr>
-      <p:grpSpPr>
-        <a:xfrm>
-          <a:off x="0" y="0"/>
-          <a:ext cx="0" cy="0"/>
-          <a:chOff x="0" y="0"/>
-          <a:chExt cx="0" cy="0"/>
-        </a:xfrm>
-      </p:grpSpPr>
-      <p:sp>
-        <p:nvSpPr>
-          <p:cNvPr id="5" name="Slide Number Placeholder 4"/>
-          <p:cNvSpPr>
-            <a:spLocks noGrp="1"/>
-          </p:cNvSpPr>
-          <p:nvPr>
-            <p:ph type="sldNum" sz="quarter" idx="4294967295"/>
-          </p:nvPr>
-        </p:nvSpPr>
-        <p:spPr>
-          <a:xfrm>
-            <a:off x="0" y="6384925"/>
-            <a:ext cx="501650" cy="365125"/>
-          </a:xfrm>
-        </p:spPr>
-        <p:txBody>
-          <a:bodyPr/>
-          <a:lstStyle/>
-          <a:p>
-            <a:fld id="{CF5A1C33-475D-474A-A037-DDAF3DC7AF09}" type="slidenum">
-              <a:rPr lang="en-US" smtClean="0"/>
-              <a:t>8</a:t>
-            </a:fld>
-            <a:endParaRPr lang="en-US"/>
-          </a:p>
-        </p:txBody>
-      </p:sp>
-      <p:sp>
-        <p:nvSpPr>
-          <p:cNvPr id="7" name="TextBox 6"/>
-          <p:cNvSpPr txBox="1"/>
-          <p:nvPr/>
-        </p:nvSpPr>
-        <p:spPr bwMode="auto">
-          <a:xfrm>
-            <a:off x="874901" y="330277"/>
-            <a:ext cx="9301704" cy="901593"/>
-          </a:xfrm>
-          <a:prstGeom prst="rect">
-            <a:avLst/>
-          </a:prstGeom>
-          <a:noFill/>
-          <a:ln w="9525">
-            <a:noFill/>
-            <a:miter lim="800000"/>
-            <a:headEnd/>
-            <a:tailEnd/>
-          </a:ln>
-        </p:spPr>
-        <p:txBody>
-          <a:bodyPr wrap="square" rtlCol="0">
-            <a:spAutoFit/>
-          </a:bodyPr>
-          <a:lstStyle/>
-          <a:p>
-            <a:pPr>
-              <a:lnSpc>
-                <a:spcPct val="150000"/>
-              </a:lnSpc>
-              <a:buClr>
-                <a:schemeClr val="accent1"/>
-              </a:buClr>
-              <a:buSzPct val="150000"/>
-            </a:pPr>
-            <a:r>
-              <a:rPr lang="en-US" sz="4000" dirty="0">
-                <a:ea typeface="Open Sans Extrabold" panose="020B0906030804020204" pitchFamily="34" charset="0"/>
-                <a:cs typeface="Open Sans Extrabold" panose="020B0906030804020204" pitchFamily="34" charset="0"/>
-              </a:rPr>
-              <a:t>Functionalities</a:t>
-            </a:r>
-          </a:p>
-        </p:txBody>
-      </p:sp>
-      <p:sp>
-        <p:nvSpPr>
-          <p:cNvPr id="8" name="TextBox 7"/>
-          <p:cNvSpPr txBox="1"/>
-          <p:nvPr/>
-        </p:nvSpPr>
-        <p:spPr bwMode="auto">
-          <a:xfrm>
-            <a:off x="874901" y="1733848"/>
-            <a:ext cx="5229267" cy="2123658"/>
-          </a:xfrm>
-          <a:prstGeom prst="rect">
-            <a:avLst/>
-          </a:prstGeom>
-          <a:noFill/>
-          <a:ln w="9525">
-            <a:noFill/>
-            <a:miter lim="800000"/>
-            <a:headEnd/>
-            <a:tailEnd/>
-          </a:ln>
-        </p:spPr>
-        <p:txBody>
-          <a:bodyPr wrap="square" rtlCol="0">
-            <a:spAutoFit/>
-          </a:bodyPr>
-          <a:lstStyle/>
-          <a:p>
-            <a:pPr marL="342900" indent="-342900">
-              <a:lnSpc>
-                <a:spcPct val="150000"/>
-              </a:lnSpc>
-              <a:buClr>
-                <a:schemeClr val="accent1"/>
-              </a:buClr>
-              <a:buSzPct val="150000"/>
-              <a:buFont typeface="Wingdings" panose="05000000000000000000" pitchFamily="2" charset="2"/>
-              <a:buChar char="§"/>
-            </a:pPr>
-            <a:r>
-              <a:rPr lang="en-US" sz="2800" dirty="0" err="1">
-                <a:ea typeface="Open Sans Extrabold" panose="020B0906030804020204" pitchFamily="34" charset="0"/>
-                <a:cs typeface="Open Sans Extrabold" panose="020B0906030804020204" pitchFamily="34" charset="0"/>
-              </a:rPr>
-              <a:t>irule</a:t>
-            </a:r>
-            <a:r>
-              <a:rPr lang="en-US" sz="2800" dirty="0">
-                <a:ea typeface="Open Sans Extrabold" panose="020B0906030804020204" pitchFamily="34" charset="0"/>
-                <a:cs typeface="Open Sans Extrabold" panose="020B0906030804020204" pitchFamily="34" charset="0"/>
-              </a:rPr>
-              <a:t>: </a:t>
-            </a:r>
-            <a:endParaRPr lang="en-US" sz="2000" dirty="0">
-              <a:latin typeface="Courier New" panose="02070309020205020404" pitchFamily="49" charset="0"/>
-              <a:ea typeface="Open Sans Extrabold" panose="020B0906030804020204" pitchFamily="34" charset="0"/>
-              <a:cs typeface="Courier New" panose="02070309020205020404" pitchFamily="49" charset="0"/>
-            </a:endParaRPr>
-          </a:p>
-          <a:p>
-            <a:pPr marL="342900" indent="-342900">
-              <a:lnSpc>
-                <a:spcPct val="150000"/>
-              </a:lnSpc>
-              <a:buClr>
-                <a:schemeClr val="accent1"/>
-              </a:buClr>
-              <a:buSzPct val="150000"/>
-              <a:buFont typeface="Arial" panose="020B0604020202020204" pitchFamily="34" charset="0"/>
-              <a:buChar char="•"/>
-            </a:pPr>
-            <a:r>
-              <a:rPr lang="nl-BE" sz="2000" dirty="0"/>
-              <a:t>user level </a:t>
-            </a:r>
-            <a:r>
-              <a:rPr lang="nl-BE" sz="2000" dirty="0" err="1"/>
-              <a:t>rules</a:t>
-            </a:r>
-            <a:endParaRPr lang="nl-BE" sz="2000" dirty="0"/>
-          </a:p>
-          <a:p>
-            <a:pPr marL="342900" indent="-342900">
-              <a:lnSpc>
-                <a:spcPct val="150000"/>
-              </a:lnSpc>
-              <a:buClr>
-                <a:schemeClr val="accent1"/>
-              </a:buClr>
-              <a:buSzPct val="150000"/>
-              <a:buFont typeface="Arial" panose="020B0604020202020204" pitchFamily="34" charset="0"/>
-              <a:buChar char="•"/>
-            </a:pPr>
-            <a:r>
-              <a:rPr lang="nl-BE" sz="2000" dirty="0" err="1"/>
-              <a:t>written</a:t>
-            </a:r>
-            <a:r>
-              <a:rPr lang="nl-BE" sz="2000" dirty="0"/>
-              <a:t> </a:t>
-            </a:r>
-            <a:r>
-              <a:rPr lang="nl-BE" sz="2000" dirty="0" err="1"/>
-              <a:t>into</a:t>
-            </a:r>
-            <a:r>
-              <a:rPr lang="nl-BE" sz="2000" dirty="0"/>
-              <a:t> a </a:t>
-            </a:r>
-            <a:r>
-              <a:rPr lang="nl-BE" sz="2000" dirty="0" err="1"/>
-              <a:t>local</a:t>
-            </a:r>
-            <a:r>
-              <a:rPr lang="nl-BE" sz="2000" dirty="0"/>
-              <a:t> file</a:t>
-            </a:r>
-          </a:p>
-          <a:p>
-            <a:pPr marL="342900" indent="-342900">
-              <a:lnSpc>
-                <a:spcPct val="150000"/>
-              </a:lnSpc>
-              <a:buClr>
-                <a:schemeClr val="accent1"/>
-              </a:buClr>
-              <a:buSzPct val="150000"/>
-              <a:buFont typeface="Arial" panose="020B0604020202020204" pitchFamily="34" charset="0"/>
-              <a:buChar char="•"/>
-            </a:pPr>
-            <a:r>
-              <a:rPr lang="en-US" sz="2000" dirty="0">
-                <a:ea typeface="Open Sans Extrabold" panose="020B0906030804020204" pitchFamily="34" charset="0"/>
-                <a:cs typeface="Open Sans Extrabold" panose="020B0906030804020204" pitchFamily="34" charset="0"/>
-              </a:rPr>
-              <a:t>execute it when you need </a:t>
-            </a:r>
-          </a:p>
-        </p:txBody>
-      </p:sp>
-      <p:sp>
-        <p:nvSpPr>
-          <p:cNvPr id="2" name="Rounded Rectangle 1"/>
-          <p:cNvSpPr/>
-          <p:nvPr/>
-        </p:nvSpPr>
-        <p:spPr>
-          <a:xfrm>
-            <a:off x="6164496" y="1063393"/>
-            <a:ext cx="4458982" cy="693492"/>
-          </a:xfrm>
-          <a:prstGeom prst="roundRect">
-            <a:avLst/>
-          </a:prstGeom>
-          <a:solidFill>
-            <a:srgbClr val="92D050"/>
-          </a:solidFill>
-          <a:ln>
-            <a:solidFill>
-              <a:srgbClr val="00B050"/>
-            </a:solidFill>
-          </a:ln>
-        </p:spPr>
-        <p:style>
-          <a:lnRef idx="2">
-            <a:schemeClr val="accent1">
-              <a:shade val="50000"/>
-            </a:schemeClr>
-          </a:lnRef>
-          <a:fillRef idx="1">
-            <a:schemeClr val="accent1"/>
-          </a:fillRef>
-          <a:effectRef idx="0">
-            <a:schemeClr val="accent1"/>
-          </a:effectRef>
-          <a:fontRef idx="minor">
-            <a:schemeClr val="lt1"/>
-          </a:fontRef>
-        </p:style>
-        <p:txBody>
-          <a:bodyPr rtlCol="0" anchor="ctr"/>
-          <a:lstStyle/>
-          <a:p>
-            <a:pPr algn="ctr"/>
-            <a:r>
-              <a:rPr lang="nl-BE" dirty="0" err="1"/>
-              <a:t>iRODS</a:t>
-            </a:r>
-            <a:r>
-              <a:rPr lang="nl-BE" dirty="0"/>
-              <a:t> RULES</a:t>
-            </a:r>
-          </a:p>
-        </p:txBody>
-      </p:sp>
-      <p:sp>
-        <p:nvSpPr>
-          <p:cNvPr id="3" name="Oval 2"/>
-          <p:cNvSpPr/>
-          <p:nvPr/>
-        </p:nvSpPr>
-        <p:spPr>
-          <a:xfrm>
-            <a:off x="8352894" y="1941816"/>
-            <a:ext cx="2270584" cy="801384"/>
-          </a:xfrm>
-          <a:prstGeom prst="ellipse">
-            <a:avLst/>
-          </a:prstGeom>
-        </p:spPr>
-        <p:style>
-          <a:lnRef idx="2">
-            <a:schemeClr val="accent1">
-              <a:shade val="50000"/>
-            </a:schemeClr>
-          </a:lnRef>
-          <a:fillRef idx="1">
-            <a:schemeClr val="accent1"/>
-          </a:fillRef>
-          <a:effectRef idx="0">
-            <a:schemeClr val="accent1"/>
-          </a:effectRef>
-          <a:fontRef idx="minor">
-            <a:schemeClr val="lt1"/>
-          </a:fontRef>
-        </p:style>
-        <p:txBody>
-          <a:bodyPr rtlCol="0" anchor="ctr"/>
-          <a:lstStyle/>
-          <a:p>
-            <a:pPr algn="ctr"/>
-            <a:r>
-              <a:rPr lang="nl-BE" dirty="0"/>
-              <a:t>Community</a:t>
-            </a:r>
-          </a:p>
-        </p:txBody>
-      </p:sp>
-      <p:sp>
-        <p:nvSpPr>
-          <p:cNvPr id="4" name="Rounded Rectangle 3"/>
-          <p:cNvSpPr/>
-          <p:nvPr/>
-        </p:nvSpPr>
-        <p:spPr>
-          <a:xfrm>
-            <a:off x="6164497" y="1996826"/>
-            <a:ext cx="1489750" cy="746373"/>
-          </a:xfrm>
-          <a:prstGeom prst="roundRect">
-            <a:avLst/>
-          </a:prstGeom>
-          <a:solidFill>
-            <a:schemeClr val="bg1">
-              <a:lumMod val="75000"/>
-            </a:schemeClr>
-          </a:solidFill>
-        </p:spPr>
-        <p:style>
-          <a:lnRef idx="2">
-            <a:schemeClr val="accent1">
-              <a:shade val="50000"/>
-            </a:schemeClr>
-          </a:lnRef>
-          <a:fillRef idx="1">
-            <a:schemeClr val="accent1"/>
-          </a:fillRef>
-          <a:effectRef idx="0">
-            <a:schemeClr val="accent1"/>
-          </a:effectRef>
-          <a:fontRef idx="minor">
-            <a:schemeClr val="lt1"/>
-          </a:fontRef>
-        </p:style>
-        <p:txBody>
-          <a:bodyPr rtlCol="0" anchor="ctr"/>
-          <a:lstStyle/>
-          <a:p>
-            <a:pPr algn="ctr"/>
-            <a:r>
-              <a:rPr lang="nl-BE" dirty="0" err="1"/>
-              <a:t>Policies</a:t>
-            </a:r>
-            <a:endParaRPr lang="nl-BE" dirty="0"/>
-          </a:p>
-        </p:txBody>
-      </p:sp>
-      <p:cxnSp>
-        <p:nvCxnSpPr>
-          <p:cNvPr id="10" name="Straight Arrow Connector 9"/>
-          <p:cNvCxnSpPr/>
-          <p:nvPr/>
-        </p:nvCxnSpPr>
-        <p:spPr>
-          <a:xfrm flipV="1">
-            <a:off x="7654247" y="2316433"/>
-            <a:ext cx="698647" cy="4012"/>
-          </a:xfrm>
-          <a:prstGeom prst="straightConnector1">
-            <a:avLst/>
-          </a:prstGeom>
-          <a:ln>
-            <a:headEnd type="triangle"/>
-            <a:tailEnd type="triangle"/>
-          </a:ln>
-        </p:spPr>
-        <p:style>
-          <a:lnRef idx="1">
-            <a:schemeClr val="accent1"/>
-          </a:lnRef>
-          <a:fillRef idx="0">
-            <a:schemeClr val="accent1"/>
-          </a:fillRef>
-          <a:effectRef idx="0">
-            <a:schemeClr val="accent1"/>
-          </a:effectRef>
-          <a:fontRef idx="minor">
-            <a:schemeClr val="tx1"/>
-          </a:fontRef>
-        </p:style>
-      </p:cxnSp>
-      <p:sp>
-        <p:nvSpPr>
-          <p:cNvPr id="12" name="Oval 11"/>
-          <p:cNvSpPr/>
-          <p:nvPr/>
-        </p:nvSpPr>
-        <p:spPr>
-          <a:xfrm>
-            <a:off x="8352893" y="2918718"/>
-            <a:ext cx="2270585" cy="801384"/>
-          </a:xfrm>
-          <a:prstGeom prst="ellipse">
-            <a:avLst/>
-          </a:prstGeom>
-        </p:spPr>
-        <p:style>
-          <a:lnRef idx="2">
-            <a:schemeClr val="accent1">
-              <a:shade val="50000"/>
-            </a:schemeClr>
-          </a:lnRef>
-          <a:fillRef idx="1">
-            <a:schemeClr val="accent1"/>
-          </a:fillRef>
-          <a:effectRef idx="0">
-            <a:schemeClr val="accent1"/>
-          </a:effectRef>
-          <a:fontRef idx="minor">
-            <a:schemeClr val="lt1"/>
-          </a:fontRef>
-        </p:style>
-        <p:txBody>
-          <a:bodyPr rtlCol="0" anchor="ctr"/>
-          <a:lstStyle/>
-          <a:p>
-            <a:pPr algn="ctr"/>
-            <a:r>
-              <a:rPr lang="nl-BE" dirty="0"/>
-              <a:t>Users/</a:t>
-            </a:r>
-            <a:r>
-              <a:rPr lang="nl-BE" dirty="0" err="1"/>
-              <a:t>Admins</a:t>
-            </a:r>
-            <a:endParaRPr lang="nl-BE" dirty="0"/>
-          </a:p>
-        </p:txBody>
-      </p:sp>
-      <p:sp>
-        <p:nvSpPr>
-          <p:cNvPr id="13" name="Rounded Rectangle 12"/>
-          <p:cNvSpPr/>
-          <p:nvPr/>
-        </p:nvSpPr>
-        <p:spPr>
-          <a:xfrm>
-            <a:off x="6164496" y="2953430"/>
-            <a:ext cx="1489749" cy="724502"/>
-          </a:xfrm>
-          <a:prstGeom prst="roundRect">
-            <a:avLst/>
-          </a:prstGeom>
-          <a:solidFill>
-            <a:schemeClr val="bg1">
-              <a:lumMod val="50000"/>
-            </a:schemeClr>
-          </a:solidFill>
-          <a:ln>
-            <a:solidFill>
-              <a:schemeClr val="bg1">
-                <a:lumMod val="50000"/>
-              </a:schemeClr>
-            </a:solidFill>
-          </a:ln>
-        </p:spPr>
-        <p:style>
-          <a:lnRef idx="2">
-            <a:schemeClr val="accent1">
-              <a:shade val="50000"/>
-            </a:schemeClr>
-          </a:lnRef>
-          <a:fillRef idx="1">
-            <a:schemeClr val="accent1"/>
-          </a:fillRef>
-          <a:effectRef idx="0">
-            <a:schemeClr val="accent1"/>
-          </a:effectRef>
-          <a:fontRef idx="minor">
-            <a:schemeClr val="lt1"/>
-          </a:fontRef>
-        </p:style>
-        <p:txBody>
-          <a:bodyPr rtlCol="0" anchor="ctr"/>
-          <a:lstStyle/>
-          <a:p>
-            <a:pPr algn="ctr"/>
-            <a:r>
-              <a:rPr lang="nl-BE" dirty="0"/>
-              <a:t>Rules</a:t>
-            </a:r>
-          </a:p>
-          <a:p>
-            <a:pPr algn="ctr"/>
-            <a:r>
-              <a:rPr lang="nl-BE" dirty="0" err="1"/>
-              <a:t>dsl</a:t>
-            </a:r>
-            <a:r>
-              <a:rPr lang="nl-BE" dirty="0"/>
-              <a:t>, Python</a:t>
-            </a:r>
-          </a:p>
-        </p:txBody>
-      </p:sp>
-      <p:cxnSp>
-        <p:nvCxnSpPr>
-          <p:cNvPr id="14" name="Straight Arrow Connector 13"/>
-          <p:cNvCxnSpPr/>
-          <p:nvPr/>
-        </p:nvCxnSpPr>
-        <p:spPr>
-          <a:xfrm>
-            <a:off x="7654247" y="3318553"/>
-            <a:ext cx="698645" cy="10933"/>
-          </a:xfrm>
-          <a:prstGeom prst="straightConnector1">
-            <a:avLst/>
-          </a:prstGeom>
-          <a:ln>
-            <a:headEnd type="triangle"/>
-            <a:tailEnd type="triangle"/>
-          </a:ln>
-        </p:spPr>
-        <p:style>
-          <a:lnRef idx="1">
-            <a:schemeClr val="accent1"/>
-          </a:lnRef>
-          <a:fillRef idx="0">
-            <a:schemeClr val="accent1"/>
-          </a:fillRef>
-          <a:effectRef idx="0">
-            <a:schemeClr val="accent1"/>
-          </a:effectRef>
-          <a:fontRef idx="minor">
-            <a:schemeClr val="tx1"/>
-          </a:fontRef>
-        </p:style>
-      </p:cxnSp>
-      <p:cxnSp>
-        <p:nvCxnSpPr>
-          <p:cNvPr id="16" name="Straight Arrow Connector 15"/>
-          <p:cNvCxnSpPr/>
-          <p:nvPr/>
-        </p:nvCxnSpPr>
-        <p:spPr>
-          <a:xfrm flipH="1">
-            <a:off x="5889009" y="3756251"/>
-            <a:ext cx="888119" cy="1025942"/>
-          </a:xfrm>
-          <a:prstGeom prst="straightConnector1">
-            <a:avLst/>
-          </a:prstGeom>
-          <a:ln>
-            <a:tailEnd type="triangle"/>
-          </a:ln>
-        </p:spPr>
-        <p:style>
-          <a:lnRef idx="1">
-            <a:schemeClr val="accent1"/>
-          </a:lnRef>
-          <a:fillRef idx="0">
-            <a:schemeClr val="accent1"/>
-          </a:fillRef>
-          <a:effectRef idx="0">
-            <a:schemeClr val="accent1"/>
-          </a:effectRef>
-          <a:fontRef idx="minor">
-            <a:schemeClr val="tx1"/>
-          </a:fontRef>
-        </p:style>
-      </p:cxnSp>
-      <p:graphicFrame>
-        <p:nvGraphicFramePr>
-          <p:cNvPr id="17" name="Diagram 16"/>
-          <p:cNvGraphicFramePr/>
-          <p:nvPr/>
-        </p:nvGraphicFramePr>
-        <p:xfrm>
-          <a:off x="4294596" y="4198275"/>
-          <a:ext cx="1582229" cy="1434961"/>
-        </p:xfrm>
-        <a:graphic>
-          <a:graphicData uri="http://schemas.openxmlformats.org/drawingml/2006/diagram">
-            <dgm:relIds xmlns:dgm="http://schemas.openxmlformats.org/drawingml/2006/diagram" xmlns:r="http://schemas.openxmlformats.org/officeDocument/2006/relationships" r:dm="rId2" r:lo="rId3" r:qs="rId4" r:cs="rId5"/>
-          </a:graphicData>
-        </a:graphic>
-      </p:graphicFrame>
-      <p:sp>
-        <p:nvSpPr>
-          <p:cNvPr id="20" name="Bevel 19"/>
-          <p:cNvSpPr/>
-          <p:nvPr/>
-        </p:nvSpPr>
-        <p:spPr>
-          <a:xfrm>
-            <a:off x="8203991" y="4262920"/>
-            <a:ext cx="1284269" cy="1038546"/>
-          </a:xfrm>
-          <a:prstGeom prst="bevel">
-            <a:avLst/>
-          </a:prstGeom>
-          <a:solidFill>
-            <a:srgbClr val="FFC000"/>
-          </a:solidFill>
-        </p:spPr>
-        <p:style>
-          <a:lnRef idx="2">
-            <a:schemeClr val="accent1">
-              <a:shade val="50000"/>
-            </a:schemeClr>
-          </a:lnRef>
-          <a:fillRef idx="1">
-            <a:schemeClr val="accent1"/>
-          </a:fillRef>
-          <a:effectRef idx="0">
-            <a:schemeClr val="accent1"/>
-          </a:effectRef>
-          <a:fontRef idx="minor">
-            <a:schemeClr val="lt1"/>
-          </a:fontRef>
-        </p:style>
-        <p:txBody>
-          <a:bodyPr rtlCol="0" anchor="ctr"/>
-          <a:lstStyle/>
-          <a:p>
-            <a:pPr algn="ctr"/>
-            <a:r>
-              <a:rPr lang="nl-BE" dirty="0"/>
-              <a:t>Users</a:t>
-            </a:r>
-          </a:p>
-          <a:p>
-            <a:pPr algn="ctr"/>
-            <a:r>
-              <a:rPr lang="nl-BE" dirty="0"/>
-              <a:t>Manual</a:t>
-            </a:r>
-          </a:p>
-        </p:txBody>
-      </p:sp>
-      <p:cxnSp>
-        <p:nvCxnSpPr>
-          <p:cNvPr id="23" name="Straight Arrow Connector 22"/>
-          <p:cNvCxnSpPr/>
-          <p:nvPr/>
-        </p:nvCxnSpPr>
-        <p:spPr>
-          <a:xfrm>
-            <a:off x="7006975" y="3756251"/>
-            <a:ext cx="1037690" cy="1025942"/>
-          </a:xfrm>
-          <a:prstGeom prst="straightConnector1">
-            <a:avLst/>
-          </a:prstGeom>
-          <a:ln>
-            <a:tailEnd type="triangle"/>
-          </a:ln>
-        </p:spPr>
-        <p:style>
-          <a:lnRef idx="1">
-            <a:schemeClr val="accent1"/>
-          </a:lnRef>
-          <a:fillRef idx="0">
-            <a:schemeClr val="accent1"/>
-          </a:fillRef>
-          <a:effectRef idx="0">
-            <a:schemeClr val="accent1"/>
-          </a:effectRef>
-          <a:fontRef idx="minor">
-            <a:schemeClr val="tx1"/>
-          </a:fontRef>
-        </p:style>
-      </p:cxnSp>
-    </p:spTree>
-    <p:extLst>
-      <p:ext uri="{BB962C8B-B14F-4D97-AF65-F5344CB8AC3E}">
-        <p14:creationId xmlns:p14="http://schemas.microsoft.com/office/powerpoint/2010/main" val="4025810031"/>
       </p:ext>
     </p:extLst>
   </p:cSld>
